--- a/app/static/media/pptx/temp.pptx
+++ b/app/static/media/pptx/temp.pptx
@@ -10,6 +10,20 @@
     <p:sldId id="258" r:id="rId9"/>
     <p:sldId id="259" r:id="rId10"/>
     <p:sldId id="260" r:id="rId11"/>
+    <p:sldId id="261" r:id="rId12"/>
+    <p:sldId id="262" r:id="rId13"/>
+    <p:sldId id="263" r:id="rId14"/>
+    <p:sldId id="264" r:id="rId15"/>
+    <p:sldId id="265" r:id="rId16"/>
+    <p:sldId id="266" r:id="rId17"/>
+    <p:sldId id="267" r:id="rId18"/>
+    <p:sldId id="268" r:id="rId19"/>
+    <p:sldId id="269" r:id="rId20"/>
+    <p:sldId id="270" r:id="rId21"/>
+    <p:sldId id="271" r:id="rId22"/>
+    <p:sldId id="272" r:id="rId23"/>
+    <p:sldId id="273" r:id="rId24"/>
+    <p:sldId id="274" r:id="rId25"/>
   </p:sldIdLst>
   <p:sldSz cx="14400000" cy="7920000" type="screen4x3"/>
   <p:notesSz cx="6858000" cy="9144000"/>
@@ -3143,7 +3157,3927 @@
               <a:rPr sz="2834">
                 <a:latin typeface="Helvetica"/>
               </a:rPr>
-              <a:t>Teste11</a:t>
+              <a:t>Mogi das Cruzes</a:t>
+            </a:r>
+          </a:p>
+        </p:txBody>
+      </p:sp>
+    </p:spTree>
+  </p:cSld>
+  <p:clrMapOvr>
+    <a:masterClrMapping/>
+  </p:clrMapOvr>
+</p:sld>
+</file>
+
+<file path=ppt/slides/slide10.xml><?xml version="1.0" encoding="utf-8"?>
+<p:sld xmlns:a="http://schemas.openxmlformats.org/drawingml/2006/main" xmlns:p="http://schemas.openxmlformats.org/presentationml/2006/main" xmlns:r="http://schemas.openxmlformats.org/officeDocument/2006/relationships">
+  <p:cSld>
+    <p:spTree>
+      <p:nvGrpSpPr>
+        <p:cNvPr id="1" name=""/>
+        <p:cNvGrpSpPr/>
+        <p:nvPr/>
+      </p:nvGrpSpPr>
+      <p:grpSpPr/>
+      <p:pic>
+        <p:nvPicPr>
+          <p:cNvPr id="2" name="Picture 1" descr="template_pdf.jpg"/>
+          <p:cNvPicPr>
+            <a:picLocks noChangeAspect="1"/>
+          </p:cNvPicPr>
+          <p:nvPr/>
+        </p:nvPicPr>
+        <p:blipFill>
+          <a:blip r:embed="rId2"/>
+          <a:stretch>
+            <a:fillRect/>
+          </a:stretch>
+        </p:blipFill>
+        <p:spPr>
+          <a:xfrm>
+            <a:off x="0" y="0"/>
+            <a:ext cx="14400000" cy="7920000"/>
+          </a:xfrm>
+          <a:prstGeom prst="rect">
+            <a:avLst/>
+          </a:prstGeom>
+        </p:spPr>
+      </p:pic>
+      <p:sp>
+        <p:nvSpPr>
+          <p:cNvPr id="3" name="TextBox 2"/>
+          <p:cNvSpPr txBox="1"/>
+          <p:nvPr/>
+        </p:nvSpPr>
+        <p:spPr>
+          <a:xfrm>
+            <a:off x="0" y="180000"/>
+            <a:ext cx="15120000" cy="180000"/>
+          </a:xfrm>
+          <a:prstGeom prst="rect">
+            <a:avLst/>
+          </a:prstGeom>
+          <a:noFill/>
+        </p:spPr>
+        <p:txBody>
+          <a:bodyPr wrap="none">
+            <a:spAutoFit/>
+          </a:bodyPr>
+          <a:lstStyle/>
+          <a:p>
+            <a:pPr algn="ctr"/>
+            <a:r>
+              <a:rPr b="1" sz="1984">
+                <a:solidFill>
+                  <a:srgbClr val="FFFFFF"/>
+                </a:solidFill>
+                <a:latin typeface="Helvetica"/>
+              </a:rPr>
+              <a:t>Rua Cabo Diogo Oliver,  Próx. A Faculdade Clube Náutico – Semáforo 3 Fases - Entrada/Saída Mogi </a:t>
+            </a:r>
+          </a:p>
+        </p:txBody>
+      </p:sp>
+      <p:pic>
+        <p:nvPicPr>
+          <p:cNvPr id="4" name="Picture 3" descr="temp_image8.jpg"/>
+          <p:cNvPicPr>
+            <a:picLocks noChangeAspect="1"/>
+          </p:cNvPicPr>
+          <p:nvPr/>
+        </p:nvPicPr>
+        <p:blipFill>
+          <a:blip r:embed="rId3"/>
+          <a:stretch>
+            <a:fillRect/>
+          </a:stretch>
+        </p:blipFill>
+        <p:spPr>
+          <a:xfrm>
+            <a:off x="108000" y="785160"/>
+            <a:ext cx="9432000" cy="6480000"/>
+          </a:xfrm>
+          <a:prstGeom prst="rect">
+            <a:avLst/>
+          </a:prstGeom>
+        </p:spPr>
+      </p:pic>
+      <p:sp>
+        <p:nvSpPr>
+          <p:cNvPr id="5" name="TextBox 4"/>
+          <p:cNvSpPr txBox="1"/>
+          <p:nvPr/>
+        </p:nvSpPr>
+        <p:spPr>
+          <a:xfrm>
+            <a:off x="108000" y="7380000"/>
+            <a:ext cx="1080000" cy="180000"/>
+          </a:xfrm>
+          <a:prstGeom prst="rect">
+            <a:avLst/>
+          </a:prstGeom>
+          <a:noFill/>
+        </p:spPr>
+        <p:txBody>
+          <a:bodyPr wrap="none">
+            <a:spAutoFit/>
+          </a:bodyPr>
+          <a:lstStyle/>
+          <a:p>
+            <a:pPr algn="l"/>
+            <a:r>
+              <a:rPr b="1" sz="1559">
+                <a:latin typeface="Helvetica"/>
+              </a:rPr>
+              <a:t>Coordenadas:</a:t>
+            </a:r>
+          </a:p>
+        </p:txBody>
+      </p:sp>
+      <p:sp>
+        <p:nvSpPr>
+          <p:cNvPr id="6" name="TextBox 5"/>
+          <p:cNvSpPr txBox="1"/>
+          <p:nvPr/>
+        </p:nvSpPr>
+        <p:spPr>
+          <a:xfrm>
+            <a:off x="1458000" y="7380000"/>
+            <a:ext cx="1800000" cy="216000"/>
+          </a:xfrm>
+          <a:prstGeom prst="rect">
+            <a:avLst/>
+          </a:prstGeom>
+          <a:noFill/>
+        </p:spPr>
+        <p:txBody>
+          <a:bodyPr wrap="none">
+            <a:spAutoFit/>
+          </a:bodyPr>
+          <a:lstStyle/>
+          <a:p>
+            <a:pPr algn="l"/>
+            <a:r>
+              <a:rPr sz="1559">
+                <a:latin typeface="Helvetica"/>
+              </a:rPr>
+              <a:t>-23.517477  -46.2009529</a:t>
+            </a:r>
+          </a:p>
+        </p:txBody>
+      </p:sp>
+      <p:sp>
+        <p:nvSpPr>
+          <p:cNvPr id="7" name="TextBox 6"/>
+          <p:cNvSpPr txBox="1"/>
+          <p:nvPr/>
+        </p:nvSpPr>
+        <p:spPr>
+          <a:xfrm>
+            <a:off x="6480000" y="7380000"/>
+            <a:ext cx="1080000" cy="180000"/>
+          </a:xfrm>
+          <a:prstGeom prst="rect">
+            <a:avLst/>
+          </a:prstGeom>
+          <a:noFill/>
+        </p:spPr>
+        <p:txBody>
+          <a:bodyPr wrap="none">
+            <a:spAutoFit/>
+          </a:bodyPr>
+          <a:lstStyle/>
+          <a:p>
+            <a:pPr algn="l"/>
+            <a:r>
+              <a:rPr b="1" sz="1559">
+                <a:latin typeface="Helvetica"/>
+              </a:rPr>
+              <a:t>Codigo:</a:t>
+            </a:r>
+          </a:p>
+        </p:txBody>
+      </p:sp>
+      <p:sp>
+        <p:nvSpPr>
+          <p:cNvPr id="8" name="TextBox 7"/>
+          <p:cNvSpPr txBox="1"/>
+          <p:nvPr/>
+        </p:nvSpPr>
+        <p:spPr>
+          <a:xfrm>
+            <a:off x="7272000" y="7380000"/>
+            <a:ext cx="1800000" cy="216000"/>
+          </a:xfrm>
+          <a:prstGeom prst="rect">
+            <a:avLst/>
+          </a:prstGeom>
+          <a:noFill/>
+        </p:spPr>
+        <p:txBody>
+          <a:bodyPr wrap="none">
+            <a:spAutoFit/>
+          </a:bodyPr>
+          <a:lstStyle/>
+          <a:p>
+            <a:pPr algn="l"/>
+            <a:r>
+              <a:rPr sz="1559">
+                <a:latin typeface="Helvetica"/>
+              </a:rPr>
+              <a:t>MP018</a:t>
+            </a:r>
+          </a:p>
+        </p:txBody>
+      </p:sp>
+      <p:sp>
+        <p:nvSpPr>
+          <p:cNvPr id="9" name="TextBox 8"/>
+          <p:cNvSpPr txBox="1"/>
+          <p:nvPr/>
+        </p:nvSpPr>
+        <p:spPr>
+          <a:xfrm>
+            <a:off x="9576000" y="720000"/>
+            <a:ext cx="1080000" cy="216000"/>
+          </a:xfrm>
+          <a:prstGeom prst="rect">
+            <a:avLst/>
+          </a:prstGeom>
+          <a:noFill/>
+        </p:spPr>
+        <p:txBody>
+          <a:bodyPr wrap="none">
+            <a:spAutoFit/>
+          </a:bodyPr>
+          <a:lstStyle/>
+          <a:p>
+            <a:pPr algn="l"/>
+            <a:r>
+              <a:rPr b="1" sz="1559">
+                <a:latin typeface="Helvetica"/>
+              </a:rPr>
+              <a:t>Cidade</a:t>
+            </a:r>
+          </a:p>
+        </p:txBody>
+      </p:sp>
+      <p:sp>
+        <p:nvSpPr>
+          <p:cNvPr id="10" name="TextBox 9"/>
+          <p:cNvSpPr txBox="1"/>
+          <p:nvPr/>
+        </p:nvSpPr>
+        <p:spPr>
+          <a:xfrm>
+            <a:off x="9576000" y="990000"/>
+            <a:ext cx="1080000" cy="216000"/>
+          </a:xfrm>
+          <a:prstGeom prst="rect">
+            <a:avLst/>
+          </a:prstGeom>
+          <a:noFill/>
+        </p:spPr>
+        <p:txBody>
+          <a:bodyPr wrap="none">
+            <a:spAutoFit/>
+          </a:bodyPr>
+          <a:lstStyle/>
+          <a:p>
+            <a:pPr algn="l"/>
+            <a:r>
+              <a:rPr sz="1559">
+                <a:latin typeface="Helvetica"/>
+              </a:rPr>
+              <a:t>Mogi das Cruzes </a:t>
+            </a:r>
+          </a:p>
+        </p:txBody>
+      </p:sp>
+      <p:sp>
+        <p:nvSpPr>
+          <p:cNvPr id="11" name="TextBox 10"/>
+          <p:cNvSpPr txBox="1"/>
+          <p:nvPr/>
+        </p:nvSpPr>
+        <p:spPr>
+          <a:xfrm>
+            <a:off x="9576000" y="1332000"/>
+            <a:ext cx="1080000" cy="216000"/>
+          </a:xfrm>
+          <a:prstGeom prst="rect">
+            <a:avLst/>
+          </a:prstGeom>
+          <a:noFill/>
+        </p:spPr>
+        <p:txBody>
+          <a:bodyPr wrap="none">
+            <a:spAutoFit/>
+          </a:bodyPr>
+          <a:lstStyle/>
+          <a:p>
+            <a:pPr algn="l"/>
+            <a:r>
+              <a:rPr b="1" sz="1559">
+                <a:latin typeface="Helvetica"/>
+              </a:rPr>
+              <a:t>Formato</a:t>
+            </a:r>
+          </a:p>
+        </p:txBody>
+      </p:sp>
+      <p:sp>
+        <p:nvSpPr>
+          <p:cNvPr id="12" name="TextBox 11"/>
+          <p:cNvSpPr txBox="1"/>
+          <p:nvPr/>
+        </p:nvSpPr>
+        <p:spPr>
+          <a:xfrm>
+            <a:off x="9576000" y="1602000"/>
+            <a:ext cx="1080000" cy="216000"/>
+          </a:xfrm>
+          <a:prstGeom prst="rect">
+            <a:avLst/>
+          </a:prstGeom>
+          <a:noFill/>
+        </p:spPr>
+        <p:txBody>
+          <a:bodyPr wrap="none">
+            <a:spAutoFit/>
+          </a:bodyPr>
+          <a:lstStyle/>
+          <a:p>
+            <a:pPr algn="l"/>
+            <a:r>
+              <a:rPr sz="1559">
+                <a:latin typeface="Helvetica"/>
+              </a:rPr>
+              <a:t>Outdoor </a:t>
+            </a:r>
+          </a:p>
+        </p:txBody>
+      </p:sp>
+      <p:sp>
+        <p:nvSpPr>
+          <p:cNvPr id="13" name="TextBox 12"/>
+          <p:cNvSpPr txBox="1"/>
+          <p:nvPr/>
+        </p:nvSpPr>
+        <p:spPr>
+          <a:xfrm>
+            <a:off x="13680000" y="7326000"/>
+            <a:ext cx="360000" cy="360000"/>
+          </a:xfrm>
+          <a:prstGeom prst="rect">
+            <a:avLst/>
+          </a:prstGeom>
+          <a:noFill/>
+        </p:spPr>
+        <p:txBody>
+          <a:bodyPr wrap="none">
+            <a:spAutoFit/>
+          </a:bodyPr>
+          <a:lstStyle/>
+          <a:p>
+            <a:pPr algn="ctr"/>
+            <a:r>
+              <a:rPr b="1" sz="2267">
+                <a:solidFill>
+                  <a:srgbClr val="FFFFFF"/>
+                </a:solidFill>
+                <a:latin typeface="Helvetica"/>
+              </a:rPr>
+              <a:t>10</a:t>
+            </a:r>
+          </a:p>
+        </p:txBody>
+      </p:sp>
+    </p:spTree>
+  </p:cSld>
+  <p:clrMapOvr>
+    <a:masterClrMapping/>
+  </p:clrMapOvr>
+</p:sld>
+</file>
+
+<file path=ppt/slides/slide11.xml><?xml version="1.0" encoding="utf-8"?>
+<p:sld xmlns:a="http://schemas.openxmlformats.org/drawingml/2006/main" xmlns:p="http://schemas.openxmlformats.org/presentationml/2006/main" xmlns:r="http://schemas.openxmlformats.org/officeDocument/2006/relationships">
+  <p:cSld>
+    <p:spTree>
+      <p:nvGrpSpPr>
+        <p:cNvPr id="1" name=""/>
+        <p:cNvGrpSpPr/>
+        <p:nvPr/>
+      </p:nvGrpSpPr>
+      <p:grpSpPr/>
+      <p:pic>
+        <p:nvPicPr>
+          <p:cNvPr id="2" name="Picture 1" descr="template_pdf.jpg"/>
+          <p:cNvPicPr>
+            <a:picLocks noChangeAspect="1"/>
+          </p:cNvPicPr>
+          <p:nvPr/>
+        </p:nvPicPr>
+        <p:blipFill>
+          <a:blip r:embed="rId2"/>
+          <a:stretch>
+            <a:fillRect/>
+          </a:stretch>
+        </p:blipFill>
+        <p:spPr>
+          <a:xfrm>
+            <a:off x="0" y="0"/>
+            <a:ext cx="14400000" cy="7920000"/>
+          </a:xfrm>
+          <a:prstGeom prst="rect">
+            <a:avLst/>
+          </a:prstGeom>
+        </p:spPr>
+      </p:pic>
+      <p:sp>
+        <p:nvSpPr>
+          <p:cNvPr id="3" name="TextBox 2"/>
+          <p:cNvSpPr txBox="1"/>
+          <p:nvPr/>
+        </p:nvSpPr>
+        <p:spPr>
+          <a:xfrm>
+            <a:off x="0" y="180000"/>
+            <a:ext cx="15120000" cy="180000"/>
+          </a:xfrm>
+          <a:prstGeom prst="rect">
+            <a:avLst/>
+          </a:prstGeom>
+          <a:noFill/>
+        </p:spPr>
+        <p:txBody>
+          <a:bodyPr wrap="none">
+            <a:spAutoFit/>
+          </a:bodyPr>
+          <a:lstStyle/>
+          <a:p>
+            <a:pPr algn="ctr"/>
+            <a:r>
+              <a:rPr b="1" sz="1984">
+                <a:solidFill>
+                  <a:srgbClr val="FFFFFF"/>
+                </a:solidFill>
+                <a:latin typeface="Helvetica"/>
+              </a:rPr>
+              <a:t>Rua Carlos Baratino,s/Nº (Ao Lado Da Av.Cívica)</a:t>
+            </a:r>
+          </a:p>
+        </p:txBody>
+      </p:sp>
+      <p:pic>
+        <p:nvPicPr>
+          <p:cNvPr id="4" name="Picture 3" descr="temp_image9.jpg"/>
+          <p:cNvPicPr>
+            <a:picLocks noChangeAspect="1"/>
+          </p:cNvPicPr>
+          <p:nvPr/>
+        </p:nvPicPr>
+        <p:blipFill>
+          <a:blip r:embed="rId3"/>
+          <a:stretch>
+            <a:fillRect/>
+          </a:stretch>
+        </p:blipFill>
+        <p:spPr>
+          <a:xfrm>
+            <a:off x="108000" y="785160"/>
+            <a:ext cx="9432000" cy="6480000"/>
+          </a:xfrm>
+          <a:prstGeom prst="rect">
+            <a:avLst/>
+          </a:prstGeom>
+        </p:spPr>
+      </p:pic>
+      <p:sp>
+        <p:nvSpPr>
+          <p:cNvPr id="5" name="TextBox 4"/>
+          <p:cNvSpPr txBox="1"/>
+          <p:nvPr/>
+        </p:nvSpPr>
+        <p:spPr>
+          <a:xfrm>
+            <a:off x="108000" y="7380000"/>
+            <a:ext cx="1080000" cy="180000"/>
+          </a:xfrm>
+          <a:prstGeom prst="rect">
+            <a:avLst/>
+          </a:prstGeom>
+          <a:noFill/>
+        </p:spPr>
+        <p:txBody>
+          <a:bodyPr wrap="none">
+            <a:spAutoFit/>
+          </a:bodyPr>
+          <a:lstStyle/>
+          <a:p>
+            <a:pPr algn="l"/>
+            <a:r>
+              <a:rPr b="1" sz="1559">
+                <a:latin typeface="Helvetica"/>
+              </a:rPr>
+              <a:t>Coordenadas:</a:t>
+            </a:r>
+          </a:p>
+        </p:txBody>
+      </p:sp>
+      <p:sp>
+        <p:nvSpPr>
+          <p:cNvPr id="6" name="TextBox 5"/>
+          <p:cNvSpPr txBox="1"/>
+          <p:nvPr/>
+        </p:nvSpPr>
+        <p:spPr>
+          <a:xfrm>
+            <a:off x="1458000" y="7380000"/>
+            <a:ext cx="1800000" cy="216000"/>
+          </a:xfrm>
+          <a:prstGeom prst="rect">
+            <a:avLst/>
+          </a:prstGeom>
+          <a:noFill/>
+        </p:spPr>
+        <p:txBody>
+          <a:bodyPr wrap="none">
+            <a:spAutoFit/>
+          </a:bodyPr>
+          <a:lstStyle/>
+          <a:p>
+            <a:pPr algn="l"/>
+            <a:r>
+              <a:rPr sz="1559">
+                <a:latin typeface="Helvetica"/>
+              </a:rPr>
+              <a:t>-23.50834  -46.189112</a:t>
+            </a:r>
+          </a:p>
+        </p:txBody>
+      </p:sp>
+      <p:sp>
+        <p:nvSpPr>
+          <p:cNvPr id="7" name="TextBox 6"/>
+          <p:cNvSpPr txBox="1"/>
+          <p:nvPr/>
+        </p:nvSpPr>
+        <p:spPr>
+          <a:xfrm>
+            <a:off x="6480000" y="7380000"/>
+            <a:ext cx="1080000" cy="180000"/>
+          </a:xfrm>
+          <a:prstGeom prst="rect">
+            <a:avLst/>
+          </a:prstGeom>
+          <a:noFill/>
+        </p:spPr>
+        <p:txBody>
+          <a:bodyPr wrap="none">
+            <a:spAutoFit/>
+          </a:bodyPr>
+          <a:lstStyle/>
+          <a:p>
+            <a:pPr algn="l"/>
+            <a:r>
+              <a:rPr b="1" sz="1559">
+                <a:latin typeface="Helvetica"/>
+              </a:rPr>
+              <a:t>Codigo:</a:t>
+            </a:r>
+          </a:p>
+        </p:txBody>
+      </p:sp>
+      <p:sp>
+        <p:nvSpPr>
+          <p:cNvPr id="8" name="TextBox 7"/>
+          <p:cNvSpPr txBox="1"/>
+          <p:nvPr/>
+        </p:nvSpPr>
+        <p:spPr>
+          <a:xfrm>
+            <a:off x="7272000" y="7380000"/>
+            <a:ext cx="1800000" cy="216000"/>
+          </a:xfrm>
+          <a:prstGeom prst="rect">
+            <a:avLst/>
+          </a:prstGeom>
+          <a:noFill/>
+        </p:spPr>
+        <p:txBody>
+          <a:bodyPr wrap="none">
+            <a:spAutoFit/>
+          </a:bodyPr>
+          <a:lstStyle/>
+          <a:p>
+            <a:pPr algn="l"/>
+            <a:r>
+              <a:rPr sz="1559">
+                <a:latin typeface="Helvetica"/>
+              </a:rPr>
+              <a:t>MAO90</a:t>
+            </a:r>
+          </a:p>
+        </p:txBody>
+      </p:sp>
+      <p:sp>
+        <p:nvSpPr>
+          <p:cNvPr id="9" name="TextBox 8"/>
+          <p:cNvSpPr txBox="1"/>
+          <p:nvPr/>
+        </p:nvSpPr>
+        <p:spPr>
+          <a:xfrm>
+            <a:off x="9576000" y="720000"/>
+            <a:ext cx="1080000" cy="216000"/>
+          </a:xfrm>
+          <a:prstGeom prst="rect">
+            <a:avLst/>
+          </a:prstGeom>
+          <a:noFill/>
+        </p:spPr>
+        <p:txBody>
+          <a:bodyPr wrap="none">
+            <a:spAutoFit/>
+          </a:bodyPr>
+          <a:lstStyle/>
+          <a:p>
+            <a:pPr algn="l"/>
+            <a:r>
+              <a:rPr b="1" sz="1559">
+                <a:latin typeface="Helvetica"/>
+              </a:rPr>
+              <a:t>Cidade</a:t>
+            </a:r>
+          </a:p>
+        </p:txBody>
+      </p:sp>
+      <p:sp>
+        <p:nvSpPr>
+          <p:cNvPr id="10" name="TextBox 9"/>
+          <p:cNvSpPr txBox="1"/>
+          <p:nvPr/>
+        </p:nvSpPr>
+        <p:spPr>
+          <a:xfrm>
+            <a:off x="9576000" y="990000"/>
+            <a:ext cx="1080000" cy="216000"/>
+          </a:xfrm>
+          <a:prstGeom prst="rect">
+            <a:avLst/>
+          </a:prstGeom>
+          <a:noFill/>
+        </p:spPr>
+        <p:txBody>
+          <a:bodyPr wrap="none">
+            <a:spAutoFit/>
+          </a:bodyPr>
+          <a:lstStyle/>
+          <a:p>
+            <a:pPr algn="l"/>
+            <a:r>
+              <a:rPr sz="1559">
+                <a:latin typeface="Helvetica"/>
+              </a:rPr>
+              <a:t>Mogi das Cruzes </a:t>
+            </a:r>
+          </a:p>
+        </p:txBody>
+      </p:sp>
+      <p:sp>
+        <p:nvSpPr>
+          <p:cNvPr id="11" name="TextBox 10"/>
+          <p:cNvSpPr txBox="1"/>
+          <p:nvPr/>
+        </p:nvSpPr>
+        <p:spPr>
+          <a:xfrm>
+            <a:off x="9576000" y="1332000"/>
+            <a:ext cx="1080000" cy="216000"/>
+          </a:xfrm>
+          <a:prstGeom prst="rect">
+            <a:avLst/>
+          </a:prstGeom>
+          <a:noFill/>
+        </p:spPr>
+        <p:txBody>
+          <a:bodyPr wrap="none">
+            <a:spAutoFit/>
+          </a:bodyPr>
+          <a:lstStyle/>
+          <a:p>
+            <a:pPr algn="l"/>
+            <a:r>
+              <a:rPr b="1" sz="1559">
+                <a:latin typeface="Helvetica"/>
+              </a:rPr>
+              <a:t>Formato</a:t>
+            </a:r>
+          </a:p>
+        </p:txBody>
+      </p:sp>
+      <p:sp>
+        <p:nvSpPr>
+          <p:cNvPr id="12" name="TextBox 11"/>
+          <p:cNvSpPr txBox="1"/>
+          <p:nvPr/>
+        </p:nvSpPr>
+        <p:spPr>
+          <a:xfrm>
+            <a:off x="9576000" y="1602000"/>
+            <a:ext cx="1080000" cy="216000"/>
+          </a:xfrm>
+          <a:prstGeom prst="rect">
+            <a:avLst/>
+          </a:prstGeom>
+          <a:noFill/>
+        </p:spPr>
+        <p:txBody>
+          <a:bodyPr wrap="none">
+            <a:spAutoFit/>
+          </a:bodyPr>
+          <a:lstStyle/>
+          <a:p>
+            <a:pPr algn="l"/>
+            <a:r>
+              <a:rPr sz="1559">
+                <a:latin typeface="Helvetica"/>
+              </a:rPr>
+              <a:t>Outdoor </a:t>
+            </a:r>
+          </a:p>
+        </p:txBody>
+      </p:sp>
+      <p:sp>
+        <p:nvSpPr>
+          <p:cNvPr id="13" name="TextBox 12"/>
+          <p:cNvSpPr txBox="1"/>
+          <p:nvPr/>
+        </p:nvSpPr>
+        <p:spPr>
+          <a:xfrm>
+            <a:off x="13680000" y="7326000"/>
+            <a:ext cx="360000" cy="360000"/>
+          </a:xfrm>
+          <a:prstGeom prst="rect">
+            <a:avLst/>
+          </a:prstGeom>
+          <a:noFill/>
+        </p:spPr>
+        <p:txBody>
+          <a:bodyPr wrap="none">
+            <a:spAutoFit/>
+          </a:bodyPr>
+          <a:lstStyle/>
+          <a:p>
+            <a:pPr algn="ctr"/>
+            <a:r>
+              <a:rPr b="1" sz="2267">
+                <a:solidFill>
+                  <a:srgbClr val="FFFFFF"/>
+                </a:solidFill>
+                <a:latin typeface="Helvetica"/>
+              </a:rPr>
+              <a:t>11</a:t>
+            </a:r>
+          </a:p>
+        </p:txBody>
+      </p:sp>
+    </p:spTree>
+  </p:cSld>
+  <p:clrMapOvr>
+    <a:masterClrMapping/>
+  </p:clrMapOvr>
+</p:sld>
+</file>
+
+<file path=ppt/slides/slide12.xml><?xml version="1.0" encoding="utf-8"?>
+<p:sld xmlns:a="http://schemas.openxmlformats.org/drawingml/2006/main" xmlns:p="http://schemas.openxmlformats.org/presentationml/2006/main" xmlns:r="http://schemas.openxmlformats.org/officeDocument/2006/relationships">
+  <p:cSld>
+    <p:spTree>
+      <p:nvGrpSpPr>
+        <p:cNvPr id="1" name=""/>
+        <p:cNvGrpSpPr/>
+        <p:nvPr/>
+      </p:nvGrpSpPr>
+      <p:grpSpPr/>
+      <p:pic>
+        <p:nvPicPr>
+          <p:cNvPr id="2" name="Picture 1" descr="template_pdf.jpg"/>
+          <p:cNvPicPr>
+            <a:picLocks noChangeAspect="1"/>
+          </p:cNvPicPr>
+          <p:nvPr/>
+        </p:nvPicPr>
+        <p:blipFill>
+          <a:blip r:embed="rId2"/>
+          <a:stretch>
+            <a:fillRect/>
+          </a:stretch>
+        </p:blipFill>
+        <p:spPr>
+          <a:xfrm>
+            <a:off x="0" y="0"/>
+            <a:ext cx="14400000" cy="7920000"/>
+          </a:xfrm>
+          <a:prstGeom prst="rect">
+            <a:avLst/>
+          </a:prstGeom>
+        </p:spPr>
+      </p:pic>
+      <p:sp>
+        <p:nvSpPr>
+          <p:cNvPr id="3" name="TextBox 2"/>
+          <p:cNvSpPr txBox="1"/>
+          <p:nvPr/>
+        </p:nvSpPr>
+        <p:spPr>
+          <a:xfrm>
+            <a:off x="0" y="180000"/>
+            <a:ext cx="15120000" cy="180000"/>
+          </a:xfrm>
+          <a:prstGeom prst="rect">
+            <a:avLst/>
+          </a:prstGeom>
+          <a:noFill/>
+        </p:spPr>
+        <p:txBody>
+          <a:bodyPr wrap="none">
+            <a:spAutoFit/>
+          </a:bodyPr>
+          <a:lstStyle/>
+          <a:p>
+            <a:pPr algn="ctr"/>
+            <a:r>
+              <a:rPr b="1" sz="1984">
+                <a:solidFill>
+                  <a:srgbClr val="FFFFFF"/>
+                </a:solidFill>
+                <a:latin typeface="Helvetica"/>
+              </a:rPr>
+              <a:t>Av. Fco Ferreira Lopes Nº4.880(acesso Suzano/Fab Cristal) Sent Mogi/Suzano</a:t>
+            </a:r>
+          </a:p>
+        </p:txBody>
+      </p:sp>
+      <p:pic>
+        <p:nvPicPr>
+          <p:cNvPr id="4" name="Picture 3" descr="temp_image10.jpg"/>
+          <p:cNvPicPr>
+            <a:picLocks noChangeAspect="1"/>
+          </p:cNvPicPr>
+          <p:nvPr/>
+        </p:nvPicPr>
+        <p:blipFill>
+          <a:blip r:embed="rId3"/>
+          <a:stretch>
+            <a:fillRect/>
+          </a:stretch>
+        </p:blipFill>
+        <p:spPr>
+          <a:xfrm>
+            <a:off x="108000" y="785160"/>
+            <a:ext cx="9432000" cy="6480000"/>
+          </a:xfrm>
+          <a:prstGeom prst="rect">
+            <a:avLst/>
+          </a:prstGeom>
+        </p:spPr>
+      </p:pic>
+      <p:sp>
+        <p:nvSpPr>
+          <p:cNvPr id="5" name="TextBox 4"/>
+          <p:cNvSpPr txBox="1"/>
+          <p:nvPr/>
+        </p:nvSpPr>
+        <p:spPr>
+          <a:xfrm>
+            <a:off x="108000" y="7380000"/>
+            <a:ext cx="1080000" cy="180000"/>
+          </a:xfrm>
+          <a:prstGeom prst="rect">
+            <a:avLst/>
+          </a:prstGeom>
+          <a:noFill/>
+        </p:spPr>
+        <p:txBody>
+          <a:bodyPr wrap="none">
+            <a:spAutoFit/>
+          </a:bodyPr>
+          <a:lstStyle/>
+          <a:p>
+            <a:pPr algn="l"/>
+            <a:r>
+              <a:rPr b="1" sz="1559">
+                <a:latin typeface="Helvetica"/>
+              </a:rPr>
+              <a:t>Coordenadas:</a:t>
+            </a:r>
+          </a:p>
+        </p:txBody>
+      </p:sp>
+      <p:sp>
+        <p:nvSpPr>
+          <p:cNvPr id="6" name="TextBox 5"/>
+          <p:cNvSpPr txBox="1"/>
+          <p:nvPr/>
+        </p:nvSpPr>
+        <p:spPr>
+          <a:xfrm>
+            <a:off x="1458000" y="7380000"/>
+            <a:ext cx="1800000" cy="216000"/>
+          </a:xfrm>
+          <a:prstGeom prst="rect">
+            <a:avLst/>
+          </a:prstGeom>
+          <a:noFill/>
+        </p:spPr>
+        <p:txBody>
+          <a:bodyPr wrap="none">
+            <a:spAutoFit/>
+          </a:bodyPr>
+          <a:lstStyle/>
+          <a:p>
+            <a:pPr algn="l"/>
+            <a:r>
+              <a:rPr sz="1559">
+                <a:latin typeface="Helvetica"/>
+              </a:rPr>
+              <a:t>-23.542614  -46.244043</a:t>
+            </a:r>
+          </a:p>
+        </p:txBody>
+      </p:sp>
+      <p:sp>
+        <p:nvSpPr>
+          <p:cNvPr id="7" name="TextBox 6"/>
+          <p:cNvSpPr txBox="1"/>
+          <p:nvPr/>
+        </p:nvSpPr>
+        <p:spPr>
+          <a:xfrm>
+            <a:off x="6480000" y="7380000"/>
+            <a:ext cx="1080000" cy="180000"/>
+          </a:xfrm>
+          <a:prstGeom prst="rect">
+            <a:avLst/>
+          </a:prstGeom>
+          <a:noFill/>
+        </p:spPr>
+        <p:txBody>
+          <a:bodyPr wrap="none">
+            <a:spAutoFit/>
+          </a:bodyPr>
+          <a:lstStyle/>
+          <a:p>
+            <a:pPr algn="l"/>
+            <a:r>
+              <a:rPr b="1" sz="1559">
+                <a:latin typeface="Helvetica"/>
+              </a:rPr>
+              <a:t>Codigo:</a:t>
+            </a:r>
+          </a:p>
+        </p:txBody>
+      </p:sp>
+      <p:sp>
+        <p:nvSpPr>
+          <p:cNvPr id="8" name="TextBox 7"/>
+          <p:cNvSpPr txBox="1"/>
+          <p:nvPr/>
+        </p:nvSpPr>
+        <p:spPr>
+          <a:xfrm>
+            <a:off x="7272000" y="7380000"/>
+            <a:ext cx="1800000" cy="216000"/>
+          </a:xfrm>
+          <a:prstGeom prst="rect">
+            <a:avLst/>
+          </a:prstGeom>
+          <a:noFill/>
+        </p:spPr>
+        <p:txBody>
+          <a:bodyPr wrap="none">
+            <a:spAutoFit/>
+          </a:bodyPr>
+          <a:lstStyle/>
+          <a:p>
+            <a:pPr algn="l"/>
+            <a:r>
+              <a:rPr sz="1559">
+                <a:latin typeface="Helvetica"/>
+              </a:rPr>
+              <a:t>MAO91</a:t>
+            </a:r>
+          </a:p>
+        </p:txBody>
+      </p:sp>
+      <p:sp>
+        <p:nvSpPr>
+          <p:cNvPr id="9" name="TextBox 8"/>
+          <p:cNvSpPr txBox="1"/>
+          <p:nvPr/>
+        </p:nvSpPr>
+        <p:spPr>
+          <a:xfrm>
+            <a:off x="9576000" y="720000"/>
+            <a:ext cx="1080000" cy="216000"/>
+          </a:xfrm>
+          <a:prstGeom prst="rect">
+            <a:avLst/>
+          </a:prstGeom>
+          <a:noFill/>
+        </p:spPr>
+        <p:txBody>
+          <a:bodyPr wrap="none">
+            <a:spAutoFit/>
+          </a:bodyPr>
+          <a:lstStyle/>
+          <a:p>
+            <a:pPr algn="l"/>
+            <a:r>
+              <a:rPr b="1" sz="1559">
+                <a:latin typeface="Helvetica"/>
+              </a:rPr>
+              <a:t>Cidade</a:t>
+            </a:r>
+          </a:p>
+        </p:txBody>
+      </p:sp>
+      <p:sp>
+        <p:nvSpPr>
+          <p:cNvPr id="10" name="TextBox 9"/>
+          <p:cNvSpPr txBox="1"/>
+          <p:nvPr/>
+        </p:nvSpPr>
+        <p:spPr>
+          <a:xfrm>
+            <a:off x="9576000" y="990000"/>
+            <a:ext cx="1080000" cy="216000"/>
+          </a:xfrm>
+          <a:prstGeom prst="rect">
+            <a:avLst/>
+          </a:prstGeom>
+          <a:noFill/>
+        </p:spPr>
+        <p:txBody>
+          <a:bodyPr wrap="none">
+            <a:spAutoFit/>
+          </a:bodyPr>
+          <a:lstStyle/>
+          <a:p>
+            <a:pPr algn="l"/>
+            <a:r>
+              <a:rPr sz="1559">
+                <a:latin typeface="Helvetica"/>
+              </a:rPr>
+              <a:t>Mogi das Cruzes </a:t>
+            </a:r>
+          </a:p>
+        </p:txBody>
+      </p:sp>
+      <p:sp>
+        <p:nvSpPr>
+          <p:cNvPr id="11" name="TextBox 10"/>
+          <p:cNvSpPr txBox="1"/>
+          <p:nvPr/>
+        </p:nvSpPr>
+        <p:spPr>
+          <a:xfrm>
+            <a:off x="9576000" y="1332000"/>
+            <a:ext cx="1080000" cy="216000"/>
+          </a:xfrm>
+          <a:prstGeom prst="rect">
+            <a:avLst/>
+          </a:prstGeom>
+          <a:noFill/>
+        </p:spPr>
+        <p:txBody>
+          <a:bodyPr wrap="none">
+            <a:spAutoFit/>
+          </a:bodyPr>
+          <a:lstStyle/>
+          <a:p>
+            <a:pPr algn="l"/>
+            <a:r>
+              <a:rPr b="1" sz="1559">
+                <a:latin typeface="Helvetica"/>
+              </a:rPr>
+              <a:t>Formato</a:t>
+            </a:r>
+          </a:p>
+        </p:txBody>
+      </p:sp>
+      <p:sp>
+        <p:nvSpPr>
+          <p:cNvPr id="12" name="TextBox 11"/>
+          <p:cNvSpPr txBox="1"/>
+          <p:nvPr/>
+        </p:nvSpPr>
+        <p:spPr>
+          <a:xfrm>
+            <a:off x="9576000" y="1602000"/>
+            <a:ext cx="1080000" cy="216000"/>
+          </a:xfrm>
+          <a:prstGeom prst="rect">
+            <a:avLst/>
+          </a:prstGeom>
+          <a:noFill/>
+        </p:spPr>
+        <p:txBody>
+          <a:bodyPr wrap="none">
+            <a:spAutoFit/>
+          </a:bodyPr>
+          <a:lstStyle/>
+          <a:p>
+            <a:pPr algn="l"/>
+            <a:r>
+              <a:rPr sz="1559">
+                <a:latin typeface="Helvetica"/>
+              </a:rPr>
+              <a:t>Outdoor </a:t>
+            </a:r>
+          </a:p>
+        </p:txBody>
+      </p:sp>
+      <p:sp>
+        <p:nvSpPr>
+          <p:cNvPr id="13" name="TextBox 12"/>
+          <p:cNvSpPr txBox="1"/>
+          <p:nvPr/>
+        </p:nvSpPr>
+        <p:spPr>
+          <a:xfrm>
+            <a:off x="13680000" y="7326000"/>
+            <a:ext cx="360000" cy="360000"/>
+          </a:xfrm>
+          <a:prstGeom prst="rect">
+            <a:avLst/>
+          </a:prstGeom>
+          <a:noFill/>
+        </p:spPr>
+        <p:txBody>
+          <a:bodyPr wrap="none">
+            <a:spAutoFit/>
+          </a:bodyPr>
+          <a:lstStyle/>
+          <a:p>
+            <a:pPr algn="ctr"/>
+            <a:r>
+              <a:rPr b="1" sz="2267">
+                <a:solidFill>
+                  <a:srgbClr val="FFFFFF"/>
+                </a:solidFill>
+                <a:latin typeface="Helvetica"/>
+              </a:rPr>
+              <a:t>12</a:t>
+            </a:r>
+          </a:p>
+        </p:txBody>
+      </p:sp>
+    </p:spTree>
+  </p:cSld>
+  <p:clrMapOvr>
+    <a:masterClrMapping/>
+  </p:clrMapOvr>
+</p:sld>
+</file>
+
+<file path=ppt/slides/slide13.xml><?xml version="1.0" encoding="utf-8"?>
+<p:sld xmlns:a="http://schemas.openxmlformats.org/drawingml/2006/main" xmlns:p="http://schemas.openxmlformats.org/presentationml/2006/main" xmlns:r="http://schemas.openxmlformats.org/officeDocument/2006/relationships">
+  <p:cSld>
+    <p:spTree>
+      <p:nvGrpSpPr>
+        <p:cNvPr id="1" name=""/>
+        <p:cNvGrpSpPr/>
+        <p:nvPr/>
+      </p:nvGrpSpPr>
+      <p:grpSpPr/>
+      <p:pic>
+        <p:nvPicPr>
+          <p:cNvPr id="2" name="Picture 1" descr="template_pdf.jpg"/>
+          <p:cNvPicPr>
+            <a:picLocks noChangeAspect="1"/>
+          </p:cNvPicPr>
+          <p:nvPr/>
+        </p:nvPicPr>
+        <p:blipFill>
+          <a:blip r:embed="rId2"/>
+          <a:stretch>
+            <a:fillRect/>
+          </a:stretch>
+        </p:blipFill>
+        <p:spPr>
+          <a:xfrm>
+            <a:off x="0" y="0"/>
+            <a:ext cx="14400000" cy="7920000"/>
+          </a:xfrm>
+          <a:prstGeom prst="rect">
+            <a:avLst/>
+          </a:prstGeom>
+        </p:spPr>
+      </p:pic>
+      <p:sp>
+        <p:nvSpPr>
+          <p:cNvPr id="3" name="TextBox 2"/>
+          <p:cNvSpPr txBox="1"/>
+          <p:nvPr/>
+        </p:nvSpPr>
+        <p:spPr>
+          <a:xfrm>
+            <a:off x="0" y="180000"/>
+            <a:ext cx="15120000" cy="180000"/>
+          </a:xfrm>
+          <a:prstGeom prst="rect">
+            <a:avLst/>
+          </a:prstGeom>
+          <a:noFill/>
+        </p:spPr>
+        <p:txBody>
+          <a:bodyPr wrap="none">
+            <a:spAutoFit/>
+          </a:bodyPr>
+          <a:lstStyle/>
+          <a:p>
+            <a:pPr algn="ctr"/>
+            <a:r>
+              <a:rPr b="1" sz="1984">
+                <a:solidFill>
+                  <a:srgbClr val="FFFFFF"/>
+                </a:solidFill>
+                <a:latin typeface="Helvetica"/>
+              </a:rPr>
+              <a:t>Av. Fco Ferreira Lopes Nº4.880(acesso Suzano/Fab Cristal) Sent Mogi/Suzano</a:t>
+            </a:r>
+          </a:p>
+        </p:txBody>
+      </p:sp>
+      <p:pic>
+        <p:nvPicPr>
+          <p:cNvPr id="4" name="Picture 3" descr="temp_image11.jpg"/>
+          <p:cNvPicPr>
+            <a:picLocks noChangeAspect="1"/>
+          </p:cNvPicPr>
+          <p:nvPr/>
+        </p:nvPicPr>
+        <p:blipFill>
+          <a:blip r:embed="rId3"/>
+          <a:stretch>
+            <a:fillRect/>
+          </a:stretch>
+        </p:blipFill>
+        <p:spPr>
+          <a:xfrm>
+            <a:off x="108000" y="785160"/>
+            <a:ext cx="9432000" cy="6480000"/>
+          </a:xfrm>
+          <a:prstGeom prst="rect">
+            <a:avLst/>
+          </a:prstGeom>
+        </p:spPr>
+      </p:pic>
+      <p:sp>
+        <p:nvSpPr>
+          <p:cNvPr id="5" name="TextBox 4"/>
+          <p:cNvSpPr txBox="1"/>
+          <p:nvPr/>
+        </p:nvSpPr>
+        <p:spPr>
+          <a:xfrm>
+            <a:off x="108000" y="7380000"/>
+            <a:ext cx="1080000" cy="180000"/>
+          </a:xfrm>
+          <a:prstGeom prst="rect">
+            <a:avLst/>
+          </a:prstGeom>
+          <a:noFill/>
+        </p:spPr>
+        <p:txBody>
+          <a:bodyPr wrap="none">
+            <a:spAutoFit/>
+          </a:bodyPr>
+          <a:lstStyle/>
+          <a:p>
+            <a:pPr algn="l"/>
+            <a:r>
+              <a:rPr b="1" sz="1559">
+                <a:latin typeface="Helvetica"/>
+              </a:rPr>
+              <a:t>Coordenadas:</a:t>
+            </a:r>
+          </a:p>
+        </p:txBody>
+      </p:sp>
+      <p:sp>
+        <p:nvSpPr>
+          <p:cNvPr id="6" name="TextBox 5"/>
+          <p:cNvSpPr txBox="1"/>
+          <p:nvPr/>
+        </p:nvSpPr>
+        <p:spPr>
+          <a:xfrm>
+            <a:off x="1458000" y="7380000"/>
+            <a:ext cx="1800000" cy="216000"/>
+          </a:xfrm>
+          <a:prstGeom prst="rect">
+            <a:avLst/>
+          </a:prstGeom>
+          <a:noFill/>
+        </p:spPr>
+        <p:txBody>
+          <a:bodyPr wrap="none">
+            <a:spAutoFit/>
+          </a:bodyPr>
+          <a:lstStyle/>
+          <a:p>
+            <a:pPr algn="l"/>
+            <a:r>
+              <a:rPr sz="1559">
+                <a:latin typeface="Helvetica"/>
+              </a:rPr>
+              <a:t>-23.542614  -46.244043</a:t>
+            </a:r>
+          </a:p>
+        </p:txBody>
+      </p:sp>
+      <p:sp>
+        <p:nvSpPr>
+          <p:cNvPr id="7" name="TextBox 6"/>
+          <p:cNvSpPr txBox="1"/>
+          <p:nvPr/>
+        </p:nvSpPr>
+        <p:spPr>
+          <a:xfrm>
+            <a:off x="6480000" y="7380000"/>
+            <a:ext cx="1080000" cy="180000"/>
+          </a:xfrm>
+          <a:prstGeom prst="rect">
+            <a:avLst/>
+          </a:prstGeom>
+          <a:noFill/>
+        </p:spPr>
+        <p:txBody>
+          <a:bodyPr wrap="none">
+            <a:spAutoFit/>
+          </a:bodyPr>
+          <a:lstStyle/>
+          <a:p>
+            <a:pPr algn="l"/>
+            <a:r>
+              <a:rPr b="1" sz="1559">
+                <a:latin typeface="Helvetica"/>
+              </a:rPr>
+              <a:t>Codigo:</a:t>
+            </a:r>
+          </a:p>
+        </p:txBody>
+      </p:sp>
+      <p:sp>
+        <p:nvSpPr>
+          <p:cNvPr id="8" name="TextBox 7"/>
+          <p:cNvSpPr txBox="1"/>
+          <p:nvPr/>
+        </p:nvSpPr>
+        <p:spPr>
+          <a:xfrm>
+            <a:off x="7272000" y="7380000"/>
+            <a:ext cx="1800000" cy="216000"/>
+          </a:xfrm>
+          <a:prstGeom prst="rect">
+            <a:avLst/>
+          </a:prstGeom>
+          <a:noFill/>
+        </p:spPr>
+        <p:txBody>
+          <a:bodyPr wrap="none">
+            <a:spAutoFit/>
+          </a:bodyPr>
+          <a:lstStyle/>
+          <a:p>
+            <a:pPr algn="l"/>
+            <a:r>
+              <a:rPr sz="1559">
+                <a:latin typeface="Helvetica"/>
+              </a:rPr>
+              <a:t>MAO92</a:t>
+            </a:r>
+          </a:p>
+        </p:txBody>
+      </p:sp>
+      <p:sp>
+        <p:nvSpPr>
+          <p:cNvPr id="9" name="TextBox 8"/>
+          <p:cNvSpPr txBox="1"/>
+          <p:nvPr/>
+        </p:nvSpPr>
+        <p:spPr>
+          <a:xfrm>
+            <a:off x="9576000" y="720000"/>
+            <a:ext cx="1080000" cy="216000"/>
+          </a:xfrm>
+          <a:prstGeom prst="rect">
+            <a:avLst/>
+          </a:prstGeom>
+          <a:noFill/>
+        </p:spPr>
+        <p:txBody>
+          <a:bodyPr wrap="none">
+            <a:spAutoFit/>
+          </a:bodyPr>
+          <a:lstStyle/>
+          <a:p>
+            <a:pPr algn="l"/>
+            <a:r>
+              <a:rPr b="1" sz="1559">
+                <a:latin typeface="Helvetica"/>
+              </a:rPr>
+              <a:t>Cidade</a:t>
+            </a:r>
+          </a:p>
+        </p:txBody>
+      </p:sp>
+      <p:sp>
+        <p:nvSpPr>
+          <p:cNvPr id="10" name="TextBox 9"/>
+          <p:cNvSpPr txBox="1"/>
+          <p:nvPr/>
+        </p:nvSpPr>
+        <p:spPr>
+          <a:xfrm>
+            <a:off x="9576000" y="990000"/>
+            <a:ext cx="1080000" cy="216000"/>
+          </a:xfrm>
+          <a:prstGeom prst="rect">
+            <a:avLst/>
+          </a:prstGeom>
+          <a:noFill/>
+        </p:spPr>
+        <p:txBody>
+          <a:bodyPr wrap="none">
+            <a:spAutoFit/>
+          </a:bodyPr>
+          <a:lstStyle/>
+          <a:p>
+            <a:pPr algn="l"/>
+            <a:r>
+              <a:rPr sz="1559">
+                <a:latin typeface="Helvetica"/>
+              </a:rPr>
+              <a:t>Mogi das Cruzes </a:t>
+            </a:r>
+          </a:p>
+        </p:txBody>
+      </p:sp>
+      <p:sp>
+        <p:nvSpPr>
+          <p:cNvPr id="11" name="TextBox 10"/>
+          <p:cNvSpPr txBox="1"/>
+          <p:nvPr/>
+        </p:nvSpPr>
+        <p:spPr>
+          <a:xfrm>
+            <a:off x="9576000" y="1332000"/>
+            <a:ext cx="1080000" cy="216000"/>
+          </a:xfrm>
+          <a:prstGeom prst="rect">
+            <a:avLst/>
+          </a:prstGeom>
+          <a:noFill/>
+        </p:spPr>
+        <p:txBody>
+          <a:bodyPr wrap="none">
+            <a:spAutoFit/>
+          </a:bodyPr>
+          <a:lstStyle/>
+          <a:p>
+            <a:pPr algn="l"/>
+            <a:r>
+              <a:rPr b="1" sz="1559">
+                <a:latin typeface="Helvetica"/>
+              </a:rPr>
+              <a:t>Formato</a:t>
+            </a:r>
+          </a:p>
+        </p:txBody>
+      </p:sp>
+      <p:sp>
+        <p:nvSpPr>
+          <p:cNvPr id="12" name="TextBox 11"/>
+          <p:cNvSpPr txBox="1"/>
+          <p:nvPr/>
+        </p:nvSpPr>
+        <p:spPr>
+          <a:xfrm>
+            <a:off x="9576000" y="1602000"/>
+            <a:ext cx="1080000" cy="216000"/>
+          </a:xfrm>
+          <a:prstGeom prst="rect">
+            <a:avLst/>
+          </a:prstGeom>
+          <a:noFill/>
+        </p:spPr>
+        <p:txBody>
+          <a:bodyPr wrap="none">
+            <a:spAutoFit/>
+          </a:bodyPr>
+          <a:lstStyle/>
+          <a:p>
+            <a:pPr algn="l"/>
+            <a:r>
+              <a:rPr sz="1559">
+                <a:latin typeface="Helvetica"/>
+              </a:rPr>
+              <a:t>Outdoor </a:t>
+            </a:r>
+          </a:p>
+        </p:txBody>
+      </p:sp>
+      <p:sp>
+        <p:nvSpPr>
+          <p:cNvPr id="13" name="TextBox 12"/>
+          <p:cNvSpPr txBox="1"/>
+          <p:nvPr/>
+        </p:nvSpPr>
+        <p:spPr>
+          <a:xfrm>
+            <a:off x="13680000" y="7326000"/>
+            <a:ext cx="360000" cy="360000"/>
+          </a:xfrm>
+          <a:prstGeom prst="rect">
+            <a:avLst/>
+          </a:prstGeom>
+          <a:noFill/>
+        </p:spPr>
+        <p:txBody>
+          <a:bodyPr wrap="none">
+            <a:spAutoFit/>
+          </a:bodyPr>
+          <a:lstStyle/>
+          <a:p>
+            <a:pPr algn="ctr"/>
+            <a:r>
+              <a:rPr b="1" sz="2267">
+                <a:solidFill>
+                  <a:srgbClr val="FFFFFF"/>
+                </a:solidFill>
+                <a:latin typeface="Helvetica"/>
+              </a:rPr>
+              <a:t>13</a:t>
+            </a:r>
+          </a:p>
+        </p:txBody>
+      </p:sp>
+    </p:spTree>
+  </p:cSld>
+  <p:clrMapOvr>
+    <a:masterClrMapping/>
+  </p:clrMapOvr>
+</p:sld>
+</file>
+
+<file path=ppt/slides/slide14.xml><?xml version="1.0" encoding="utf-8"?>
+<p:sld xmlns:a="http://schemas.openxmlformats.org/drawingml/2006/main" xmlns:p="http://schemas.openxmlformats.org/presentationml/2006/main" xmlns:r="http://schemas.openxmlformats.org/officeDocument/2006/relationships">
+  <p:cSld>
+    <p:spTree>
+      <p:nvGrpSpPr>
+        <p:cNvPr id="1" name=""/>
+        <p:cNvGrpSpPr/>
+        <p:nvPr/>
+      </p:nvGrpSpPr>
+      <p:grpSpPr/>
+      <p:pic>
+        <p:nvPicPr>
+          <p:cNvPr id="2" name="Picture 1" descr="template_pdf.jpg"/>
+          <p:cNvPicPr>
+            <a:picLocks noChangeAspect="1"/>
+          </p:cNvPicPr>
+          <p:nvPr/>
+        </p:nvPicPr>
+        <p:blipFill>
+          <a:blip r:embed="rId2"/>
+          <a:stretch>
+            <a:fillRect/>
+          </a:stretch>
+        </p:blipFill>
+        <p:spPr>
+          <a:xfrm>
+            <a:off x="0" y="0"/>
+            <a:ext cx="14400000" cy="7920000"/>
+          </a:xfrm>
+          <a:prstGeom prst="rect">
+            <a:avLst/>
+          </a:prstGeom>
+        </p:spPr>
+      </p:pic>
+      <p:sp>
+        <p:nvSpPr>
+          <p:cNvPr id="3" name="TextBox 2"/>
+          <p:cNvSpPr txBox="1"/>
+          <p:nvPr/>
+        </p:nvSpPr>
+        <p:spPr>
+          <a:xfrm>
+            <a:off x="0" y="180000"/>
+            <a:ext cx="15120000" cy="180000"/>
+          </a:xfrm>
+          <a:prstGeom prst="rect">
+            <a:avLst/>
+          </a:prstGeom>
+          <a:noFill/>
+        </p:spPr>
+        <p:txBody>
+          <a:bodyPr wrap="none">
+            <a:spAutoFit/>
+          </a:bodyPr>
+          <a:lstStyle/>
+          <a:p>
+            <a:pPr algn="ctr"/>
+            <a:r>
+              <a:rPr b="1" sz="1984">
+                <a:solidFill>
+                  <a:srgbClr val="FFFFFF"/>
+                </a:solidFill>
+                <a:latin typeface="Helvetica"/>
+              </a:rPr>
+              <a:t>Av. Fco Ribeiro Nogueira, Alt 4020 (Antigo Campo Do União / Super Extra)</a:t>
+            </a:r>
+          </a:p>
+        </p:txBody>
+      </p:sp>
+      <p:pic>
+        <p:nvPicPr>
+          <p:cNvPr id="4" name="Picture 3" descr="temp_image12.jpg"/>
+          <p:cNvPicPr>
+            <a:picLocks noChangeAspect="1"/>
+          </p:cNvPicPr>
+          <p:nvPr/>
+        </p:nvPicPr>
+        <p:blipFill>
+          <a:blip r:embed="rId3"/>
+          <a:stretch>
+            <a:fillRect/>
+          </a:stretch>
+        </p:blipFill>
+        <p:spPr>
+          <a:xfrm>
+            <a:off x="108000" y="785160"/>
+            <a:ext cx="9432000" cy="6480000"/>
+          </a:xfrm>
+          <a:prstGeom prst="rect">
+            <a:avLst/>
+          </a:prstGeom>
+        </p:spPr>
+      </p:pic>
+      <p:sp>
+        <p:nvSpPr>
+          <p:cNvPr id="5" name="TextBox 4"/>
+          <p:cNvSpPr txBox="1"/>
+          <p:nvPr/>
+        </p:nvSpPr>
+        <p:spPr>
+          <a:xfrm>
+            <a:off x="108000" y="7380000"/>
+            <a:ext cx="1080000" cy="180000"/>
+          </a:xfrm>
+          <a:prstGeom prst="rect">
+            <a:avLst/>
+          </a:prstGeom>
+          <a:noFill/>
+        </p:spPr>
+        <p:txBody>
+          <a:bodyPr wrap="none">
+            <a:spAutoFit/>
+          </a:bodyPr>
+          <a:lstStyle/>
+          <a:p>
+            <a:pPr algn="l"/>
+            <a:r>
+              <a:rPr b="1" sz="1559">
+                <a:latin typeface="Helvetica"/>
+              </a:rPr>
+              <a:t>Coordenadas:</a:t>
+            </a:r>
+          </a:p>
+        </p:txBody>
+      </p:sp>
+      <p:sp>
+        <p:nvSpPr>
+          <p:cNvPr id="6" name="TextBox 5"/>
+          <p:cNvSpPr txBox="1"/>
+          <p:nvPr/>
+        </p:nvSpPr>
+        <p:spPr>
+          <a:xfrm>
+            <a:off x="1458000" y="7380000"/>
+            <a:ext cx="1800000" cy="216000"/>
+          </a:xfrm>
+          <a:prstGeom prst="rect">
+            <a:avLst/>
+          </a:prstGeom>
+          <a:noFill/>
+        </p:spPr>
+        <p:txBody>
+          <a:bodyPr wrap="none">
+            <a:spAutoFit/>
+          </a:bodyPr>
+          <a:lstStyle/>
+          <a:p>
+            <a:pPr algn="l"/>
+            <a:r>
+              <a:rPr sz="1559">
+                <a:latin typeface="Helvetica"/>
+              </a:rPr>
+              <a:t>-23.54484  -46.184005</a:t>
+            </a:r>
+          </a:p>
+        </p:txBody>
+      </p:sp>
+      <p:sp>
+        <p:nvSpPr>
+          <p:cNvPr id="7" name="TextBox 6"/>
+          <p:cNvSpPr txBox="1"/>
+          <p:nvPr/>
+        </p:nvSpPr>
+        <p:spPr>
+          <a:xfrm>
+            <a:off x="6480000" y="7380000"/>
+            <a:ext cx="1080000" cy="180000"/>
+          </a:xfrm>
+          <a:prstGeom prst="rect">
+            <a:avLst/>
+          </a:prstGeom>
+          <a:noFill/>
+        </p:spPr>
+        <p:txBody>
+          <a:bodyPr wrap="none">
+            <a:spAutoFit/>
+          </a:bodyPr>
+          <a:lstStyle/>
+          <a:p>
+            <a:pPr algn="l"/>
+            <a:r>
+              <a:rPr b="1" sz="1559">
+                <a:latin typeface="Helvetica"/>
+              </a:rPr>
+              <a:t>Codigo:</a:t>
+            </a:r>
+          </a:p>
+        </p:txBody>
+      </p:sp>
+      <p:sp>
+        <p:nvSpPr>
+          <p:cNvPr id="8" name="TextBox 7"/>
+          <p:cNvSpPr txBox="1"/>
+          <p:nvPr/>
+        </p:nvSpPr>
+        <p:spPr>
+          <a:xfrm>
+            <a:off x="7272000" y="7380000"/>
+            <a:ext cx="1800000" cy="216000"/>
+          </a:xfrm>
+          <a:prstGeom prst="rect">
+            <a:avLst/>
+          </a:prstGeom>
+          <a:noFill/>
+        </p:spPr>
+        <p:txBody>
+          <a:bodyPr wrap="none">
+            <a:spAutoFit/>
+          </a:bodyPr>
+          <a:lstStyle/>
+          <a:p>
+            <a:pPr algn="l"/>
+            <a:r>
+              <a:rPr sz="1559">
+                <a:latin typeface="Helvetica"/>
+              </a:rPr>
+              <a:t>MAO93</a:t>
+            </a:r>
+          </a:p>
+        </p:txBody>
+      </p:sp>
+      <p:sp>
+        <p:nvSpPr>
+          <p:cNvPr id="9" name="TextBox 8"/>
+          <p:cNvSpPr txBox="1"/>
+          <p:nvPr/>
+        </p:nvSpPr>
+        <p:spPr>
+          <a:xfrm>
+            <a:off x="9576000" y="720000"/>
+            <a:ext cx="1080000" cy="216000"/>
+          </a:xfrm>
+          <a:prstGeom prst="rect">
+            <a:avLst/>
+          </a:prstGeom>
+          <a:noFill/>
+        </p:spPr>
+        <p:txBody>
+          <a:bodyPr wrap="none">
+            <a:spAutoFit/>
+          </a:bodyPr>
+          <a:lstStyle/>
+          <a:p>
+            <a:pPr algn="l"/>
+            <a:r>
+              <a:rPr b="1" sz="1559">
+                <a:latin typeface="Helvetica"/>
+              </a:rPr>
+              <a:t>Cidade</a:t>
+            </a:r>
+          </a:p>
+        </p:txBody>
+      </p:sp>
+      <p:sp>
+        <p:nvSpPr>
+          <p:cNvPr id="10" name="TextBox 9"/>
+          <p:cNvSpPr txBox="1"/>
+          <p:nvPr/>
+        </p:nvSpPr>
+        <p:spPr>
+          <a:xfrm>
+            <a:off x="9576000" y="990000"/>
+            <a:ext cx="1080000" cy="216000"/>
+          </a:xfrm>
+          <a:prstGeom prst="rect">
+            <a:avLst/>
+          </a:prstGeom>
+          <a:noFill/>
+        </p:spPr>
+        <p:txBody>
+          <a:bodyPr wrap="none">
+            <a:spAutoFit/>
+          </a:bodyPr>
+          <a:lstStyle/>
+          <a:p>
+            <a:pPr algn="l"/>
+            <a:r>
+              <a:rPr sz="1559">
+                <a:latin typeface="Helvetica"/>
+              </a:rPr>
+              <a:t>Mogi das Cruzes </a:t>
+            </a:r>
+          </a:p>
+        </p:txBody>
+      </p:sp>
+      <p:sp>
+        <p:nvSpPr>
+          <p:cNvPr id="11" name="TextBox 10"/>
+          <p:cNvSpPr txBox="1"/>
+          <p:nvPr/>
+        </p:nvSpPr>
+        <p:spPr>
+          <a:xfrm>
+            <a:off x="9576000" y="1332000"/>
+            <a:ext cx="1080000" cy="216000"/>
+          </a:xfrm>
+          <a:prstGeom prst="rect">
+            <a:avLst/>
+          </a:prstGeom>
+          <a:noFill/>
+        </p:spPr>
+        <p:txBody>
+          <a:bodyPr wrap="none">
+            <a:spAutoFit/>
+          </a:bodyPr>
+          <a:lstStyle/>
+          <a:p>
+            <a:pPr algn="l"/>
+            <a:r>
+              <a:rPr b="1" sz="1559">
+                <a:latin typeface="Helvetica"/>
+              </a:rPr>
+              <a:t>Formato</a:t>
+            </a:r>
+          </a:p>
+        </p:txBody>
+      </p:sp>
+      <p:sp>
+        <p:nvSpPr>
+          <p:cNvPr id="12" name="TextBox 11"/>
+          <p:cNvSpPr txBox="1"/>
+          <p:nvPr/>
+        </p:nvSpPr>
+        <p:spPr>
+          <a:xfrm>
+            <a:off x="9576000" y="1602000"/>
+            <a:ext cx="1080000" cy="216000"/>
+          </a:xfrm>
+          <a:prstGeom prst="rect">
+            <a:avLst/>
+          </a:prstGeom>
+          <a:noFill/>
+        </p:spPr>
+        <p:txBody>
+          <a:bodyPr wrap="none">
+            <a:spAutoFit/>
+          </a:bodyPr>
+          <a:lstStyle/>
+          <a:p>
+            <a:pPr algn="l"/>
+            <a:r>
+              <a:rPr sz="1559">
+                <a:latin typeface="Helvetica"/>
+              </a:rPr>
+              <a:t>Outdoor </a:t>
+            </a:r>
+          </a:p>
+        </p:txBody>
+      </p:sp>
+      <p:sp>
+        <p:nvSpPr>
+          <p:cNvPr id="13" name="TextBox 12"/>
+          <p:cNvSpPr txBox="1"/>
+          <p:nvPr/>
+        </p:nvSpPr>
+        <p:spPr>
+          <a:xfrm>
+            <a:off x="13680000" y="7326000"/>
+            <a:ext cx="360000" cy="360000"/>
+          </a:xfrm>
+          <a:prstGeom prst="rect">
+            <a:avLst/>
+          </a:prstGeom>
+          <a:noFill/>
+        </p:spPr>
+        <p:txBody>
+          <a:bodyPr wrap="none">
+            <a:spAutoFit/>
+          </a:bodyPr>
+          <a:lstStyle/>
+          <a:p>
+            <a:pPr algn="ctr"/>
+            <a:r>
+              <a:rPr b="1" sz="2267">
+                <a:solidFill>
+                  <a:srgbClr val="FFFFFF"/>
+                </a:solidFill>
+                <a:latin typeface="Helvetica"/>
+              </a:rPr>
+              <a:t>14</a:t>
+            </a:r>
+          </a:p>
+        </p:txBody>
+      </p:sp>
+    </p:spTree>
+  </p:cSld>
+  <p:clrMapOvr>
+    <a:masterClrMapping/>
+  </p:clrMapOvr>
+</p:sld>
+</file>
+
+<file path=ppt/slides/slide15.xml><?xml version="1.0" encoding="utf-8"?>
+<p:sld xmlns:a="http://schemas.openxmlformats.org/drawingml/2006/main" xmlns:p="http://schemas.openxmlformats.org/presentationml/2006/main" xmlns:r="http://schemas.openxmlformats.org/officeDocument/2006/relationships">
+  <p:cSld>
+    <p:spTree>
+      <p:nvGrpSpPr>
+        <p:cNvPr id="1" name=""/>
+        <p:cNvGrpSpPr/>
+        <p:nvPr/>
+      </p:nvGrpSpPr>
+      <p:grpSpPr/>
+      <p:pic>
+        <p:nvPicPr>
+          <p:cNvPr id="2" name="Picture 1" descr="template_pdf.jpg"/>
+          <p:cNvPicPr>
+            <a:picLocks noChangeAspect="1"/>
+          </p:cNvPicPr>
+          <p:nvPr/>
+        </p:nvPicPr>
+        <p:blipFill>
+          <a:blip r:embed="rId2"/>
+          <a:stretch>
+            <a:fillRect/>
+          </a:stretch>
+        </p:blipFill>
+        <p:spPr>
+          <a:xfrm>
+            <a:off x="0" y="0"/>
+            <a:ext cx="14400000" cy="7920000"/>
+          </a:xfrm>
+          <a:prstGeom prst="rect">
+            <a:avLst/>
+          </a:prstGeom>
+        </p:spPr>
+      </p:pic>
+      <p:sp>
+        <p:nvSpPr>
+          <p:cNvPr id="3" name="TextBox 2"/>
+          <p:cNvSpPr txBox="1"/>
+          <p:nvPr/>
+        </p:nvSpPr>
+        <p:spPr>
+          <a:xfrm>
+            <a:off x="0" y="180000"/>
+            <a:ext cx="15120000" cy="180000"/>
+          </a:xfrm>
+          <a:prstGeom prst="rect">
+            <a:avLst/>
+          </a:prstGeom>
+          <a:noFill/>
+        </p:spPr>
+        <p:txBody>
+          <a:bodyPr wrap="none">
+            <a:spAutoFit/>
+          </a:bodyPr>
+          <a:lstStyle/>
+          <a:p>
+            <a:pPr algn="ctr"/>
+            <a:r>
+              <a:rPr b="1" sz="1984">
+                <a:solidFill>
+                  <a:srgbClr val="FFFFFF"/>
+                </a:solidFill>
+                <a:latin typeface="Helvetica"/>
+              </a:rPr>
+              <a:t>Rod. Mogi Dutra, Km 0,5 (Prox Revenda Ford) - Front</a:t>
+            </a:r>
+          </a:p>
+        </p:txBody>
+      </p:sp>
+      <p:pic>
+        <p:nvPicPr>
+          <p:cNvPr id="4" name="Picture 3" descr="temp_image13.jpg"/>
+          <p:cNvPicPr>
+            <a:picLocks noChangeAspect="1"/>
+          </p:cNvPicPr>
+          <p:nvPr/>
+        </p:nvPicPr>
+        <p:blipFill>
+          <a:blip r:embed="rId3"/>
+          <a:stretch>
+            <a:fillRect/>
+          </a:stretch>
+        </p:blipFill>
+        <p:spPr>
+          <a:xfrm>
+            <a:off x="108000" y="785160"/>
+            <a:ext cx="9432000" cy="6480000"/>
+          </a:xfrm>
+          <a:prstGeom prst="rect">
+            <a:avLst/>
+          </a:prstGeom>
+        </p:spPr>
+      </p:pic>
+      <p:sp>
+        <p:nvSpPr>
+          <p:cNvPr id="5" name="TextBox 4"/>
+          <p:cNvSpPr txBox="1"/>
+          <p:nvPr/>
+        </p:nvSpPr>
+        <p:spPr>
+          <a:xfrm>
+            <a:off x="108000" y="7380000"/>
+            <a:ext cx="1080000" cy="180000"/>
+          </a:xfrm>
+          <a:prstGeom prst="rect">
+            <a:avLst/>
+          </a:prstGeom>
+          <a:noFill/>
+        </p:spPr>
+        <p:txBody>
+          <a:bodyPr wrap="none">
+            <a:spAutoFit/>
+          </a:bodyPr>
+          <a:lstStyle/>
+          <a:p>
+            <a:pPr algn="l"/>
+            <a:r>
+              <a:rPr b="1" sz="1559">
+                <a:latin typeface="Helvetica"/>
+              </a:rPr>
+              <a:t>Coordenadas:</a:t>
+            </a:r>
+          </a:p>
+        </p:txBody>
+      </p:sp>
+      <p:sp>
+        <p:nvSpPr>
+          <p:cNvPr id="6" name="TextBox 5"/>
+          <p:cNvSpPr txBox="1"/>
+          <p:nvPr/>
+        </p:nvSpPr>
+        <p:spPr>
+          <a:xfrm>
+            <a:off x="1458000" y="7380000"/>
+            <a:ext cx="1800000" cy="216000"/>
+          </a:xfrm>
+          <a:prstGeom prst="rect">
+            <a:avLst/>
+          </a:prstGeom>
+          <a:noFill/>
+        </p:spPr>
+        <p:txBody>
+          <a:bodyPr wrap="none">
+            <a:spAutoFit/>
+          </a:bodyPr>
+          <a:lstStyle/>
+          <a:p>
+            <a:pPr algn="l"/>
+            <a:r>
+              <a:rPr sz="1559">
+                <a:latin typeface="Helvetica"/>
+              </a:rPr>
+              <a:t>-23.506791  -46.212416</a:t>
+            </a:r>
+          </a:p>
+        </p:txBody>
+      </p:sp>
+      <p:sp>
+        <p:nvSpPr>
+          <p:cNvPr id="7" name="TextBox 6"/>
+          <p:cNvSpPr txBox="1"/>
+          <p:nvPr/>
+        </p:nvSpPr>
+        <p:spPr>
+          <a:xfrm>
+            <a:off x="6480000" y="7380000"/>
+            <a:ext cx="1080000" cy="180000"/>
+          </a:xfrm>
+          <a:prstGeom prst="rect">
+            <a:avLst/>
+          </a:prstGeom>
+          <a:noFill/>
+        </p:spPr>
+        <p:txBody>
+          <a:bodyPr wrap="none">
+            <a:spAutoFit/>
+          </a:bodyPr>
+          <a:lstStyle/>
+          <a:p>
+            <a:pPr algn="l"/>
+            <a:r>
+              <a:rPr b="1" sz="1559">
+                <a:latin typeface="Helvetica"/>
+              </a:rPr>
+              <a:t>Codigo:</a:t>
+            </a:r>
+          </a:p>
+        </p:txBody>
+      </p:sp>
+      <p:sp>
+        <p:nvSpPr>
+          <p:cNvPr id="8" name="TextBox 7"/>
+          <p:cNvSpPr txBox="1"/>
+          <p:nvPr/>
+        </p:nvSpPr>
+        <p:spPr>
+          <a:xfrm>
+            <a:off x="7272000" y="7380000"/>
+            <a:ext cx="1800000" cy="216000"/>
+          </a:xfrm>
+          <a:prstGeom prst="rect">
+            <a:avLst/>
+          </a:prstGeom>
+          <a:noFill/>
+        </p:spPr>
+        <p:txBody>
+          <a:bodyPr wrap="none">
+            <a:spAutoFit/>
+          </a:bodyPr>
+          <a:lstStyle/>
+          <a:p>
+            <a:pPr algn="l"/>
+            <a:r>
+              <a:rPr sz="1559">
+                <a:latin typeface="Helvetica"/>
+              </a:rPr>
+              <a:t>MAO95</a:t>
+            </a:r>
+          </a:p>
+        </p:txBody>
+      </p:sp>
+      <p:sp>
+        <p:nvSpPr>
+          <p:cNvPr id="9" name="TextBox 8"/>
+          <p:cNvSpPr txBox="1"/>
+          <p:nvPr/>
+        </p:nvSpPr>
+        <p:spPr>
+          <a:xfrm>
+            <a:off x="9576000" y="720000"/>
+            <a:ext cx="1080000" cy="216000"/>
+          </a:xfrm>
+          <a:prstGeom prst="rect">
+            <a:avLst/>
+          </a:prstGeom>
+          <a:noFill/>
+        </p:spPr>
+        <p:txBody>
+          <a:bodyPr wrap="none">
+            <a:spAutoFit/>
+          </a:bodyPr>
+          <a:lstStyle/>
+          <a:p>
+            <a:pPr algn="l"/>
+            <a:r>
+              <a:rPr b="1" sz="1559">
+                <a:latin typeface="Helvetica"/>
+              </a:rPr>
+              <a:t>Cidade</a:t>
+            </a:r>
+          </a:p>
+        </p:txBody>
+      </p:sp>
+      <p:sp>
+        <p:nvSpPr>
+          <p:cNvPr id="10" name="TextBox 9"/>
+          <p:cNvSpPr txBox="1"/>
+          <p:nvPr/>
+        </p:nvSpPr>
+        <p:spPr>
+          <a:xfrm>
+            <a:off x="9576000" y="990000"/>
+            <a:ext cx="1080000" cy="216000"/>
+          </a:xfrm>
+          <a:prstGeom prst="rect">
+            <a:avLst/>
+          </a:prstGeom>
+          <a:noFill/>
+        </p:spPr>
+        <p:txBody>
+          <a:bodyPr wrap="none">
+            <a:spAutoFit/>
+          </a:bodyPr>
+          <a:lstStyle/>
+          <a:p>
+            <a:pPr algn="l"/>
+            <a:r>
+              <a:rPr sz="1559">
+                <a:latin typeface="Helvetica"/>
+              </a:rPr>
+              <a:t>Mogi das Cruzes </a:t>
+            </a:r>
+          </a:p>
+        </p:txBody>
+      </p:sp>
+      <p:sp>
+        <p:nvSpPr>
+          <p:cNvPr id="11" name="TextBox 10"/>
+          <p:cNvSpPr txBox="1"/>
+          <p:nvPr/>
+        </p:nvSpPr>
+        <p:spPr>
+          <a:xfrm>
+            <a:off x="9576000" y="1332000"/>
+            <a:ext cx="1080000" cy="216000"/>
+          </a:xfrm>
+          <a:prstGeom prst="rect">
+            <a:avLst/>
+          </a:prstGeom>
+          <a:noFill/>
+        </p:spPr>
+        <p:txBody>
+          <a:bodyPr wrap="none">
+            <a:spAutoFit/>
+          </a:bodyPr>
+          <a:lstStyle/>
+          <a:p>
+            <a:pPr algn="l"/>
+            <a:r>
+              <a:rPr b="1" sz="1559">
+                <a:latin typeface="Helvetica"/>
+              </a:rPr>
+              <a:t>Formato</a:t>
+            </a:r>
+          </a:p>
+        </p:txBody>
+      </p:sp>
+      <p:sp>
+        <p:nvSpPr>
+          <p:cNvPr id="12" name="TextBox 11"/>
+          <p:cNvSpPr txBox="1"/>
+          <p:nvPr/>
+        </p:nvSpPr>
+        <p:spPr>
+          <a:xfrm>
+            <a:off x="9576000" y="1602000"/>
+            <a:ext cx="1080000" cy="216000"/>
+          </a:xfrm>
+          <a:prstGeom prst="rect">
+            <a:avLst/>
+          </a:prstGeom>
+          <a:noFill/>
+        </p:spPr>
+        <p:txBody>
+          <a:bodyPr wrap="none">
+            <a:spAutoFit/>
+          </a:bodyPr>
+          <a:lstStyle/>
+          <a:p>
+            <a:pPr algn="l"/>
+            <a:r>
+              <a:rPr sz="1559">
+                <a:latin typeface="Helvetica"/>
+              </a:rPr>
+              <a:t>Outdoor </a:t>
+            </a:r>
+          </a:p>
+        </p:txBody>
+      </p:sp>
+      <p:sp>
+        <p:nvSpPr>
+          <p:cNvPr id="13" name="TextBox 12"/>
+          <p:cNvSpPr txBox="1"/>
+          <p:nvPr/>
+        </p:nvSpPr>
+        <p:spPr>
+          <a:xfrm>
+            <a:off x="13680000" y="7326000"/>
+            <a:ext cx="360000" cy="360000"/>
+          </a:xfrm>
+          <a:prstGeom prst="rect">
+            <a:avLst/>
+          </a:prstGeom>
+          <a:noFill/>
+        </p:spPr>
+        <p:txBody>
+          <a:bodyPr wrap="none">
+            <a:spAutoFit/>
+          </a:bodyPr>
+          <a:lstStyle/>
+          <a:p>
+            <a:pPr algn="ctr"/>
+            <a:r>
+              <a:rPr b="1" sz="2267">
+                <a:solidFill>
+                  <a:srgbClr val="FFFFFF"/>
+                </a:solidFill>
+                <a:latin typeface="Helvetica"/>
+              </a:rPr>
+              <a:t>15</a:t>
+            </a:r>
+          </a:p>
+        </p:txBody>
+      </p:sp>
+    </p:spTree>
+  </p:cSld>
+  <p:clrMapOvr>
+    <a:masterClrMapping/>
+  </p:clrMapOvr>
+</p:sld>
+</file>
+
+<file path=ppt/slides/slide16.xml><?xml version="1.0" encoding="utf-8"?>
+<p:sld xmlns:a="http://schemas.openxmlformats.org/drawingml/2006/main" xmlns:p="http://schemas.openxmlformats.org/presentationml/2006/main" xmlns:r="http://schemas.openxmlformats.org/officeDocument/2006/relationships">
+  <p:cSld>
+    <p:spTree>
+      <p:nvGrpSpPr>
+        <p:cNvPr id="1" name=""/>
+        <p:cNvGrpSpPr/>
+        <p:nvPr/>
+      </p:nvGrpSpPr>
+      <p:grpSpPr/>
+      <p:pic>
+        <p:nvPicPr>
+          <p:cNvPr id="2" name="Picture 1" descr="template_pdf.jpg"/>
+          <p:cNvPicPr>
+            <a:picLocks noChangeAspect="1"/>
+          </p:cNvPicPr>
+          <p:nvPr/>
+        </p:nvPicPr>
+        <p:blipFill>
+          <a:blip r:embed="rId2"/>
+          <a:stretch>
+            <a:fillRect/>
+          </a:stretch>
+        </p:blipFill>
+        <p:spPr>
+          <a:xfrm>
+            <a:off x="0" y="0"/>
+            <a:ext cx="14400000" cy="7920000"/>
+          </a:xfrm>
+          <a:prstGeom prst="rect">
+            <a:avLst/>
+          </a:prstGeom>
+        </p:spPr>
+      </p:pic>
+      <p:sp>
+        <p:nvSpPr>
+          <p:cNvPr id="3" name="TextBox 2"/>
+          <p:cNvSpPr txBox="1"/>
+          <p:nvPr/>
+        </p:nvSpPr>
+        <p:spPr>
+          <a:xfrm>
+            <a:off x="0" y="180000"/>
+            <a:ext cx="15120000" cy="180000"/>
+          </a:xfrm>
+          <a:prstGeom prst="rect">
+            <a:avLst/>
+          </a:prstGeom>
+          <a:noFill/>
+        </p:spPr>
+        <p:txBody>
+          <a:bodyPr wrap="none">
+            <a:spAutoFit/>
+          </a:bodyPr>
+          <a:lstStyle/>
+          <a:p>
+            <a:pPr algn="ctr"/>
+            <a:r>
+              <a:rPr b="1" sz="1984">
+                <a:solidFill>
+                  <a:srgbClr val="FFFFFF"/>
+                </a:solidFill>
+                <a:latin typeface="Helvetica"/>
+              </a:rPr>
+              <a:t>Rodovia Mogi Dutra, Km 0,5 (Acesso Entrada)</a:t>
+            </a:r>
+          </a:p>
+        </p:txBody>
+      </p:sp>
+      <p:pic>
+        <p:nvPicPr>
+          <p:cNvPr id="4" name="Picture 3" descr="temp_image14.jpg"/>
+          <p:cNvPicPr>
+            <a:picLocks noChangeAspect="1"/>
+          </p:cNvPicPr>
+          <p:nvPr/>
+        </p:nvPicPr>
+        <p:blipFill>
+          <a:blip r:embed="rId3"/>
+          <a:stretch>
+            <a:fillRect/>
+          </a:stretch>
+        </p:blipFill>
+        <p:spPr>
+          <a:xfrm>
+            <a:off x="108000" y="785160"/>
+            <a:ext cx="9432000" cy="6480000"/>
+          </a:xfrm>
+          <a:prstGeom prst="rect">
+            <a:avLst/>
+          </a:prstGeom>
+        </p:spPr>
+      </p:pic>
+      <p:sp>
+        <p:nvSpPr>
+          <p:cNvPr id="5" name="TextBox 4"/>
+          <p:cNvSpPr txBox="1"/>
+          <p:nvPr/>
+        </p:nvSpPr>
+        <p:spPr>
+          <a:xfrm>
+            <a:off x="108000" y="7380000"/>
+            <a:ext cx="1080000" cy="180000"/>
+          </a:xfrm>
+          <a:prstGeom prst="rect">
+            <a:avLst/>
+          </a:prstGeom>
+          <a:noFill/>
+        </p:spPr>
+        <p:txBody>
+          <a:bodyPr wrap="none">
+            <a:spAutoFit/>
+          </a:bodyPr>
+          <a:lstStyle/>
+          <a:p>
+            <a:pPr algn="l"/>
+            <a:r>
+              <a:rPr b="1" sz="1559">
+                <a:latin typeface="Helvetica"/>
+              </a:rPr>
+              <a:t>Coordenadas:</a:t>
+            </a:r>
+          </a:p>
+        </p:txBody>
+      </p:sp>
+      <p:sp>
+        <p:nvSpPr>
+          <p:cNvPr id="6" name="TextBox 5"/>
+          <p:cNvSpPr txBox="1"/>
+          <p:nvPr/>
+        </p:nvSpPr>
+        <p:spPr>
+          <a:xfrm>
+            <a:off x="1458000" y="7380000"/>
+            <a:ext cx="1800000" cy="216000"/>
+          </a:xfrm>
+          <a:prstGeom prst="rect">
+            <a:avLst/>
+          </a:prstGeom>
+          <a:noFill/>
+        </p:spPr>
+        <p:txBody>
+          <a:bodyPr wrap="none">
+            <a:spAutoFit/>
+          </a:bodyPr>
+          <a:lstStyle/>
+          <a:p>
+            <a:pPr algn="l"/>
+            <a:r>
+              <a:rPr sz="1559">
+                <a:latin typeface="Helvetica"/>
+              </a:rPr>
+              <a:t>-23.507029  -46.212123</a:t>
+            </a:r>
+          </a:p>
+        </p:txBody>
+      </p:sp>
+      <p:sp>
+        <p:nvSpPr>
+          <p:cNvPr id="7" name="TextBox 6"/>
+          <p:cNvSpPr txBox="1"/>
+          <p:nvPr/>
+        </p:nvSpPr>
+        <p:spPr>
+          <a:xfrm>
+            <a:off x="6480000" y="7380000"/>
+            <a:ext cx="1080000" cy="180000"/>
+          </a:xfrm>
+          <a:prstGeom prst="rect">
+            <a:avLst/>
+          </a:prstGeom>
+          <a:noFill/>
+        </p:spPr>
+        <p:txBody>
+          <a:bodyPr wrap="none">
+            <a:spAutoFit/>
+          </a:bodyPr>
+          <a:lstStyle/>
+          <a:p>
+            <a:pPr algn="l"/>
+            <a:r>
+              <a:rPr b="1" sz="1559">
+                <a:latin typeface="Helvetica"/>
+              </a:rPr>
+              <a:t>Codigo:</a:t>
+            </a:r>
+          </a:p>
+        </p:txBody>
+      </p:sp>
+      <p:sp>
+        <p:nvSpPr>
+          <p:cNvPr id="8" name="TextBox 7"/>
+          <p:cNvSpPr txBox="1"/>
+          <p:nvPr/>
+        </p:nvSpPr>
+        <p:spPr>
+          <a:xfrm>
+            <a:off x="7272000" y="7380000"/>
+            <a:ext cx="1800000" cy="216000"/>
+          </a:xfrm>
+          <a:prstGeom prst="rect">
+            <a:avLst/>
+          </a:prstGeom>
+          <a:noFill/>
+        </p:spPr>
+        <p:txBody>
+          <a:bodyPr wrap="none">
+            <a:spAutoFit/>
+          </a:bodyPr>
+          <a:lstStyle/>
+          <a:p>
+            <a:pPr algn="l"/>
+            <a:r>
+              <a:rPr sz="1559">
+                <a:latin typeface="Helvetica"/>
+              </a:rPr>
+              <a:t>MAO96</a:t>
+            </a:r>
+          </a:p>
+        </p:txBody>
+      </p:sp>
+      <p:sp>
+        <p:nvSpPr>
+          <p:cNvPr id="9" name="TextBox 8"/>
+          <p:cNvSpPr txBox="1"/>
+          <p:nvPr/>
+        </p:nvSpPr>
+        <p:spPr>
+          <a:xfrm>
+            <a:off x="9576000" y="720000"/>
+            <a:ext cx="1080000" cy="216000"/>
+          </a:xfrm>
+          <a:prstGeom prst="rect">
+            <a:avLst/>
+          </a:prstGeom>
+          <a:noFill/>
+        </p:spPr>
+        <p:txBody>
+          <a:bodyPr wrap="none">
+            <a:spAutoFit/>
+          </a:bodyPr>
+          <a:lstStyle/>
+          <a:p>
+            <a:pPr algn="l"/>
+            <a:r>
+              <a:rPr b="1" sz="1559">
+                <a:latin typeface="Helvetica"/>
+              </a:rPr>
+              <a:t>Cidade</a:t>
+            </a:r>
+          </a:p>
+        </p:txBody>
+      </p:sp>
+      <p:sp>
+        <p:nvSpPr>
+          <p:cNvPr id="10" name="TextBox 9"/>
+          <p:cNvSpPr txBox="1"/>
+          <p:nvPr/>
+        </p:nvSpPr>
+        <p:spPr>
+          <a:xfrm>
+            <a:off x="9576000" y="990000"/>
+            <a:ext cx="1080000" cy="216000"/>
+          </a:xfrm>
+          <a:prstGeom prst="rect">
+            <a:avLst/>
+          </a:prstGeom>
+          <a:noFill/>
+        </p:spPr>
+        <p:txBody>
+          <a:bodyPr wrap="none">
+            <a:spAutoFit/>
+          </a:bodyPr>
+          <a:lstStyle/>
+          <a:p>
+            <a:pPr algn="l"/>
+            <a:r>
+              <a:rPr sz="1559">
+                <a:latin typeface="Helvetica"/>
+              </a:rPr>
+              <a:t>Mogi das Cruzes </a:t>
+            </a:r>
+          </a:p>
+        </p:txBody>
+      </p:sp>
+      <p:sp>
+        <p:nvSpPr>
+          <p:cNvPr id="11" name="TextBox 10"/>
+          <p:cNvSpPr txBox="1"/>
+          <p:nvPr/>
+        </p:nvSpPr>
+        <p:spPr>
+          <a:xfrm>
+            <a:off x="9576000" y="1332000"/>
+            <a:ext cx="1080000" cy="216000"/>
+          </a:xfrm>
+          <a:prstGeom prst="rect">
+            <a:avLst/>
+          </a:prstGeom>
+          <a:noFill/>
+        </p:spPr>
+        <p:txBody>
+          <a:bodyPr wrap="none">
+            <a:spAutoFit/>
+          </a:bodyPr>
+          <a:lstStyle/>
+          <a:p>
+            <a:pPr algn="l"/>
+            <a:r>
+              <a:rPr b="1" sz="1559">
+                <a:latin typeface="Helvetica"/>
+              </a:rPr>
+              <a:t>Formato</a:t>
+            </a:r>
+          </a:p>
+        </p:txBody>
+      </p:sp>
+      <p:sp>
+        <p:nvSpPr>
+          <p:cNvPr id="12" name="TextBox 11"/>
+          <p:cNvSpPr txBox="1"/>
+          <p:nvPr/>
+        </p:nvSpPr>
+        <p:spPr>
+          <a:xfrm>
+            <a:off x="9576000" y="1602000"/>
+            <a:ext cx="1080000" cy="216000"/>
+          </a:xfrm>
+          <a:prstGeom prst="rect">
+            <a:avLst/>
+          </a:prstGeom>
+          <a:noFill/>
+        </p:spPr>
+        <p:txBody>
+          <a:bodyPr wrap="none">
+            <a:spAutoFit/>
+          </a:bodyPr>
+          <a:lstStyle/>
+          <a:p>
+            <a:pPr algn="l"/>
+            <a:r>
+              <a:rPr sz="1559">
+                <a:latin typeface="Helvetica"/>
+              </a:rPr>
+              <a:t>Outdoor </a:t>
+            </a:r>
+          </a:p>
+        </p:txBody>
+      </p:sp>
+      <p:sp>
+        <p:nvSpPr>
+          <p:cNvPr id="13" name="TextBox 12"/>
+          <p:cNvSpPr txBox="1"/>
+          <p:nvPr/>
+        </p:nvSpPr>
+        <p:spPr>
+          <a:xfrm>
+            <a:off x="13680000" y="7326000"/>
+            <a:ext cx="360000" cy="360000"/>
+          </a:xfrm>
+          <a:prstGeom prst="rect">
+            <a:avLst/>
+          </a:prstGeom>
+          <a:noFill/>
+        </p:spPr>
+        <p:txBody>
+          <a:bodyPr wrap="none">
+            <a:spAutoFit/>
+          </a:bodyPr>
+          <a:lstStyle/>
+          <a:p>
+            <a:pPr algn="ctr"/>
+            <a:r>
+              <a:rPr b="1" sz="2267">
+                <a:solidFill>
+                  <a:srgbClr val="FFFFFF"/>
+                </a:solidFill>
+                <a:latin typeface="Helvetica"/>
+              </a:rPr>
+              <a:t>16</a:t>
+            </a:r>
+          </a:p>
+        </p:txBody>
+      </p:sp>
+    </p:spTree>
+  </p:cSld>
+  <p:clrMapOvr>
+    <a:masterClrMapping/>
+  </p:clrMapOvr>
+</p:sld>
+</file>
+
+<file path=ppt/slides/slide17.xml><?xml version="1.0" encoding="utf-8"?>
+<p:sld xmlns:a="http://schemas.openxmlformats.org/drawingml/2006/main" xmlns:p="http://schemas.openxmlformats.org/presentationml/2006/main" xmlns:r="http://schemas.openxmlformats.org/officeDocument/2006/relationships">
+  <p:cSld>
+    <p:spTree>
+      <p:nvGrpSpPr>
+        <p:cNvPr id="1" name=""/>
+        <p:cNvGrpSpPr/>
+        <p:nvPr/>
+      </p:nvGrpSpPr>
+      <p:grpSpPr/>
+      <p:pic>
+        <p:nvPicPr>
+          <p:cNvPr id="2" name="Picture 1" descr="template_pdf.jpg"/>
+          <p:cNvPicPr>
+            <a:picLocks noChangeAspect="1"/>
+          </p:cNvPicPr>
+          <p:nvPr/>
+        </p:nvPicPr>
+        <p:blipFill>
+          <a:blip r:embed="rId2"/>
+          <a:stretch>
+            <a:fillRect/>
+          </a:stretch>
+        </p:blipFill>
+        <p:spPr>
+          <a:xfrm>
+            <a:off x="0" y="0"/>
+            <a:ext cx="14400000" cy="7920000"/>
+          </a:xfrm>
+          <a:prstGeom prst="rect">
+            <a:avLst/>
+          </a:prstGeom>
+        </p:spPr>
+      </p:pic>
+      <p:sp>
+        <p:nvSpPr>
+          <p:cNvPr id="3" name="TextBox 2"/>
+          <p:cNvSpPr txBox="1"/>
+          <p:nvPr/>
+        </p:nvSpPr>
+        <p:spPr>
+          <a:xfrm>
+            <a:off x="0" y="180000"/>
+            <a:ext cx="15120000" cy="180000"/>
+          </a:xfrm>
+          <a:prstGeom prst="rect">
+            <a:avLst/>
+          </a:prstGeom>
+          <a:noFill/>
+        </p:spPr>
+        <p:txBody>
+          <a:bodyPr wrap="none">
+            <a:spAutoFit/>
+          </a:bodyPr>
+          <a:lstStyle/>
+          <a:p>
+            <a:pPr algn="ctr"/>
+            <a:r>
+              <a:rPr b="1" sz="1984">
+                <a:solidFill>
+                  <a:srgbClr val="FFFFFF"/>
+                </a:solidFill>
+                <a:latin typeface="Helvetica"/>
+              </a:rPr>
+              <a:t>Rodovia Mogi Dutra, Km 0,5 (Saída Da Cidade/Sent Sp)</a:t>
+            </a:r>
+          </a:p>
+        </p:txBody>
+      </p:sp>
+      <p:pic>
+        <p:nvPicPr>
+          <p:cNvPr id="4" name="Picture 3" descr="temp_image15.jpg"/>
+          <p:cNvPicPr>
+            <a:picLocks noChangeAspect="1"/>
+          </p:cNvPicPr>
+          <p:nvPr/>
+        </p:nvPicPr>
+        <p:blipFill>
+          <a:blip r:embed="rId3"/>
+          <a:stretch>
+            <a:fillRect/>
+          </a:stretch>
+        </p:blipFill>
+        <p:spPr>
+          <a:xfrm>
+            <a:off x="108000" y="785160"/>
+            <a:ext cx="9432000" cy="6480000"/>
+          </a:xfrm>
+          <a:prstGeom prst="rect">
+            <a:avLst/>
+          </a:prstGeom>
+        </p:spPr>
+      </p:pic>
+      <p:sp>
+        <p:nvSpPr>
+          <p:cNvPr id="5" name="TextBox 4"/>
+          <p:cNvSpPr txBox="1"/>
+          <p:nvPr/>
+        </p:nvSpPr>
+        <p:spPr>
+          <a:xfrm>
+            <a:off x="108000" y="7380000"/>
+            <a:ext cx="1080000" cy="180000"/>
+          </a:xfrm>
+          <a:prstGeom prst="rect">
+            <a:avLst/>
+          </a:prstGeom>
+          <a:noFill/>
+        </p:spPr>
+        <p:txBody>
+          <a:bodyPr wrap="none">
+            <a:spAutoFit/>
+          </a:bodyPr>
+          <a:lstStyle/>
+          <a:p>
+            <a:pPr algn="l"/>
+            <a:r>
+              <a:rPr b="1" sz="1559">
+                <a:latin typeface="Helvetica"/>
+              </a:rPr>
+              <a:t>Coordenadas:</a:t>
+            </a:r>
+          </a:p>
+        </p:txBody>
+      </p:sp>
+      <p:sp>
+        <p:nvSpPr>
+          <p:cNvPr id="6" name="TextBox 5"/>
+          <p:cNvSpPr txBox="1"/>
+          <p:nvPr/>
+        </p:nvSpPr>
+        <p:spPr>
+          <a:xfrm>
+            <a:off x="1458000" y="7380000"/>
+            <a:ext cx="1800000" cy="216000"/>
+          </a:xfrm>
+          <a:prstGeom prst="rect">
+            <a:avLst/>
+          </a:prstGeom>
+          <a:noFill/>
+        </p:spPr>
+        <p:txBody>
+          <a:bodyPr wrap="none">
+            <a:spAutoFit/>
+          </a:bodyPr>
+          <a:lstStyle/>
+          <a:p>
+            <a:pPr algn="l"/>
+            <a:r>
+              <a:rPr sz="1559">
+                <a:latin typeface="Helvetica"/>
+              </a:rPr>
+              <a:t>-23.507029  -46.212123</a:t>
+            </a:r>
+          </a:p>
+        </p:txBody>
+      </p:sp>
+      <p:sp>
+        <p:nvSpPr>
+          <p:cNvPr id="7" name="TextBox 6"/>
+          <p:cNvSpPr txBox="1"/>
+          <p:nvPr/>
+        </p:nvSpPr>
+        <p:spPr>
+          <a:xfrm>
+            <a:off x="6480000" y="7380000"/>
+            <a:ext cx="1080000" cy="180000"/>
+          </a:xfrm>
+          <a:prstGeom prst="rect">
+            <a:avLst/>
+          </a:prstGeom>
+          <a:noFill/>
+        </p:spPr>
+        <p:txBody>
+          <a:bodyPr wrap="none">
+            <a:spAutoFit/>
+          </a:bodyPr>
+          <a:lstStyle/>
+          <a:p>
+            <a:pPr algn="l"/>
+            <a:r>
+              <a:rPr b="1" sz="1559">
+                <a:latin typeface="Helvetica"/>
+              </a:rPr>
+              <a:t>Codigo:</a:t>
+            </a:r>
+          </a:p>
+        </p:txBody>
+      </p:sp>
+      <p:sp>
+        <p:nvSpPr>
+          <p:cNvPr id="8" name="TextBox 7"/>
+          <p:cNvSpPr txBox="1"/>
+          <p:nvPr/>
+        </p:nvSpPr>
+        <p:spPr>
+          <a:xfrm>
+            <a:off x="7272000" y="7380000"/>
+            <a:ext cx="1800000" cy="216000"/>
+          </a:xfrm>
+          <a:prstGeom prst="rect">
+            <a:avLst/>
+          </a:prstGeom>
+          <a:noFill/>
+        </p:spPr>
+        <p:txBody>
+          <a:bodyPr wrap="none">
+            <a:spAutoFit/>
+          </a:bodyPr>
+          <a:lstStyle/>
+          <a:p>
+            <a:pPr algn="l"/>
+            <a:r>
+              <a:rPr sz="1559">
+                <a:latin typeface="Helvetica"/>
+              </a:rPr>
+              <a:t>MAO97</a:t>
+            </a:r>
+          </a:p>
+        </p:txBody>
+      </p:sp>
+      <p:sp>
+        <p:nvSpPr>
+          <p:cNvPr id="9" name="TextBox 8"/>
+          <p:cNvSpPr txBox="1"/>
+          <p:nvPr/>
+        </p:nvSpPr>
+        <p:spPr>
+          <a:xfrm>
+            <a:off x="9576000" y="720000"/>
+            <a:ext cx="1080000" cy="216000"/>
+          </a:xfrm>
+          <a:prstGeom prst="rect">
+            <a:avLst/>
+          </a:prstGeom>
+          <a:noFill/>
+        </p:spPr>
+        <p:txBody>
+          <a:bodyPr wrap="none">
+            <a:spAutoFit/>
+          </a:bodyPr>
+          <a:lstStyle/>
+          <a:p>
+            <a:pPr algn="l"/>
+            <a:r>
+              <a:rPr b="1" sz="1559">
+                <a:latin typeface="Helvetica"/>
+              </a:rPr>
+              <a:t>Cidade</a:t>
+            </a:r>
+          </a:p>
+        </p:txBody>
+      </p:sp>
+      <p:sp>
+        <p:nvSpPr>
+          <p:cNvPr id="10" name="TextBox 9"/>
+          <p:cNvSpPr txBox="1"/>
+          <p:nvPr/>
+        </p:nvSpPr>
+        <p:spPr>
+          <a:xfrm>
+            <a:off x="9576000" y="990000"/>
+            <a:ext cx="1080000" cy="216000"/>
+          </a:xfrm>
+          <a:prstGeom prst="rect">
+            <a:avLst/>
+          </a:prstGeom>
+          <a:noFill/>
+        </p:spPr>
+        <p:txBody>
+          <a:bodyPr wrap="none">
+            <a:spAutoFit/>
+          </a:bodyPr>
+          <a:lstStyle/>
+          <a:p>
+            <a:pPr algn="l"/>
+            <a:r>
+              <a:rPr sz="1559">
+                <a:latin typeface="Helvetica"/>
+              </a:rPr>
+              <a:t>Mogi das Cruzes </a:t>
+            </a:r>
+          </a:p>
+        </p:txBody>
+      </p:sp>
+      <p:sp>
+        <p:nvSpPr>
+          <p:cNvPr id="11" name="TextBox 10"/>
+          <p:cNvSpPr txBox="1"/>
+          <p:nvPr/>
+        </p:nvSpPr>
+        <p:spPr>
+          <a:xfrm>
+            <a:off x="9576000" y="1332000"/>
+            <a:ext cx="1080000" cy="216000"/>
+          </a:xfrm>
+          <a:prstGeom prst="rect">
+            <a:avLst/>
+          </a:prstGeom>
+          <a:noFill/>
+        </p:spPr>
+        <p:txBody>
+          <a:bodyPr wrap="none">
+            <a:spAutoFit/>
+          </a:bodyPr>
+          <a:lstStyle/>
+          <a:p>
+            <a:pPr algn="l"/>
+            <a:r>
+              <a:rPr b="1" sz="1559">
+                <a:latin typeface="Helvetica"/>
+              </a:rPr>
+              <a:t>Formato</a:t>
+            </a:r>
+          </a:p>
+        </p:txBody>
+      </p:sp>
+      <p:sp>
+        <p:nvSpPr>
+          <p:cNvPr id="12" name="TextBox 11"/>
+          <p:cNvSpPr txBox="1"/>
+          <p:nvPr/>
+        </p:nvSpPr>
+        <p:spPr>
+          <a:xfrm>
+            <a:off x="9576000" y="1602000"/>
+            <a:ext cx="1080000" cy="216000"/>
+          </a:xfrm>
+          <a:prstGeom prst="rect">
+            <a:avLst/>
+          </a:prstGeom>
+          <a:noFill/>
+        </p:spPr>
+        <p:txBody>
+          <a:bodyPr wrap="none">
+            <a:spAutoFit/>
+          </a:bodyPr>
+          <a:lstStyle/>
+          <a:p>
+            <a:pPr algn="l"/>
+            <a:r>
+              <a:rPr sz="1559">
+                <a:latin typeface="Helvetica"/>
+              </a:rPr>
+              <a:t>Outdoor </a:t>
+            </a:r>
+          </a:p>
+        </p:txBody>
+      </p:sp>
+      <p:sp>
+        <p:nvSpPr>
+          <p:cNvPr id="13" name="TextBox 12"/>
+          <p:cNvSpPr txBox="1"/>
+          <p:nvPr/>
+        </p:nvSpPr>
+        <p:spPr>
+          <a:xfrm>
+            <a:off x="13680000" y="7326000"/>
+            <a:ext cx="360000" cy="360000"/>
+          </a:xfrm>
+          <a:prstGeom prst="rect">
+            <a:avLst/>
+          </a:prstGeom>
+          <a:noFill/>
+        </p:spPr>
+        <p:txBody>
+          <a:bodyPr wrap="none">
+            <a:spAutoFit/>
+          </a:bodyPr>
+          <a:lstStyle/>
+          <a:p>
+            <a:pPr algn="ctr"/>
+            <a:r>
+              <a:rPr b="1" sz="2267">
+                <a:solidFill>
+                  <a:srgbClr val="FFFFFF"/>
+                </a:solidFill>
+                <a:latin typeface="Helvetica"/>
+              </a:rPr>
+              <a:t>17</a:t>
+            </a:r>
+          </a:p>
+        </p:txBody>
+      </p:sp>
+    </p:spTree>
+  </p:cSld>
+  <p:clrMapOvr>
+    <a:masterClrMapping/>
+  </p:clrMapOvr>
+</p:sld>
+</file>
+
+<file path=ppt/slides/slide18.xml><?xml version="1.0" encoding="utf-8"?>
+<p:sld xmlns:a="http://schemas.openxmlformats.org/drawingml/2006/main" xmlns:p="http://schemas.openxmlformats.org/presentationml/2006/main" xmlns:r="http://schemas.openxmlformats.org/officeDocument/2006/relationships">
+  <p:cSld>
+    <p:spTree>
+      <p:nvGrpSpPr>
+        <p:cNvPr id="1" name=""/>
+        <p:cNvGrpSpPr/>
+        <p:nvPr/>
+      </p:nvGrpSpPr>
+      <p:grpSpPr/>
+      <p:pic>
+        <p:nvPicPr>
+          <p:cNvPr id="2" name="Picture 1" descr="template_pdf.jpg"/>
+          <p:cNvPicPr>
+            <a:picLocks noChangeAspect="1"/>
+          </p:cNvPicPr>
+          <p:nvPr/>
+        </p:nvPicPr>
+        <p:blipFill>
+          <a:blip r:embed="rId2"/>
+          <a:stretch>
+            <a:fillRect/>
+          </a:stretch>
+        </p:blipFill>
+        <p:spPr>
+          <a:xfrm>
+            <a:off x="0" y="0"/>
+            <a:ext cx="14400000" cy="7920000"/>
+          </a:xfrm>
+          <a:prstGeom prst="rect">
+            <a:avLst/>
+          </a:prstGeom>
+        </p:spPr>
+      </p:pic>
+      <p:sp>
+        <p:nvSpPr>
+          <p:cNvPr id="3" name="TextBox 2"/>
+          <p:cNvSpPr txBox="1"/>
+          <p:nvPr/>
+        </p:nvSpPr>
+        <p:spPr>
+          <a:xfrm>
+            <a:off x="0" y="180000"/>
+            <a:ext cx="15120000" cy="180000"/>
+          </a:xfrm>
+          <a:prstGeom prst="rect">
+            <a:avLst/>
+          </a:prstGeom>
+          <a:noFill/>
+        </p:spPr>
+        <p:txBody>
+          <a:bodyPr wrap="none">
+            <a:spAutoFit/>
+          </a:bodyPr>
+          <a:lstStyle/>
+          <a:p>
+            <a:pPr algn="ctr"/>
+            <a:r>
+              <a:rPr b="1" sz="1984">
+                <a:solidFill>
+                  <a:srgbClr val="FFFFFF"/>
+                </a:solidFill>
+                <a:latin typeface="Helvetica"/>
+              </a:rPr>
+              <a:t>Av. Waldemar Lothar - Rodeio Sentido Mogi Dutra</a:t>
+            </a:r>
+          </a:p>
+        </p:txBody>
+      </p:sp>
+      <p:pic>
+        <p:nvPicPr>
+          <p:cNvPr id="4" name="Picture 3" descr="temp_image16.jpg"/>
+          <p:cNvPicPr>
+            <a:picLocks noChangeAspect="1"/>
+          </p:cNvPicPr>
+          <p:nvPr/>
+        </p:nvPicPr>
+        <p:blipFill>
+          <a:blip r:embed="rId3"/>
+          <a:stretch>
+            <a:fillRect/>
+          </a:stretch>
+        </p:blipFill>
+        <p:spPr>
+          <a:xfrm>
+            <a:off x="108000" y="785160"/>
+            <a:ext cx="9432000" cy="6480000"/>
+          </a:xfrm>
+          <a:prstGeom prst="rect">
+            <a:avLst/>
+          </a:prstGeom>
+        </p:spPr>
+      </p:pic>
+      <p:sp>
+        <p:nvSpPr>
+          <p:cNvPr id="5" name="TextBox 4"/>
+          <p:cNvSpPr txBox="1"/>
+          <p:nvPr/>
+        </p:nvSpPr>
+        <p:spPr>
+          <a:xfrm>
+            <a:off x="108000" y="7380000"/>
+            <a:ext cx="1080000" cy="180000"/>
+          </a:xfrm>
+          <a:prstGeom prst="rect">
+            <a:avLst/>
+          </a:prstGeom>
+          <a:noFill/>
+        </p:spPr>
+        <p:txBody>
+          <a:bodyPr wrap="none">
+            <a:spAutoFit/>
+          </a:bodyPr>
+          <a:lstStyle/>
+          <a:p>
+            <a:pPr algn="l"/>
+            <a:r>
+              <a:rPr b="1" sz="1559">
+                <a:latin typeface="Helvetica"/>
+              </a:rPr>
+              <a:t>Coordenadas:</a:t>
+            </a:r>
+          </a:p>
+        </p:txBody>
+      </p:sp>
+      <p:sp>
+        <p:nvSpPr>
+          <p:cNvPr id="6" name="TextBox 5"/>
+          <p:cNvSpPr txBox="1"/>
+          <p:nvPr/>
+        </p:nvSpPr>
+        <p:spPr>
+          <a:xfrm>
+            <a:off x="1458000" y="7380000"/>
+            <a:ext cx="1800000" cy="216000"/>
+          </a:xfrm>
+          <a:prstGeom prst="rect">
+            <a:avLst/>
+          </a:prstGeom>
+          <a:noFill/>
+        </p:spPr>
+        <p:txBody>
+          <a:bodyPr wrap="none">
+            <a:spAutoFit/>
+          </a:bodyPr>
+          <a:lstStyle/>
+          <a:p>
+            <a:pPr algn="l"/>
+            <a:r>
+              <a:rPr sz="1559">
+                <a:latin typeface="Helvetica"/>
+              </a:rPr>
+              <a:t>-23.507723  -46.197805</a:t>
+            </a:r>
+          </a:p>
+        </p:txBody>
+      </p:sp>
+      <p:sp>
+        <p:nvSpPr>
+          <p:cNvPr id="7" name="TextBox 6"/>
+          <p:cNvSpPr txBox="1"/>
+          <p:nvPr/>
+        </p:nvSpPr>
+        <p:spPr>
+          <a:xfrm>
+            <a:off x="6480000" y="7380000"/>
+            <a:ext cx="1080000" cy="180000"/>
+          </a:xfrm>
+          <a:prstGeom prst="rect">
+            <a:avLst/>
+          </a:prstGeom>
+          <a:noFill/>
+        </p:spPr>
+        <p:txBody>
+          <a:bodyPr wrap="none">
+            <a:spAutoFit/>
+          </a:bodyPr>
+          <a:lstStyle/>
+          <a:p>
+            <a:pPr algn="l"/>
+            <a:r>
+              <a:rPr b="1" sz="1559">
+                <a:latin typeface="Helvetica"/>
+              </a:rPr>
+              <a:t>Codigo:</a:t>
+            </a:r>
+          </a:p>
+        </p:txBody>
+      </p:sp>
+      <p:sp>
+        <p:nvSpPr>
+          <p:cNvPr id="8" name="TextBox 7"/>
+          <p:cNvSpPr txBox="1"/>
+          <p:nvPr/>
+        </p:nvSpPr>
+        <p:spPr>
+          <a:xfrm>
+            <a:off x="7272000" y="7380000"/>
+            <a:ext cx="1800000" cy="216000"/>
+          </a:xfrm>
+          <a:prstGeom prst="rect">
+            <a:avLst/>
+          </a:prstGeom>
+          <a:noFill/>
+        </p:spPr>
+        <p:txBody>
+          <a:bodyPr wrap="none">
+            <a:spAutoFit/>
+          </a:bodyPr>
+          <a:lstStyle/>
+          <a:p>
+            <a:pPr algn="l"/>
+            <a:r>
+              <a:rPr sz="1559">
+                <a:latin typeface="Helvetica"/>
+              </a:rPr>
+              <a:t>MAO98</a:t>
+            </a:r>
+          </a:p>
+        </p:txBody>
+      </p:sp>
+      <p:sp>
+        <p:nvSpPr>
+          <p:cNvPr id="9" name="TextBox 8"/>
+          <p:cNvSpPr txBox="1"/>
+          <p:nvPr/>
+        </p:nvSpPr>
+        <p:spPr>
+          <a:xfrm>
+            <a:off x="9576000" y="720000"/>
+            <a:ext cx="1080000" cy="216000"/>
+          </a:xfrm>
+          <a:prstGeom prst="rect">
+            <a:avLst/>
+          </a:prstGeom>
+          <a:noFill/>
+        </p:spPr>
+        <p:txBody>
+          <a:bodyPr wrap="none">
+            <a:spAutoFit/>
+          </a:bodyPr>
+          <a:lstStyle/>
+          <a:p>
+            <a:pPr algn="l"/>
+            <a:r>
+              <a:rPr b="1" sz="1559">
+                <a:latin typeface="Helvetica"/>
+              </a:rPr>
+              <a:t>Cidade</a:t>
+            </a:r>
+          </a:p>
+        </p:txBody>
+      </p:sp>
+      <p:sp>
+        <p:nvSpPr>
+          <p:cNvPr id="10" name="TextBox 9"/>
+          <p:cNvSpPr txBox="1"/>
+          <p:nvPr/>
+        </p:nvSpPr>
+        <p:spPr>
+          <a:xfrm>
+            <a:off x="9576000" y="990000"/>
+            <a:ext cx="1080000" cy="216000"/>
+          </a:xfrm>
+          <a:prstGeom prst="rect">
+            <a:avLst/>
+          </a:prstGeom>
+          <a:noFill/>
+        </p:spPr>
+        <p:txBody>
+          <a:bodyPr wrap="none">
+            <a:spAutoFit/>
+          </a:bodyPr>
+          <a:lstStyle/>
+          <a:p>
+            <a:pPr algn="l"/>
+            <a:r>
+              <a:rPr sz="1559">
+                <a:latin typeface="Helvetica"/>
+              </a:rPr>
+              <a:t>Mogi das Cruzes </a:t>
+            </a:r>
+          </a:p>
+        </p:txBody>
+      </p:sp>
+      <p:sp>
+        <p:nvSpPr>
+          <p:cNvPr id="11" name="TextBox 10"/>
+          <p:cNvSpPr txBox="1"/>
+          <p:nvPr/>
+        </p:nvSpPr>
+        <p:spPr>
+          <a:xfrm>
+            <a:off x="9576000" y="1332000"/>
+            <a:ext cx="1080000" cy="216000"/>
+          </a:xfrm>
+          <a:prstGeom prst="rect">
+            <a:avLst/>
+          </a:prstGeom>
+          <a:noFill/>
+        </p:spPr>
+        <p:txBody>
+          <a:bodyPr wrap="none">
+            <a:spAutoFit/>
+          </a:bodyPr>
+          <a:lstStyle/>
+          <a:p>
+            <a:pPr algn="l"/>
+            <a:r>
+              <a:rPr b="1" sz="1559">
+                <a:latin typeface="Helvetica"/>
+              </a:rPr>
+              <a:t>Formato</a:t>
+            </a:r>
+          </a:p>
+        </p:txBody>
+      </p:sp>
+      <p:sp>
+        <p:nvSpPr>
+          <p:cNvPr id="12" name="TextBox 11"/>
+          <p:cNvSpPr txBox="1"/>
+          <p:nvPr/>
+        </p:nvSpPr>
+        <p:spPr>
+          <a:xfrm>
+            <a:off x="9576000" y="1602000"/>
+            <a:ext cx="1080000" cy="216000"/>
+          </a:xfrm>
+          <a:prstGeom prst="rect">
+            <a:avLst/>
+          </a:prstGeom>
+          <a:noFill/>
+        </p:spPr>
+        <p:txBody>
+          <a:bodyPr wrap="none">
+            <a:spAutoFit/>
+          </a:bodyPr>
+          <a:lstStyle/>
+          <a:p>
+            <a:pPr algn="l"/>
+            <a:r>
+              <a:rPr sz="1559">
+                <a:latin typeface="Helvetica"/>
+              </a:rPr>
+              <a:t>Outdoor </a:t>
+            </a:r>
+          </a:p>
+        </p:txBody>
+      </p:sp>
+      <p:sp>
+        <p:nvSpPr>
+          <p:cNvPr id="13" name="TextBox 12"/>
+          <p:cNvSpPr txBox="1"/>
+          <p:nvPr/>
+        </p:nvSpPr>
+        <p:spPr>
+          <a:xfrm>
+            <a:off x="13680000" y="7326000"/>
+            <a:ext cx="360000" cy="360000"/>
+          </a:xfrm>
+          <a:prstGeom prst="rect">
+            <a:avLst/>
+          </a:prstGeom>
+          <a:noFill/>
+        </p:spPr>
+        <p:txBody>
+          <a:bodyPr wrap="none">
+            <a:spAutoFit/>
+          </a:bodyPr>
+          <a:lstStyle/>
+          <a:p>
+            <a:pPr algn="ctr"/>
+            <a:r>
+              <a:rPr b="1" sz="2267">
+                <a:solidFill>
+                  <a:srgbClr val="FFFFFF"/>
+                </a:solidFill>
+                <a:latin typeface="Helvetica"/>
+              </a:rPr>
+              <a:t>18</a:t>
+            </a:r>
+          </a:p>
+        </p:txBody>
+      </p:sp>
+    </p:spTree>
+  </p:cSld>
+  <p:clrMapOvr>
+    <a:masterClrMapping/>
+  </p:clrMapOvr>
+</p:sld>
+</file>
+
+<file path=ppt/slides/slide19.xml><?xml version="1.0" encoding="utf-8"?>
+<p:sld xmlns:a="http://schemas.openxmlformats.org/drawingml/2006/main" xmlns:p="http://schemas.openxmlformats.org/presentationml/2006/main" xmlns:r="http://schemas.openxmlformats.org/officeDocument/2006/relationships">
+  <p:cSld>
+    <p:spTree>
+      <p:nvGrpSpPr>
+        <p:cNvPr id="1" name=""/>
+        <p:cNvGrpSpPr/>
+        <p:nvPr/>
+      </p:nvGrpSpPr>
+      <p:grpSpPr/>
+      <p:pic>
+        <p:nvPicPr>
+          <p:cNvPr id="2" name="Picture 1" descr="template_pdf.jpg"/>
+          <p:cNvPicPr>
+            <a:picLocks noChangeAspect="1"/>
+          </p:cNvPicPr>
+          <p:nvPr/>
+        </p:nvPicPr>
+        <p:blipFill>
+          <a:blip r:embed="rId2"/>
+          <a:stretch>
+            <a:fillRect/>
+          </a:stretch>
+        </p:blipFill>
+        <p:spPr>
+          <a:xfrm>
+            <a:off x="0" y="0"/>
+            <a:ext cx="14400000" cy="7920000"/>
+          </a:xfrm>
+          <a:prstGeom prst="rect">
+            <a:avLst/>
+          </a:prstGeom>
+        </p:spPr>
+      </p:pic>
+      <p:sp>
+        <p:nvSpPr>
+          <p:cNvPr id="3" name="TextBox 2"/>
+          <p:cNvSpPr txBox="1"/>
+          <p:nvPr/>
+        </p:nvSpPr>
+        <p:spPr>
+          <a:xfrm>
+            <a:off x="0" y="180000"/>
+            <a:ext cx="15120000" cy="180000"/>
+          </a:xfrm>
+          <a:prstGeom prst="rect">
+            <a:avLst/>
+          </a:prstGeom>
+          <a:noFill/>
+        </p:spPr>
+        <p:txBody>
+          <a:bodyPr wrap="none">
+            <a:spAutoFit/>
+          </a:bodyPr>
+          <a:lstStyle/>
+          <a:p>
+            <a:pPr algn="ctr"/>
+            <a:r>
+              <a:rPr b="1" sz="1984">
+                <a:solidFill>
+                  <a:srgbClr val="FFFFFF"/>
+                </a:solidFill>
+                <a:latin typeface="Helvetica"/>
+              </a:rPr>
+              <a:t>Av. Waldemar Lothar - Sentido Rodeio</a:t>
+            </a:r>
+          </a:p>
+        </p:txBody>
+      </p:sp>
+      <p:pic>
+        <p:nvPicPr>
+          <p:cNvPr id="4" name="Picture 3" descr="temp_image17.jpg"/>
+          <p:cNvPicPr>
+            <a:picLocks noChangeAspect="1"/>
+          </p:cNvPicPr>
+          <p:nvPr/>
+        </p:nvPicPr>
+        <p:blipFill>
+          <a:blip r:embed="rId3"/>
+          <a:stretch>
+            <a:fillRect/>
+          </a:stretch>
+        </p:blipFill>
+        <p:spPr>
+          <a:xfrm>
+            <a:off x="108000" y="785160"/>
+            <a:ext cx="9432000" cy="6480000"/>
+          </a:xfrm>
+          <a:prstGeom prst="rect">
+            <a:avLst/>
+          </a:prstGeom>
+        </p:spPr>
+      </p:pic>
+      <p:sp>
+        <p:nvSpPr>
+          <p:cNvPr id="5" name="TextBox 4"/>
+          <p:cNvSpPr txBox="1"/>
+          <p:nvPr/>
+        </p:nvSpPr>
+        <p:spPr>
+          <a:xfrm>
+            <a:off x="108000" y="7380000"/>
+            <a:ext cx="1080000" cy="180000"/>
+          </a:xfrm>
+          <a:prstGeom prst="rect">
+            <a:avLst/>
+          </a:prstGeom>
+          <a:noFill/>
+        </p:spPr>
+        <p:txBody>
+          <a:bodyPr wrap="none">
+            <a:spAutoFit/>
+          </a:bodyPr>
+          <a:lstStyle/>
+          <a:p>
+            <a:pPr algn="l"/>
+            <a:r>
+              <a:rPr b="1" sz="1559">
+                <a:latin typeface="Helvetica"/>
+              </a:rPr>
+              <a:t>Coordenadas:</a:t>
+            </a:r>
+          </a:p>
+        </p:txBody>
+      </p:sp>
+      <p:sp>
+        <p:nvSpPr>
+          <p:cNvPr id="6" name="TextBox 5"/>
+          <p:cNvSpPr txBox="1"/>
+          <p:nvPr/>
+        </p:nvSpPr>
+        <p:spPr>
+          <a:xfrm>
+            <a:off x="1458000" y="7380000"/>
+            <a:ext cx="1800000" cy="216000"/>
+          </a:xfrm>
+          <a:prstGeom prst="rect">
+            <a:avLst/>
+          </a:prstGeom>
+          <a:noFill/>
+        </p:spPr>
+        <p:txBody>
+          <a:bodyPr wrap="none">
+            <a:spAutoFit/>
+          </a:bodyPr>
+          <a:lstStyle/>
+          <a:p>
+            <a:pPr algn="l"/>
+            <a:r>
+              <a:rPr sz="1559">
+                <a:latin typeface="Helvetica"/>
+              </a:rPr>
+              <a:t>-23.506474  -46.197379</a:t>
+            </a:r>
+          </a:p>
+        </p:txBody>
+      </p:sp>
+      <p:sp>
+        <p:nvSpPr>
+          <p:cNvPr id="7" name="TextBox 6"/>
+          <p:cNvSpPr txBox="1"/>
+          <p:nvPr/>
+        </p:nvSpPr>
+        <p:spPr>
+          <a:xfrm>
+            <a:off x="6480000" y="7380000"/>
+            <a:ext cx="1080000" cy="180000"/>
+          </a:xfrm>
+          <a:prstGeom prst="rect">
+            <a:avLst/>
+          </a:prstGeom>
+          <a:noFill/>
+        </p:spPr>
+        <p:txBody>
+          <a:bodyPr wrap="none">
+            <a:spAutoFit/>
+          </a:bodyPr>
+          <a:lstStyle/>
+          <a:p>
+            <a:pPr algn="l"/>
+            <a:r>
+              <a:rPr b="1" sz="1559">
+                <a:latin typeface="Helvetica"/>
+              </a:rPr>
+              <a:t>Codigo:</a:t>
+            </a:r>
+          </a:p>
+        </p:txBody>
+      </p:sp>
+      <p:sp>
+        <p:nvSpPr>
+          <p:cNvPr id="8" name="TextBox 7"/>
+          <p:cNvSpPr txBox="1"/>
+          <p:nvPr/>
+        </p:nvSpPr>
+        <p:spPr>
+          <a:xfrm>
+            <a:off x="7272000" y="7380000"/>
+            <a:ext cx="1800000" cy="216000"/>
+          </a:xfrm>
+          <a:prstGeom prst="rect">
+            <a:avLst/>
+          </a:prstGeom>
+          <a:noFill/>
+        </p:spPr>
+        <p:txBody>
+          <a:bodyPr wrap="none">
+            <a:spAutoFit/>
+          </a:bodyPr>
+          <a:lstStyle/>
+          <a:p>
+            <a:pPr algn="l"/>
+            <a:r>
+              <a:rPr sz="1559">
+                <a:latin typeface="Helvetica"/>
+              </a:rPr>
+              <a:t>MAO100</a:t>
+            </a:r>
+          </a:p>
+        </p:txBody>
+      </p:sp>
+      <p:sp>
+        <p:nvSpPr>
+          <p:cNvPr id="9" name="TextBox 8"/>
+          <p:cNvSpPr txBox="1"/>
+          <p:nvPr/>
+        </p:nvSpPr>
+        <p:spPr>
+          <a:xfrm>
+            <a:off x="9576000" y="720000"/>
+            <a:ext cx="1080000" cy="216000"/>
+          </a:xfrm>
+          <a:prstGeom prst="rect">
+            <a:avLst/>
+          </a:prstGeom>
+          <a:noFill/>
+        </p:spPr>
+        <p:txBody>
+          <a:bodyPr wrap="none">
+            <a:spAutoFit/>
+          </a:bodyPr>
+          <a:lstStyle/>
+          <a:p>
+            <a:pPr algn="l"/>
+            <a:r>
+              <a:rPr b="1" sz="1559">
+                <a:latin typeface="Helvetica"/>
+              </a:rPr>
+              <a:t>Cidade</a:t>
+            </a:r>
+          </a:p>
+        </p:txBody>
+      </p:sp>
+      <p:sp>
+        <p:nvSpPr>
+          <p:cNvPr id="10" name="TextBox 9"/>
+          <p:cNvSpPr txBox="1"/>
+          <p:nvPr/>
+        </p:nvSpPr>
+        <p:spPr>
+          <a:xfrm>
+            <a:off x="9576000" y="990000"/>
+            <a:ext cx="1080000" cy="216000"/>
+          </a:xfrm>
+          <a:prstGeom prst="rect">
+            <a:avLst/>
+          </a:prstGeom>
+          <a:noFill/>
+        </p:spPr>
+        <p:txBody>
+          <a:bodyPr wrap="none">
+            <a:spAutoFit/>
+          </a:bodyPr>
+          <a:lstStyle/>
+          <a:p>
+            <a:pPr algn="l"/>
+            <a:r>
+              <a:rPr sz="1559">
+                <a:latin typeface="Helvetica"/>
+              </a:rPr>
+              <a:t>Mogi das Cruzes </a:t>
+            </a:r>
+          </a:p>
+        </p:txBody>
+      </p:sp>
+      <p:sp>
+        <p:nvSpPr>
+          <p:cNvPr id="11" name="TextBox 10"/>
+          <p:cNvSpPr txBox="1"/>
+          <p:nvPr/>
+        </p:nvSpPr>
+        <p:spPr>
+          <a:xfrm>
+            <a:off x="9576000" y="1332000"/>
+            <a:ext cx="1080000" cy="216000"/>
+          </a:xfrm>
+          <a:prstGeom prst="rect">
+            <a:avLst/>
+          </a:prstGeom>
+          <a:noFill/>
+        </p:spPr>
+        <p:txBody>
+          <a:bodyPr wrap="none">
+            <a:spAutoFit/>
+          </a:bodyPr>
+          <a:lstStyle/>
+          <a:p>
+            <a:pPr algn="l"/>
+            <a:r>
+              <a:rPr b="1" sz="1559">
+                <a:latin typeface="Helvetica"/>
+              </a:rPr>
+              <a:t>Formato</a:t>
+            </a:r>
+          </a:p>
+        </p:txBody>
+      </p:sp>
+      <p:sp>
+        <p:nvSpPr>
+          <p:cNvPr id="12" name="TextBox 11"/>
+          <p:cNvSpPr txBox="1"/>
+          <p:nvPr/>
+        </p:nvSpPr>
+        <p:spPr>
+          <a:xfrm>
+            <a:off x="9576000" y="1602000"/>
+            <a:ext cx="1080000" cy="216000"/>
+          </a:xfrm>
+          <a:prstGeom prst="rect">
+            <a:avLst/>
+          </a:prstGeom>
+          <a:noFill/>
+        </p:spPr>
+        <p:txBody>
+          <a:bodyPr wrap="none">
+            <a:spAutoFit/>
+          </a:bodyPr>
+          <a:lstStyle/>
+          <a:p>
+            <a:pPr algn="l"/>
+            <a:r>
+              <a:rPr sz="1559">
+                <a:latin typeface="Helvetica"/>
+              </a:rPr>
+              <a:t>Outdoor </a:t>
+            </a:r>
+          </a:p>
+        </p:txBody>
+      </p:sp>
+      <p:sp>
+        <p:nvSpPr>
+          <p:cNvPr id="13" name="TextBox 12"/>
+          <p:cNvSpPr txBox="1"/>
+          <p:nvPr/>
+        </p:nvSpPr>
+        <p:spPr>
+          <a:xfrm>
+            <a:off x="13680000" y="7326000"/>
+            <a:ext cx="360000" cy="360000"/>
+          </a:xfrm>
+          <a:prstGeom prst="rect">
+            <a:avLst/>
+          </a:prstGeom>
+          <a:noFill/>
+        </p:spPr>
+        <p:txBody>
+          <a:bodyPr wrap="none">
+            <a:spAutoFit/>
+          </a:bodyPr>
+          <a:lstStyle/>
+          <a:p>
+            <a:pPr algn="ctr"/>
+            <a:r>
+              <a:rPr b="1" sz="2267">
+                <a:solidFill>
+                  <a:srgbClr val="FFFFFF"/>
+                </a:solidFill>
+                <a:latin typeface="Helvetica"/>
+              </a:rPr>
+              <a:t>19</a:t>
             </a:r>
           </a:p>
         </p:txBody>
@@ -3220,7 +7154,7 @@
                 </a:solidFill>
                 <a:latin typeface="Helvetica"/>
               </a:rPr>
-              <a:t> Av. Brasília nº  2.261 em frente ao Decisão Atacado</a:t>
+              <a:t>Av. Francisco Rodrigues Filho -Rotatória Retorno</a:t>
             </a:r>
           </a:p>
         </p:txBody>
@@ -3308,7 +7242,7 @@
               <a:rPr sz="1559">
                 <a:latin typeface="Helvetica"/>
               </a:rPr>
-              <a:t>-19.78643  -43.92708</a:t>
+              <a:t>-23.5107843  -46.1776434</a:t>
             </a:r>
           </a:p>
         </p:txBody>
@@ -3372,7 +7306,7 @@
               <a:rPr sz="1559">
                 <a:latin typeface="Helvetica"/>
               </a:rPr>
-              <a:t>MBM294</a:t>
+              <a:t>MP010</a:t>
             </a:r>
           </a:p>
         </p:txBody>
@@ -3436,7 +7370,7 @@
               <a:rPr sz="1559">
                 <a:latin typeface="Helvetica"/>
               </a:rPr>
-              <a:t>Santa Luzia</a:t>
+              <a:t>Mogi das Cruzes </a:t>
             </a:r>
           </a:p>
         </p:txBody>
@@ -3468,7 +7402,7 @@
               <a:rPr b="1" sz="1559">
                 <a:latin typeface="Helvetica"/>
               </a:rPr>
-              <a:t>Zona</a:t>
+              <a:t>Formato</a:t>
             </a:r>
           </a:p>
         </p:txBody>
@@ -3500,7 +7434,7 @@
               <a:rPr sz="1559">
                 <a:latin typeface="Helvetica"/>
               </a:rPr>
-              <a:t/>
+              <a:t>Outdoor </a:t>
             </a:r>
           </a:p>
         </p:txBody>
@@ -3508,134 +7442,6 @@
       <p:sp>
         <p:nvSpPr>
           <p:cNvPr id="13" name="TextBox 12"/>
-          <p:cNvSpPr txBox="1"/>
-          <p:nvPr/>
-        </p:nvSpPr>
-        <p:spPr>
-          <a:xfrm>
-            <a:off x="9576000" y="1944000"/>
-            <a:ext cx="1080000" cy="216000"/>
-          </a:xfrm>
-          <a:prstGeom prst="rect">
-            <a:avLst/>
-          </a:prstGeom>
-          <a:noFill/>
-        </p:spPr>
-        <p:txBody>
-          <a:bodyPr wrap="none">
-            <a:spAutoFit/>
-          </a:bodyPr>
-          <a:lstStyle/>
-          <a:p>
-            <a:pPr algn="l"/>
-            <a:r>
-              <a:rPr b="1" sz="1559">
-                <a:latin typeface="Helvetica"/>
-              </a:rPr>
-              <a:t>País</a:t>
-            </a:r>
-          </a:p>
-        </p:txBody>
-      </p:sp>
-      <p:sp>
-        <p:nvSpPr>
-          <p:cNvPr id="14" name="TextBox 13"/>
-          <p:cNvSpPr txBox="1"/>
-          <p:nvPr/>
-        </p:nvSpPr>
-        <p:spPr>
-          <a:xfrm>
-            <a:off x="9576000" y="2214000"/>
-            <a:ext cx="1080000" cy="216000"/>
-          </a:xfrm>
-          <a:prstGeom prst="rect">
-            <a:avLst/>
-          </a:prstGeom>
-          <a:noFill/>
-        </p:spPr>
-        <p:txBody>
-          <a:bodyPr wrap="none">
-            <a:spAutoFit/>
-          </a:bodyPr>
-          <a:lstStyle/>
-          <a:p>
-            <a:pPr algn="l"/>
-            <a:r>
-              <a:rPr sz="1559">
-                <a:latin typeface="Helvetica"/>
-              </a:rPr>
-              <a:t>brasil</a:t>
-            </a:r>
-          </a:p>
-        </p:txBody>
-      </p:sp>
-      <p:sp>
-        <p:nvSpPr>
-          <p:cNvPr id="15" name="TextBox 14"/>
-          <p:cNvSpPr txBox="1"/>
-          <p:nvPr/>
-        </p:nvSpPr>
-        <p:spPr>
-          <a:xfrm>
-            <a:off x="9576000" y="2556000"/>
-            <a:ext cx="1080000" cy="216000"/>
-          </a:xfrm>
-          <a:prstGeom prst="rect">
-            <a:avLst/>
-          </a:prstGeom>
-          <a:noFill/>
-        </p:spPr>
-        <p:txBody>
-          <a:bodyPr wrap="none">
-            <a:spAutoFit/>
-          </a:bodyPr>
-          <a:lstStyle/>
-          <a:p>
-            <a:pPr algn="l"/>
-            <a:r>
-              <a:rPr b="1" sz="1559">
-                <a:latin typeface="Helvetica"/>
-              </a:rPr>
-              <a:t>Formato</a:t>
-            </a:r>
-          </a:p>
-        </p:txBody>
-      </p:sp>
-      <p:sp>
-        <p:nvSpPr>
-          <p:cNvPr id="16" name="TextBox 15"/>
-          <p:cNvSpPr txBox="1"/>
-          <p:nvPr/>
-        </p:nvSpPr>
-        <p:spPr>
-          <a:xfrm>
-            <a:off x="9576000" y="2826000"/>
-            <a:ext cx="1080000" cy="216000"/>
-          </a:xfrm>
-          <a:prstGeom prst="rect">
-            <a:avLst/>
-          </a:prstGeom>
-          <a:noFill/>
-        </p:spPr>
-        <p:txBody>
-          <a:bodyPr wrap="none">
-            <a:spAutoFit/>
-          </a:bodyPr>
-          <a:lstStyle/>
-          <a:p>
-            <a:pPr algn="l"/>
-            <a:r>
-              <a:rPr sz="1559">
-                <a:latin typeface="Helvetica"/>
-              </a:rPr>
-              <a:t>Banca</a:t>
-            </a:r>
-          </a:p>
-        </p:txBody>
-      </p:sp>
-      <p:sp>
-        <p:nvSpPr>
-          <p:cNvPr id="17" name="TextBox 16"/>
           <p:cNvSpPr txBox="1"/>
           <p:nvPr/>
         </p:nvSpPr>
@@ -3740,7 +7546,7 @@
                 </a:solidFill>
                 <a:latin typeface="Helvetica"/>
               </a:rPr>
-              <a:t>Av. Brasília nº 162  ao lado do Bar Zero Hora</a:t>
+              <a:t>Av. Francisco Rodrigues Filho, Entre Parque Centenário e Habib's  (1,2,3)</a:t>
             </a:r>
           </a:p>
         </p:txBody>
@@ -3828,7 +7634,7 @@
               <a:rPr sz="1559">
                 <a:latin typeface="Helvetica"/>
               </a:rPr>
-              <a:t>-19.79714  -43.94187</a:t>
+              <a:t>-23.5107843  -46.1776434</a:t>
             </a:r>
           </a:p>
         </p:txBody>
@@ -3892,7 +7698,7 @@
               <a:rPr sz="1559">
                 <a:latin typeface="Helvetica"/>
               </a:rPr>
-              <a:t>MBM295</a:t>
+              <a:t>MP011</a:t>
             </a:r>
           </a:p>
         </p:txBody>
@@ -3956,7 +7762,7 @@
               <a:rPr sz="1559">
                 <a:latin typeface="Helvetica"/>
               </a:rPr>
-              <a:t>Santa Luzia</a:t>
+              <a:t>Mogi das Cruzes </a:t>
             </a:r>
           </a:p>
         </p:txBody>
@@ -3988,7 +7794,7 @@
               <a:rPr b="1" sz="1559">
                 <a:latin typeface="Helvetica"/>
               </a:rPr>
-              <a:t>Zona</a:t>
+              <a:t>Formato</a:t>
             </a:r>
           </a:p>
         </p:txBody>
@@ -4020,7 +7826,7 @@
               <a:rPr sz="1559">
                 <a:latin typeface="Helvetica"/>
               </a:rPr>
-              <a:t/>
+              <a:t>Outdoor </a:t>
             </a:r>
           </a:p>
         </p:txBody>
@@ -4028,134 +7834,6 @@
       <p:sp>
         <p:nvSpPr>
           <p:cNvPr id="13" name="TextBox 12"/>
-          <p:cNvSpPr txBox="1"/>
-          <p:nvPr/>
-        </p:nvSpPr>
-        <p:spPr>
-          <a:xfrm>
-            <a:off x="9576000" y="1944000"/>
-            <a:ext cx="1080000" cy="216000"/>
-          </a:xfrm>
-          <a:prstGeom prst="rect">
-            <a:avLst/>
-          </a:prstGeom>
-          <a:noFill/>
-        </p:spPr>
-        <p:txBody>
-          <a:bodyPr wrap="none">
-            <a:spAutoFit/>
-          </a:bodyPr>
-          <a:lstStyle/>
-          <a:p>
-            <a:pPr algn="l"/>
-            <a:r>
-              <a:rPr b="1" sz="1559">
-                <a:latin typeface="Helvetica"/>
-              </a:rPr>
-              <a:t>País</a:t>
-            </a:r>
-          </a:p>
-        </p:txBody>
-      </p:sp>
-      <p:sp>
-        <p:nvSpPr>
-          <p:cNvPr id="14" name="TextBox 13"/>
-          <p:cNvSpPr txBox="1"/>
-          <p:nvPr/>
-        </p:nvSpPr>
-        <p:spPr>
-          <a:xfrm>
-            <a:off x="9576000" y="2214000"/>
-            <a:ext cx="1080000" cy="216000"/>
-          </a:xfrm>
-          <a:prstGeom prst="rect">
-            <a:avLst/>
-          </a:prstGeom>
-          <a:noFill/>
-        </p:spPr>
-        <p:txBody>
-          <a:bodyPr wrap="none">
-            <a:spAutoFit/>
-          </a:bodyPr>
-          <a:lstStyle/>
-          <a:p>
-            <a:pPr algn="l"/>
-            <a:r>
-              <a:rPr sz="1559">
-                <a:latin typeface="Helvetica"/>
-              </a:rPr>
-              <a:t>brasil</a:t>
-            </a:r>
-          </a:p>
-        </p:txBody>
-      </p:sp>
-      <p:sp>
-        <p:nvSpPr>
-          <p:cNvPr id="15" name="TextBox 14"/>
-          <p:cNvSpPr txBox="1"/>
-          <p:nvPr/>
-        </p:nvSpPr>
-        <p:spPr>
-          <a:xfrm>
-            <a:off x="9576000" y="2556000"/>
-            <a:ext cx="1080000" cy="216000"/>
-          </a:xfrm>
-          <a:prstGeom prst="rect">
-            <a:avLst/>
-          </a:prstGeom>
-          <a:noFill/>
-        </p:spPr>
-        <p:txBody>
-          <a:bodyPr wrap="none">
-            <a:spAutoFit/>
-          </a:bodyPr>
-          <a:lstStyle/>
-          <a:p>
-            <a:pPr algn="l"/>
-            <a:r>
-              <a:rPr b="1" sz="1559">
-                <a:latin typeface="Helvetica"/>
-              </a:rPr>
-              <a:t>Formato</a:t>
-            </a:r>
-          </a:p>
-        </p:txBody>
-      </p:sp>
-      <p:sp>
-        <p:nvSpPr>
-          <p:cNvPr id="16" name="TextBox 15"/>
-          <p:cNvSpPr txBox="1"/>
-          <p:nvPr/>
-        </p:nvSpPr>
-        <p:spPr>
-          <a:xfrm>
-            <a:off x="9576000" y="2826000"/>
-            <a:ext cx="1080000" cy="216000"/>
-          </a:xfrm>
-          <a:prstGeom prst="rect">
-            <a:avLst/>
-          </a:prstGeom>
-          <a:noFill/>
-        </p:spPr>
-        <p:txBody>
-          <a:bodyPr wrap="none">
-            <a:spAutoFit/>
-          </a:bodyPr>
-          <a:lstStyle/>
-          <a:p>
-            <a:pPr algn="l"/>
-            <a:r>
-              <a:rPr sz="1559">
-                <a:latin typeface="Helvetica"/>
-              </a:rPr>
-              <a:t>Banca</a:t>
-            </a:r>
-          </a:p>
-        </p:txBody>
-      </p:sp>
-      <p:sp>
-        <p:nvSpPr>
-          <p:cNvPr id="17" name="TextBox 16"/>
           <p:cNvSpPr txBox="1"/>
           <p:nvPr/>
         </p:nvSpPr>
@@ -4260,7 +7938,7 @@
                 </a:solidFill>
                 <a:latin typeface="Helvetica"/>
               </a:rPr>
-              <a:t> Av. Brasília nº 1.836 </a:t>
+              <a:t>Av. Francisco Rodrigues Filho,  2075 - Ao lado do Colégio Mello Dante</a:t>
             </a:r>
           </a:p>
         </p:txBody>
@@ -4348,7 +8026,7 @@
               <a:rPr sz="1559">
                 <a:latin typeface="Helvetica"/>
               </a:rPr>
-              <a:t>-19.78898  -43.93014</a:t>
+              <a:t>-23.5356241  -46.2201066</a:t>
             </a:r>
           </a:p>
         </p:txBody>
@@ -4412,7 +8090,7 @@
               <a:rPr sz="1559">
                 <a:latin typeface="Helvetica"/>
               </a:rPr>
-              <a:t>MBM296</a:t>
+              <a:t>MP012</a:t>
             </a:r>
           </a:p>
         </p:txBody>
@@ -4476,7 +8154,7 @@
               <a:rPr sz="1559">
                 <a:latin typeface="Helvetica"/>
               </a:rPr>
-              <a:t>Santa Luzia</a:t>
+              <a:t>Mogi das Cruzes </a:t>
             </a:r>
           </a:p>
         </p:txBody>
@@ -4508,7 +8186,7 @@
               <a:rPr b="1" sz="1559">
                 <a:latin typeface="Helvetica"/>
               </a:rPr>
-              <a:t>Zona</a:t>
+              <a:t>Formato</a:t>
             </a:r>
           </a:p>
         </p:txBody>
@@ -4540,7 +8218,7 @@
               <a:rPr sz="1559">
                 <a:latin typeface="Helvetica"/>
               </a:rPr>
-              <a:t/>
+              <a:t>Outdoor </a:t>
             </a:r>
           </a:p>
         </p:txBody>
@@ -4548,134 +8226,6 @@
       <p:sp>
         <p:nvSpPr>
           <p:cNvPr id="13" name="TextBox 12"/>
-          <p:cNvSpPr txBox="1"/>
-          <p:nvPr/>
-        </p:nvSpPr>
-        <p:spPr>
-          <a:xfrm>
-            <a:off x="9576000" y="1944000"/>
-            <a:ext cx="1080000" cy="216000"/>
-          </a:xfrm>
-          <a:prstGeom prst="rect">
-            <a:avLst/>
-          </a:prstGeom>
-          <a:noFill/>
-        </p:spPr>
-        <p:txBody>
-          <a:bodyPr wrap="none">
-            <a:spAutoFit/>
-          </a:bodyPr>
-          <a:lstStyle/>
-          <a:p>
-            <a:pPr algn="l"/>
-            <a:r>
-              <a:rPr b="1" sz="1559">
-                <a:latin typeface="Helvetica"/>
-              </a:rPr>
-              <a:t>País</a:t>
-            </a:r>
-          </a:p>
-        </p:txBody>
-      </p:sp>
-      <p:sp>
-        <p:nvSpPr>
-          <p:cNvPr id="14" name="TextBox 13"/>
-          <p:cNvSpPr txBox="1"/>
-          <p:nvPr/>
-        </p:nvSpPr>
-        <p:spPr>
-          <a:xfrm>
-            <a:off x="9576000" y="2214000"/>
-            <a:ext cx="1080000" cy="216000"/>
-          </a:xfrm>
-          <a:prstGeom prst="rect">
-            <a:avLst/>
-          </a:prstGeom>
-          <a:noFill/>
-        </p:spPr>
-        <p:txBody>
-          <a:bodyPr wrap="none">
-            <a:spAutoFit/>
-          </a:bodyPr>
-          <a:lstStyle/>
-          <a:p>
-            <a:pPr algn="l"/>
-            <a:r>
-              <a:rPr sz="1559">
-                <a:latin typeface="Helvetica"/>
-              </a:rPr>
-              <a:t>brasil</a:t>
-            </a:r>
-          </a:p>
-        </p:txBody>
-      </p:sp>
-      <p:sp>
-        <p:nvSpPr>
-          <p:cNvPr id="15" name="TextBox 14"/>
-          <p:cNvSpPr txBox="1"/>
-          <p:nvPr/>
-        </p:nvSpPr>
-        <p:spPr>
-          <a:xfrm>
-            <a:off x="9576000" y="2556000"/>
-            <a:ext cx="1080000" cy="216000"/>
-          </a:xfrm>
-          <a:prstGeom prst="rect">
-            <a:avLst/>
-          </a:prstGeom>
-          <a:noFill/>
-        </p:spPr>
-        <p:txBody>
-          <a:bodyPr wrap="none">
-            <a:spAutoFit/>
-          </a:bodyPr>
-          <a:lstStyle/>
-          <a:p>
-            <a:pPr algn="l"/>
-            <a:r>
-              <a:rPr b="1" sz="1559">
-                <a:latin typeface="Helvetica"/>
-              </a:rPr>
-              <a:t>Formato</a:t>
-            </a:r>
-          </a:p>
-        </p:txBody>
-      </p:sp>
-      <p:sp>
-        <p:nvSpPr>
-          <p:cNvPr id="16" name="TextBox 15"/>
-          <p:cNvSpPr txBox="1"/>
-          <p:nvPr/>
-        </p:nvSpPr>
-        <p:spPr>
-          <a:xfrm>
-            <a:off x="9576000" y="2826000"/>
-            <a:ext cx="1080000" cy="216000"/>
-          </a:xfrm>
-          <a:prstGeom prst="rect">
-            <a:avLst/>
-          </a:prstGeom>
-          <a:noFill/>
-        </p:spPr>
-        <p:txBody>
-          <a:bodyPr wrap="none">
-            <a:spAutoFit/>
-          </a:bodyPr>
-          <a:lstStyle/>
-          <a:p>
-            <a:pPr algn="l"/>
-            <a:r>
-              <a:rPr sz="1559">
-                <a:latin typeface="Helvetica"/>
-              </a:rPr>
-              <a:t>Banca</a:t>
-            </a:r>
-          </a:p>
-        </p:txBody>
-      </p:sp>
-      <p:sp>
-        <p:nvSpPr>
-          <p:cNvPr id="17" name="TextBox 16"/>
           <p:cNvSpPr txBox="1"/>
           <p:nvPr/>
         </p:nvSpPr>
@@ -4780,7 +8330,7 @@
                 </a:solidFill>
                 <a:latin typeface="Helvetica"/>
               </a:rPr>
-              <a:t>Av. Brasília nº 1.695 em frente Drogaria Pacheco</a:t>
+              <a:t>Rod. Professor Alfredo Rolim De Moura, Sentido Mogi - Próx Park Off Road </a:t>
             </a:r>
           </a:p>
         </p:txBody>
@@ -4868,7 +8418,7 @@
               <a:rPr sz="1559">
                 <a:latin typeface="Helvetica"/>
               </a:rPr>
-              <a:t>-19.78959  -46.93077</a:t>
+              <a:t>-23.5681637  -46.0596207</a:t>
             </a:r>
           </a:p>
         </p:txBody>
@@ -4932,7 +8482,7 @@
               <a:rPr sz="1559">
                 <a:latin typeface="Helvetica"/>
               </a:rPr>
-              <a:t>MBM297</a:t>
+              <a:t>MP013</a:t>
             </a:r>
           </a:p>
         </p:txBody>
@@ -4996,7 +8546,7 @@
               <a:rPr sz="1559">
                 <a:latin typeface="Helvetica"/>
               </a:rPr>
-              <a:t>Santa Luzia</a:t>
+              <a:t>Mogi das Cruzes </a:t>
             </a:r>
           </a:p>
         </p:txBody>
@@ -5028,7 +8578,7 @@
               <a:rPr b="1" sz="1559">
                 <a:latin typeface="Helvetica"/>
               </a:rPr>
-              <a:t>Zona</a:t>
+              <a:t>Formato</a:t>
             </a:r>
           </a:p>
         </p:txBody>
@@ -5060,7 +8610,7 @@
               <a:rPr sz="1559">
                 <a:latin typeface="Helvetica"/>
               </a:rPr>
-              <a:t/>
+              <a:t>Outdoor </a:t>
             </a:r>
           </a:p>
         </p:txBody>
@@ -5068,134 +8618,6 @@
       <p:sp>
         <p:nvSpPr>
           <p:cNvPr id="13" name="TextBox 12"/>
-          <p:cNvSpPr txBox="1"/>
-          <p:nvPr/>
-        </p:nvSpPr>
-        <p:spPr>
-          <a:xfrm>
-            <a:off x="9576000" y="1944000"/>
-            <a:ext cx="1080000" cy="216000"/>
-          </a:xfrm>
-          <a:prstGeom prst="rect">
-            <a:avLst/>
-          </a:prstGeom>
-          <a:noFill/>
-        </p:spPr>
-        <p:txBody>
-          <a:bodyPr wrap="none">
-            <a:spAutoFit/>
-          </a:bodyPr>
-          <a:lstStyle/>
-          <a:p>
-            <a:pPr algn="l"/>
-            <a:r>
-              <a:rPr b="1" sz="1559">
-                <a:latin typeface="Helvetica"/>
-              </a:rPr>
-              <a:t>País</a:t>
-            </a:r>
-          </a:p>
-        </p:txBody>
-      </p:sp>
-      <p:sp>
-        <p:nvSpPr>
-          <p:cNvPr id="14" name="TextBox 13"/>
-          <p:cNvSpPr txBox="1"/>
-          <p:nvPr/>
-        </p:nvSpPr>
-        <p:spPr>
-          <a:xfrm>
-            <a:off x="9576000" y="2214000"/>
-            <a:ext cx="1080000" cy="216000"/>
-          </a:xfrm>
-          <a:prstGeom prst="rect">
-            <a:avLst/>
-          </a:prstGeom>
-          <a:noFill/>
-        </p:spPr>
-        <p:txBody>
-          <a:bodyPr wrap="none">
-            <a:spAutoFit/>
-          </a:bodyPr>
-          <a:lstStyle/>
-          <a:p>
-            <a:pPr algn="l"/>
-            <a:r>
-              <a:rPr sz="1559">
-                <a:latin typeface="Helvetica"/>
-              </a:rPr>
-              <a:t>brasil</a:t>
-            </a:r>
-          </a:p>
-        </p:txBody>
-      </p:sp>
-      <p:sp>
-        <p:nvSpPr>
-          <p:cNvPr id="15" name="TextBox 14"/>
-          <p:cNvSpPr txBox="1"/>
-          <p:nvPr/>
-        </p:nvSpPr>
-        <p:spPr>
-          <a:xfrm>
-            <a:off x="9576000" y="2556000"/>
-            <a:ext cx="1080000" cy="216000"/>
-          </a:xfrm>
-          <a:prstGeom prst="rect">
-            <a:avLst/>
-          </a:prstGeom>
-          <a:noFill/>
-        </p:spPr>
-        <p:txBody>
-          <a:bodyPr wrap="none">
-            <a:spAutoFit/>
-          </a:bodyPr>
-          <a:lstStyle/>
-          <a:p>
-            <a:pPr algn="l"/>
-            <a:r>
-              <a:rPr b="1" sz="1559">
-                <a:latin typeface="Helvetica"/>
-              </a:rPr>
-              <a:t>Formato</a:t>
-            </a:r>
-          </a:p>
-        </p:txBody>
-      </p:sp>
-      <p:sp>
-        <p:nvSpPr>
-          <p:cNvPr id="16" name="TextBox 15"/>
-          <p:cNvSpPr txBox="1"/>
-          <p:nvPr/>
-        </p:nvSpPr>
-        <p:spPr>
-          <a:xfrm>
-            <a:off x="9576000" y="2826000"/>
-            <a:ext cx="1080000" cy="216000"/>
-          </a:xfrm>
-          <a:prstGeom prst="rect">
-            <a:avLst/>
-          </a:prstGeom>
-          <a:noFill/>
-        </p:spPr>
-        <p:txBody>
-          <a:bodyPr wrap="none">
-            <a:spAutoFit/>
-          </a:bodyPr>
-          <a:lstStyle/>
-          <a:p>
-            <a:pPr algn="l"/>
-            <a:r>
-              <a:rPr sz="1559">
-                <a:latin typeface="Helvetica"/>
-              </a:rPr>
-              <a:t>Banca</a:t>
-            </a:r>
-          </a:p>
-        </p:txBody>
-      </p:sp>
-      <p:sp>
-        <p:nvSpPr>
-          <p:cNvPr id="17" name="TextBox 16"/>
           <p:cNvSpPr txBox="1"/>
           <p:nvPr/>
         </p:nvSpPr>
@@ -5224,6 +8646,1574 @@
                 <a:latin typeface="Helvetica"/>
               </a:rPr>
               <a:t>5</a:t>
+            </a:r>
+          </a:p>
+        </p:txBody>
+      </p:sp>
+    </p:spTree>
+  </p:cSld>
+  <p:clrMapOvr>
+    <a:masterClrMapping/>
+  </p:clrMapOvr>
+</p:sld>
+</file>
+
+<file path=ppt/slides/slide6.xml><?xml version="1.0" encoding="utf-8"?>
+<p:sld xmlns:a="http://schemas.openxmlformats.org/drawingml/2006/main" xmlns:p="http://schemas.openxmlformats.org/presentationml/2006/main" xmlns:r="http://schemas.openxmlformats.org/officeDocument/2006/relationships">
+  <p:cSld>
+    <p:spTree>
+      <p:nvGrpSpPr>
+        <p:cNvPr id="1" name=""/>
+        <p:cNvGrpSpPr/>
+        <p:nvPr/>
+      </p:nvGrpSpPr>
+      <p:grpSpPr/>
+      <p:pic>
+        <p:nvPicPr>
+          <p:cNvPr id="2" name="Picture 1" descr="template_pdf.jpg"/>
+          <p:cNvPicPr>
+            <a:picLocks noChangeAspect="1"/>
+          </p:cNvPicPr>
+          <p:nvPr/>
+        </p:nvPicPr>
+        <p:blipFill>
+          <a:blip r:embed="rId2"/>
+          <a:stretch>
+            <a:fillRect/>
+          </a:stretch>
+        </p:blipFill>
+        <p:spPr>
+          <a:xfrm>
+            <a:off x="0" y="0"/>
+            <a:ext cx="14400000" cy="7920000"/>
+          </a:xfrm>
+          <a:prstGeom prst="rect">
+            <a:avLst/>
+          </a:prstGeom>
+        </p:spPr>
+      </p:pic>
+      <p:sp>
+        <p:nvSpPr>
+          <p:cNvPr id="3" name="TextBox 2"/>
+          <p:cNvSpPr txBox="1"/>
+          <p:nvPr/>
+        </p:nvSpPr>
+        <p:spPr>
+          <a:xfrm>
+            <a:off x="0" y="180000"/>
+            <a:ext cx="15120000" cy="180000"/>
+          </a:xfrm>
+          <a:prstGeom prst="rect">
+            <a:avLst/>
+          </a:prstGeom>
+          <a:noFill/>
+        </p:spPr>
+        <p:txBody>
+          <a:bodyPr wrap="none">
+            <a:spAutoFit/>
+          </a:bodyPr>
+          <a:lstStyle/>
+          <a:p>
+            <a:pPr algn="ctr"/>
+            <a:r>
+              <a:rPr b="1" sz="1984">
+                <a:solidFill>
+                  <a:srgbClr val="FFFFFF"/>
+                </a:solidFill>
+                <a:latin typeface="Helvetica"/>
+              </a:rPr>
+              <a:t>Rodovia Mogi-bertioga - Próximo A Petron E Polícia Rodoviária - Sentido  Litoral</a:t>
+            </a:r>
+          </a:p>
+        </p:txBody>
+      </p:sp>
+      <p:pic>
+        <p:nvPicPr>
+          <p:cNvPr id="4" name="Picture 3" descr="temp_image4.jpg"/>
+          <p:cNvPicPr>
+            <a:picLocks noChangeAspect="1"/>
+          </p:cNvPicPr>
+          <p:nvPr/>
+        </p:nvPicPr>
+        <p:blipFill>
+          <a:blip r:embed="rId3"/>
+          <a:stretch>
+            <a:fillRect/>
+          </a:stretch>
+        </p:blipFill>
+        <p:spPr>
+          <a:xfrm>
+            <a:off x="108000" y="785160"/>
+            <a:ext cx="9432000" cy="6480000"/>
+          </a:xfrm>
+          <a:prstGeom prst="rect">
+            <a:avLst/>
+          </a:prstGeom>
+        </p:spPr>
+      </p:pic>
+      <p:sp>
+        <p:nvSpPr>
+          <p:cNvPr id="5" name="TextBox 4"/>
+          <p:cNvSpPr txBox="1"/>
+          <p:nvPr/>
+        </p:nvSpPr>
+        <p:spPr>
+          <a:xfrm>
+            <a:off x="108000" y="7380000"/>
+            <a:ext cx="1080000" cy="180000"/>
+          </a:xfrm>
+          <a:prstGeom prst="rect">
+            <a:avLst/>
+          </a:prstGeom>
+          <a:noFill/>
+        </p:spPr>
+        <p:txBody>
+          <a:bodyPr wrap="none">
+            <a:spAutoFit/>
+          </a:bodyPr>
+          <a:lstStyle/>
+          <a:p>
+            <a:pPr algn="l"/>
+            <a:r>
+              <a:rPr b="1" sz="1559">
+                <a:latin typeface="Helvetica"/>
+              </a:rPr>
+              <a:t>Coordenadas:</a:t>
+            </a:r>
+          </a:p>
+        </p:txBody>
+      </p:sp>
+      <p:sp>
+        <p:nvSpPr>
+          <p:cNvPr id="6" name="TextBox 5"/>
+          <p:cNvSpPr txBox="1"/>
+          <p:nvPr/>
+        </p:nvSpPr>
+        <p:spPr>
+          <a:xfrm>
+            <a:off x="1458000" y="7380000"/>
+            <a:ext cx="1800000" cy="216000"/>
+          </a:xfrm>
+          <a:prstGeom prst="rect">
+            <a:avLst/>
+          </a:prstGeom>
+          <a:noFill/>
+        </p:spPr>
+        <p:txBody>
+          <a:bodyPr wrap="none">
+            <a:spAutoFit/>
+          </a:bodyPr>
+          <a:lstStyle/>
+          <a:p>
+            <a:pPr algn="l"/>
+            <a:r>
+              <a:rPr sz="1559">
+                <a:latin typeface="Helvetica"/>
+              </a:rPr>
+              <a:t>-23.5863392  -46.1757502</a:t>
+            </a:r>
+          </a:p>
+        </p:txBody>
+      </p:sp>
+      <p:sp>
+        <p:nvSpPr>
+          <p:cNvPr id="7" name="TextBox 6"/>
+          <p:cNvSpPr txBox="1"/>
+          <p:nvPr/>
+        </p:nvSpPr>
+        <p:spPr>
+          <a:xfrm>
+            <a:off x="6480000" y="7380000"/>
+            <a:ext cx="1080000" cy="180000"/>
+          </a:xfrm>
+          <a:prstGeom prst="rect">
+            <a:avLst/>
+          </a:prstGeom>
+          <a:noFill/>
+        </p:spPr>
+        <p:txBody>
+          <a:bodyPr wrap="none">
+            <a:spAutoFit/>
+          </a:bodyPr>
+          <a:lstStyle/>
+          <a:p>
+            <a:pPr algn="l"/>
+            <a:r>
+              <a:rPr b="1" sz="1559">
+                <a:latin typeface="Helvetica"/>
+              </a:rPr>
+              <a:t>Codigo:</a:t>
+            </a:r>
+          </a:p>
+        </p:txBody>
+      </p:sp>
+      <p:sp>
+        <p:nvSpPr>
+          <p:cNvPr id="8" name="TextBox 7"/>
+          <p:cNvSpPr txBox="1"/>
+          <p:nvPr/>
+        </p:nvSpPr>
+        <p:spPr>
+          <a:xfrm>
+            <a:off x="7272000" y="7380000"/>
+            <a:ext cx="1800000" cy="216000"/>
+          </a:xfrm>
+          <a:prstGeom prst="rect">
+            <a:avLst/>
+          </a:prstGeom>
+          <a:noFill/>
+        </p:spPr>
+        <p:txBody>
+          <a:bodyPr wrap="none">
+            <a:spAutoFit/>
+          </a:bodyPr>
+          <a:lstStyle/>
+          <a:p>
+            <a:pPr algn="l"/>
+            <a:r>
+              <a:rPr sz="1559">
+                <a:latin typeface="Helvetica"/>
+              </a:rPr>
+              <a:t>MP014</a:t>
+            </a:r>
+          </a:p>
+        </p:txBody>
+      </p:sp>
+      <p:sp>
+        <p:nvSpPr>
+          <p:cNvPr id="9" name="TextBox 8"/>
+          <p:cNvSpPr txBox="1"/>
+          <p:nvPr/>
+        </p:nvSpPr>
+        <p:spPr>
+          <a:xfrm>
+            <a:off x="9576000" y="720000"/>
+            <a:ext cx="1080000" cy="216000"/>
+          </a:xfrm>
+          <a:prstGeom prst="rect">
+            <a:avLst/>
+          </a:prstGeom>
+          <a:noFill/>
+        </p:spPr>
+        <p:txBody>
+          <a:bodyPr wrap="none">
+            <a:spAutoFit/>
+          </a:bodyPr>
+          <a:lstStyle/>
+          <a:p>
+            <a:pPr algn="l"/>
+            <a:r>
+              <a:rPr b="1" sz="1559">
+                <a:latin typeface="Helvetica"/>
+              </a:rPr>
+              <a:t>Cidade</a:t>
+            </a:r>
+          </a:p>
+        </p:txBody>
+      </p:sp>
+      <p:sp>
+        <p:nvSpPr>
+          <p:cNvPr id="10" name="TextBox 9"/>
+          <p:cNvSpPr txBox="1"/>
+          <p:nvPr/>
+        </p:nvSpPr>
+        <p:spPr>
+          <a:xfrm>
+            <a:off x="9576000" y="990000"/>
+            <a:ext cx="1080000" cy="216000"/>
+          </a:xfrm>
+          <a:prstGeom prst="rect">
+            <a:avLst/>
+          </a:prstGeom>
+          <a:noFill/>
+        </p:spPr>
+        <p:txBody>
+          <a:bodyPr wrap="none">
+            <a:spAutoFit/>
+          </a:bodyPr>
+          <a:lstStyle/>
+          <a:p>
+            <a:pPr algn="l"/>
+            <a:r>
+              <a:rPr sz="1559">
+                <a:latin typeface="Helvetica"/>
+              </a:rPr>
+              <a:t>Mogi das Cruzes </a:t>
+            </a:r>
+          </a:p>
+        </p:txBody>
+      </p:sp>
+      <p:sp>
+        <p:nvSpPr>
+          <p:cNvPr id="11" name="TextBox 10"/>
+          <p:cNvSpPr txBox="1"/>
+          <p:nvPr/>
+        </p:nvSpPr>
+        <p:spPr>
+          <a:xfrm>
+            <a:off x="9576000" y="1332000"/>
+            <a:ext cx="1080000" cy="216000"/>
+          </a:xfrm>
+          <a:prstGeom prst="rect">
+            <a:avLst/>
+          </a:prstGeom>
+          <a:noFill/>
+        </p:spPr>
+        <p:txBody>
+          <a:bodyPr wrap="none">
+            <a:spAutoFit/>
+          </a:bodyPr>
+          <a:lstStyle/>
+          <a:p>
+            <a:pPr algn="l"/>
+            <a:r>
+              <a:rPr b="1" sz="1559">
+                <a:latin typeface="Helvetica"/>
+              </a:rPr>
+              <a:t>Formato</a:t>
+            </a:r>
+          </a:p>
+        </p:txBody>
+      </p:sp>
+      <p:sp>
+        <p:nvSpPr>
+          <p:cNvPr id="12" name="TextBox 11"/>
+          <p:cNvSpPr txBox="1"/>
+          <p:nvPr/>
+        </p:nvSpPr>
+        <p:spPr>
+          <a:xfrm>
+            <a:off x="9576000" y="1602000"/>
+            <a:ext cx="1080000" cy="216000"/>
+          </a:xfrm>
+          <a:prstGeom prst="rect">
+            <a:avLst/>
+          </a:prstGeom>
+          <a:noFill/>
+        </p:spPr>
+        <p:txBody>
+          <a:bodyPr wrap="none">
+            <a:spAutoFit/>
+          </a:bodyPr>
+          <a:lstStyle/>
+          <a:p>
+            <a:pPr algn="l"/>
+            <a:r>
+              <a:rPr sz="1559">
+                <a:latin typeface="Helvetica"/>
+              </a:rPr>
+              <a:t>Outdoor </a:t>
+            </a:r>
+          </a:p>
+        </p:txBody>
+      </p:sp>
+      <p:sp>
+        <p:nvSpPr>
+          <p:cNvPr id="13" name="TextBox 12"/>
+          <p:cNvSpPr txBox="1"/>
+          <p:nvPr/>
+        </p:nvSpPr>
+        <p:spPr>
+          <a:xfrm>
+            <a:off x="13680000" y="7326000"/>
+            <a:ext cx="360000" cy="360000"/>
+          </a:xfrm>
+          <a:prstGeom prst="rect">
+            <a:avLst/>
+          </a:prstGeom>
+          <a:noFill/>
+        </p:spPr>
+        <p:txBody>
+          <a:bodyPr wrap="none">
+            <a:spAutoFit/>
+          </a:bodyPr>
+          <a:lstStyle/>
+          <a:p>
+            <a:pPr algn="ctr"/>
+            <a:r>
+              <a:rPr b="1" sz="2267">
+                <a:solidFill>
+                  <a:srgbClr val="FFFFFF"/>
+                </a:solidFill>
+                <a:latin typeface="Helvetica"/>
+              </a:rPr>
+              <a:t>6</a:t>
+            </a:r>
+          </a:p>
+        </p:txBody>
+      </p:sp>
+    </p:spTree>
+  </p:cSld>
+  <p:clrMapOvr>
+    <a:masterClrMapping/>
+  </p:clrMapOvr>
+</p:sld>
+</file>
+
+<file path=ppt/slides/slide7.xml><?xml version="1.0" encoding="utf-8"?>
+<p:sld xmlns:a="http://schemas.openxmlformats.org/drawingml/2006/main" xmlns:p="http://schemas.openxmlformats.org/presentationml/2006/main" xmlns:r="http://schemas.openxmlformats.org/officeDocument/2006/relationships">
+  <p:cSld>
+    <p:spTree>
+      <p:nvGrpSpPr>
+        <p:cNvPr id="1" name=""/>
+        <p:cNvGrpSpPr/>
+        <p:nvPr/>
+      </p:nvGrpSpPr>
+      <p:grpSpPr/>
+      <p:pic>
+        <p:nvPicPr>
+          <p:cNvPr id="2" name="Picture 1" descr="template_pdf.jpg"/>
+          <p:cNvPicPr>
+            <a:picLocks noChangeAspect="1"/>
+          </p:cNvPicPr>
+          <p:nvPr/>
+        </p:nvPicPr>
+        <p:blipFill>
+          <a:blip r:embed="rId2"/>
+          <a:stretch>
+            <a:fillRect/>
+          </a:stretch>
+        </p:blipFill>
+        <p:spPr>
+          <a:xfrm>
+            <a:off x="0" y="0"/>
+            <a:ext cx="14400000" cy="7920000"/>
+          </a:xfrm>
+          <a:prstGeom prst="rect">
+            <a:avLst/>
+          </a:prstGeom>
+        </p:spPr>
+      </p:pic>
+      <p:sp>
+        <p:nvSpPr>
+          <p:cNvPr id="3" name="TextBox 2"/>
+          <p:cNvSpPr txBox="1"/>
+          <p:nvPr/>
+        </p:nvSpPr>
+        <p:spPr>
+          <a:xfrm>
+            <a:off x="0" y="180000"/>
+            <a:ext cx="15120000" cy="180000"/>
+          </a:xfrm>
+          <a:prstGeom prst="rect">
+            <a:avLst/>
+          </a:prstGeom>
+          <a:noFill/>
+        </p:spPr>
+        <p:txBody>
+          <a:bodyPr wrap="none">
+            <a:spAutoFit/>
+          </a:bodyPr>
+          <a:lstStyle/>
+          <a:p>
+            <a:pPr algn="ctr"/>
+            <a:r>
+              <a:rPr b="1" sz="1984">
+                <a:solidFill>
+                  <a:srgbClr val="FFFFFF"/>
+                </a:solidFill>
+                <a:latin typeface="Helvetica"/>
+              </a:rPr>
+              <a:t>Rodovia Mogi-bertioga - Próximo A Petron E Polícia Rodoviária - Sentido Mogi </a:t>
+            </a:r>
+          </a:p>
+        </p:txBody>
+      </p:sp>
+      <p:pic>
+        <p:nvPicPr>
+          <p:cNvPr id="4" name="Picture 3" descr="temp_image5.jpg"/>
+          <p:cNvPicPr>
+            <a:picLocks noChangeAspect="1"/>
+          </p:cNvPicPr>
+          <p:nvPr/>
+        </p:nvPicPr>
+        <p:blipFill>
+          <a:blip r:embed="rId3"/>
+          <a:stretch>
+            <a:fillRect/>
+          </a:stretch>
+        </p:blipFill>
+        <p:spPr>
+          <a:xfrm>
+            <a:off x="108000" y="785160"/>
+            <a:ext cx="9432000" cy="6480000"/>
+          </a:xfrm>
+          <a:prstGeom prst="rect">
+            <a:avLst/>
+          </a:prstGeom>
+        </p:spPr>
+      </p:pic>
+      <p:sp>
+        <p:nvSpPr>
+          <p:cNvPr id="5" name="TextBox 4"/>
+          <p:cNvSpPr txBox="1"/>
+          <p:nvPr/>
+        </p:nvSpPr>
+        <p:spPr>
+          <a:xfrm>
+            <a:off x="108000" y="7380000"/>
+            <a:ext cx="1080000" cy="180000"/>
+          </a:xfrm>
+          <a:prstGeom prst="rect">
+            <a:avLst/>
+          </a:prstGeom>
+          <a:noFill/>
+        </p:spPr>
+        <p:txBody>
+          <a:bodyPr wrap="none">
+            <a:spAutoFit/>
+          </a:bodyPr>
+          <a:lstStyle/>
+          <a:p>
+            <a:pPr algn="l"/>
+            <a:r>
+              <a:rPr b="1" sz="1559">
+                <a:latin typeface="Helvetica"/>
+              </a:rPr>
+              <a:t>Coordenadas:</a:t>
+            </a:r>
+          </a:p>
+        </p:txBody>
+      </p:sp>
+      <p:sp>
+        <p:nvSpPr>
+          <p:cNvPr id="6" name="TextBox 5"/>
+          <p:cNvSpPr txBox="1"/>
+          <p:nvPr/>
+        </p:nvSpPr>
+        <p:spPr>
+          <a:xfrm>
+            <a:off x="1458000" y="7380000"/>
+            <a:ext cx="1800000" cy="216000"/>
+          </a:xfrm>
+          <a:prstGeom prst="rect">
+            <a:avLst/>
+          </a:prstGeom>
+          <a:noFill/>
+        </p:spPr>
+        <p:txBody>
+          <a:bodyPr wrap="none">
+            <a:spAutoFit/>
+          </a:bodyPr>
+          <a:lstStyle/>
+          <a:p>
+            <a:pPr algn="l"/>
+            <a:r>
+              <a:rPr sz="1559">
+                <a:latin typeface="Helvetica"/>
+              </a:rPr>
+              <a:t>-23.5863392  -46.1757502</a:t>
+            </a:r>
+          </a:p>
+        </p:txBody>
+      </p:sp>
+      <p:sp>
+        <p:nvSpPr>
+          <p:cNvPr id="7" name="TextBox 6"/>
+          <p:cNvSpPr txBox="1"/>
+          <p:nvPr/>
+        </p:nvSpPr>
+        <p:spPr>
+          <a:xfrm>
+            <a:off x="6480000" y="7380000"/>
+            <a:ext cx="1080000" cy="180000"/>
+          </a:xfrm>
+          <a:prstGeom prst="rect">
+            <a:avLst/>
+          </a:prstGeom>
+          <a:noFill/>
+        </p:spPr>
+        <p:txBody>
+          <a:bodyPr wrap="none">
+            <a:spAutoFit/>
+          </a:bodyPr>
+          <a:lstStyle/>
+          <a:p>
+            <a:pPr algn="l"/>
+            <a:r>
+              <a:rPr b="1" sz="1559">
+                <a:latin typeface="Helvetica"/>
+              </a:rPr>
+              <a:t>Codigo:</a:t>
+            </a:r>
+          </a:p>
+        </p:txBody>
+      </p:sp>
+      <p:sp>
+        <p:nvSpPr>
+          <p:cNvPr id="8" name="TextBox 7"/>
+          <p:cNvSpPr txBox="1"/>
+          <p:nvPr/>
+        </p:nvSpPr>
+        <p:spPr>
+          <a:xfrm>
+            <a:off x="7272000" y="7380000"/>
+            <a:ext cx="1800000" cy="216000"/>
+          </a:xfrm>
+          <a:prstGeom prst="rect">
+            <a:avLst/>
+          </a:prstGeom>
+          <a:noFill/>
+        </p:spPr>
+        <p:txBody>
+          <a:bodyPr wrap="none">
+            <a:spAutoFit/>
+          </a:bodyPr>
+          <a:lstStyle/>
+          <a:p>
+            <a:pPr algn="l"/>
+            <a:r>
+              <a:rPr sz="1559">
+                <a:latin typeface="Helvetica"/>
+              </a:rPr>
+              <a:t>MP015</a:t>
+            </a:r>
+          </a:p>
+        </p:txBody>
+      </p:sp>
+      <p:sp>
+        <p:nvSpPr>
+          <p:cNvPr id="9" name="TextBox 8"/>
+          <p:cNvSpPr txBox="1"/>
+          <p:nvPr/>
+        </p:nvSpPr>
+        <p:spPr>
+          <a:xfrm>
+            <a:off x="9576000" y="720000"/>
+            <a:ext cx="1080000" cy="216000"/>
+          </a:xfrm>
+          <a:prstGeom prst="rect">
+            <a:avLst/>
+          </a:prstGeom>
+          <a:noFill/>
+        </p:spPr>
+        <p:txBody>
+          <a:bodyPr wrap="none">
+            <a:spAutoFit/>
+          </a:bodyPr>
+          <a:lstStyle/>
+          <a:p>
+            <a:pPr algn="l"/>
+            <a:r>
+              <a:rPr b="1" sz="1559">
+                <a:latin typeface="Helvetica"/>
+              </a:rPr>
+              <a:t>Cidade</a:t>
+            </a:r>
+          </a:p>
+        </p:txBody>
+      </p:sp>
+      <p:sp>
+        <p:nvSpPr>
+          <p:cNvPr id="10" name="TextBox 9"/>
+          <p:cNvSpPr txBox="1"/>
+          <p:nvPr/>
+        </p:nvSpPr>
+        <p:spPr>
+          <a:xfrm>
+            <a:off x="9576000" y="990000"/>
+            <a:ext cx="1080000" cy="216000"/>
+          </a:xfrm>
+          <a:prstGeom prst="rect">
+            <a:avLst/>
+          </a:prstGeom>
+          <a:noFill/>
+        </p:spPr>
+        <p:txBody>
+          <a:bodyPr wrap="none">
+            <a:spAutoFit/>
+          </a:bodyPr>
+          <a:lstStyle/>
+          <a:p>
+            <a:pPr algn="l"/>
+            <a:r>
+              <a:rPr sz="1559">
+                <a:latin typeface="Helvetica"/>
+              </a:rPr>
+              <a:t>Mogi das Cruzes </a:t>
+            </a:r>
+          </a:p>
+        </p:txBody>
+      </p:sp>
+      <p:sp>
+        <p:nvSpPr>
+          <p:cNvPr id="11" name="TextBox 10"/>
+          <p:cNvSpPr txBox="1"/>
+          <p:nvPr/>
+        </p:nvSpPr>
+        <p:spPr>
+          <a:xfrm>
+            <a:off x="9576000" y="1332000"/>
+            <a:ext cx="1080000" cy="216000"/>
+          </a:xfrm>
+          <a:prstGeom prst="rect">
+            <a:avLst/>
+          </a:prstGeom>
+          <a:noFill/>
+        </p:spPr>
+        <p:txBody>
+          <a:bodyPr wrap="none">
+            <a:spAutoFit/>
+          </a:bodyPr>
+          <a:lstStyle/>
+          <a:p>
+            <a:pPr algn="l"/>
+            <a:r>
+              <a:rPr b="1" sz="1559">
+                <a:latin typeface="Helvetica"/>
+              </a:rPr>
+              <a:t>Formato</a:t>
+            </a:r>
+          </a:p>
+        </p:txBody>
+      </p:sp>
+      <p:sp>
+        <p:nvSpPr>
+          <p:cNvPr id="12" name="TextBox 11"/>
+          <p:cNvSpPr txBox="1"/>
+          <p:nvPr/>
+        </p:nvSpPr>
+        <p:spPr>
+          <a:xfrm>
+            <a:off x="9576000" y="1602000"/>
+            <a:ext cx="1080000" cy="216000"/>
+          </a:xfrm>
+          <a:prstGeom prst="rect">
+            <a:avLst/>
+          </a:prstGeom>
+          <a:noFill/>
+        </p:spPr>
+        <p:txBody>
+          <a:bodyPr wrap="none">
+            <a:spAutoFit/>
+          </a:bodyPr>
+          <a:lstStyle/>
+          <a:p>
+            <a:pPr algn="l"/>
+            <a:r>
+              <a:rPr sz="1559">
+                <a:latin typeface="Helvetica"/>
+              </a:rPr>
+              <a:t>Outdoor </a:t>
+            </a:r>
+          </a:p>
+        </p:txBody>
+      </p:sp>
+      <p:sp>
+        <p:nvSpPr>
+          <p:cNvPr id="13" name="TextBox 12"/>
+          <p:cNvSpPr txBox="1"/>
+          <p:nvPr/>
+        </p:nvSpPr>
+        <p:spPr>
+          <a:xfrm>
+            <a:off x="13680000" y="7326000"/>
+            <a:ext cx="360000" cy="360000"/>
+          </a:xfrm>
+          <a:prstGeom prst="rect">
+            <a:avLst/>
+          </a:prstGeom>
+          <a:noFill/>
+        </p:spPr>
+        <p:txBody>
+          <a:bodyPr wrap="none">
+            <a:spAutoFit/>
+          </a:bodyPr>
+          <a:lstStyle/>
+          <a:p>
+            <a:pPr algn="ctr"/>
+            <a:r>
+              <a:rPr b="1" sz="2267">
+                <a:solidFill>
+                  <a:srgbClr val="FFFFFF"/>
+                </a:solidFill>
+                <a:latin typeface="Helvetica"/>
+              </a:rPr>
+              <a:t>7</a:t>
+            </a:r>
+          </a:p>
+        </p:txBody>
+      </p:sp>
+    </p:spTree>
+  </p:cSld>
+  <p:clrMapOvr>
+    <a:masterClrMapping/>
+  </p:clrMapOvr>
+</p:sld>
+</file>
+
+<file path=ppt/slides/slide8.xml><?xml version="1.0" encoding="utf-8"?>
+<p:sld xmlns:a="http://schemas.openxmlformats.org/drawingml/2006/main" xmlns:p="http://schemas.openxmlformats.org/presentationml/2006/main" xmlns:r="http://schemas.openxmlformats.org/officeDocument/2006/relationships">
+  <p:cSld>
+    <p:spTree>
+      <p:nvGrpSpPr>
+        <p:cNvPr id="1" name=""/>
+        <p:cNvGrpSpPr/>
+        <p:nvPr/>
+      </p:nvGrpSpPr>
+      <p:grpSpPr/>
+      <p:pic>
+        <p:nvPicPr>
+          <p:cNvPr id="2" name="Picture 1" descr="template_pdf.jpg"/>
+          <p:cNvPicPr>
+            <a:picLocks noChangeAspect="1"/>
+          </p:cNvPicPr>
+          <p:nvPr/>
+        </p:nvPicPr>
+        <p:blipFill>
+          <a:blip r:embed="rId2"/>
+          <a:stretch>
+            <a:fillRect/>
+          </a:stretch>
+        </p:blipFill>
+        <p:spPr>
+          <a:xfrm>
+            <a:off x="0" y="0"/>
+            <a:ext cx="14400000" cy="7920000"/>
+          </a:xfrm>
+          <a:prstGeom prst="rect">
+            <a:avLst/>
+          </a:prstGeom>
+        </p:spPr>
+      </p:pic>
+      <p:sp>
+        <p:nvSpPr>
+          <p:cNvPr id="3" name="TextBox 2"/>
+          <p:cNvSpPr txBox="1"/>
+          <p:nvPr/>
+        </p:nvSpPr>
+        <p:spPr>
+          <a:xfrm>
+            <a:off x="0" y="180000"/>
+            <a:ext cx="15120000" cy="180000"/>
+          </a:xfrm>
+          <a:prstGeom prst="rect">
+            <a:avLst/>
+          </a:prstGeom>
+          <a:noFill/>
+        </p:spPr>
+        <p:txBody>
+          <a:bodyPr wrap="none">
+            <a:spAutoFit/>
+          </a:bodyPr>
+          <a:lstStyle/>
+          <a:p>
+            <a:pPr algn="ctr"/>
+            <a:r>
+              <a:rPr b="1" sz="1984">
+                <a:solidFill>
+                  <a:srgbClr val="FFFFFF"/>
+                </a:solidFill>
+                <a:latin typeface="Helvetica"/>
+              </a:rPr>
+              <a:t>Rod. Mogi Dutra , Acesso A Rodovia Ayrton Senna Fte A Transp. Translechi E Ao Lado Do Motel Primavera </a:t>
+            </a:r>
+          </a:p>
+        </p:txBody>
+      </p:sp>
+      <p:pic>
+        <p:nvPicPr>
+          <p:cNvPr id="4" name="Picture 3" descr="temp_image6.jpg"/>
+          <p:cNvPicPr>
+            <a:picLocks noChangeAspect="1"/>
+          </p:cNvPicPr>
+          <p:nvPr/>
+        </p:nvPicPr>
+        <p:blipFill>
+          <a:blip r:embed="rId3"/>
+          <a:stretch>
+            <a:fillRect/>
+          </a:stretch>
+        </p:blipFill>
+        <p:spPr>
+          <a:xfrm>
+            <a:off x="108000" y="785160"/>
+            <a:ext cx="9432000" cy="6480000"/>
+          </a:xfrm>
+          <a:prstGeom prst="rect">
+            <a:avLst/>
+          </a:prstGeom>
+        </p:spPr>
+      </p:pic>
+      <p:sp>
+        <p:nvSpPr>
+          <p:cNvPr id="5" name="TextBox 4"/>
+          <p:cNvSpPr txBox="1"/>
+          <p:nvPr/>
+        </p:nvSpPr>
+        <p:spPr>
+          <a:xfrm>
+            <a:off x="108000" y="7380000"/>
+            <a:ext cx="1080000" cy="180000"/>
+          </a:xfrm>
+          <a:prstGeom prst="rect">
+            <a:avLst/>
+          </a:prstGeom>
+          <a:noFill/>
+        </p:spPr>
+        <p:txBody>
+          <a:bodyPr wrap="none">
+            <a:spAutoFit/>
+          </a:bodyPr>
+          <a:lstStyle/>
+          <a:p>
+            <a:pPr algn="l"/>
+            <a:r>
+              <a:rPr b="1" sz="1559">
+                <a:latin typeface="Helvetica"/>
+              </a:rPr>
+              <a:t>Coordenadas:</a:t>
+            </a:r>
+          </a:p>
+        </p:txBody>
+      </p:sp>
+      <p:sp>
+        <p:nvSpPr>
+          <p:cNvPr id="6" name="TextBox 5"/>
+          <p:cNvSpPr txBox="1"/>
+          <p:nvPr/>
+        </p:nvSpPr>
+        <p:spPr>
+          <a:xfrm>
+            <a:off x="1458000" y="7380000"/>
+            <a:ext cx="1800000" cy="216000"/>
+          </a:xfrm>
+          <a:prstGeom prst="rect">
+            <a:avLst/>
+          </a:prstGeom>
+          <a:noFill/>
+        </p:spPr>
+        <p:txBody>
+          <a:bodyPr wrap="none">
+            <a:spAutoFit/>
+          </a:bodyPr>
+          <a:lstStyle/>
+          <a:p>
+            <a:pPr algn="l"/>
+            <a:r>
+              <a:rPr sz="1559">
+                <a:latin typeface="Helvetica"/>
+              </a:rPr>
+              <a:t>-23.508292  -46.2070338</a:t>
+            </a:r>
+          </a:p>
+        </p:txBody>
+      </p:sp>
+      <p:sp>
+        <p:nvSpPr>
+          <p:cNvPr id="7" name="TextBox 6"/>
+          <p:cNvSpPr txBox="1"/>
+          <p:nvPr/>
+        </p:nvSpPr>
+        <p:spPr>
+          <a:xfrm>
+            <a:off x="6480000" y="7380000"/>
+            <a:ext cx="1080000" cy="180000"/>
+          </a:xfrm>
+          <a:prstGeom prst="rect">
+            <a:avLst/>
+          </a:prstGeom>
+          <a:noFill/>
+        </p:spPr>
+        <p:txBody>
+          <a:bodyPr wrap="none">
+            <a:spAutoFit/>
+          </a:bodyPr>
+          <a:lstStyle/>
+          <a:p>
+            <a:pPr algn="l"/>
+            <a:r>
+              <a:rPr b="1" sz="1559">
+                <a:latin typeface="Helvetica"/>
+              </a:rPr>
+              <a:t>Codigo:</a:t>
+            </a:r>
+          </a:p>
+        </p:txBody>
+      </p:sp>
+      <p:sp>
+        <p:nvSpPr>
+          <p:cNvPr id="8" name="TextBox 7"/>
+          <p:cNvSpPr txBox="1"/>
+          <p:nvPr/>
+        </p:nvSpPr>
+        <p:spPr>
+          <a:xfrm>
+            <a:off x="7272000" y="7380000"/>
+            <a:ext cx="1800000" cy="216000"/>
+          </a:xfrm>
+          <a:prstGeom prst="rect">
+            <a:avLst/>
+          </a:prstGeom>
+          <a:noFill/>
+        </p:spPr>
+        <p:txBody>
+          <a:bodyPr wrap="none">
+            <a:spAutoFit/>
+          </a:bodyPr>
+          <a:lstStyle/>
+          <a:p>
+            <a:pPr algn="l"/>
+            <a:r>
+              <a:rPr sz="1559">
+                <a:latin typeface="Helvetica"/>
+              </a:rPr>
+              <a:t>MP016</a:t>
+            </a:r>
+          </a:p>
+        </p:txBody>
+      </p:sp>
+      <p:sp>
+        <p:nvSpPr>
+          <p:cNvPr id="9" name="TextBox 8"/>
+          <p:cNvSpPr txBox="1"/>
+          <p:nvPr/>
+        </p:nvSpPr>
+        <p:spPr>
+          <a:xfrm>
+            <a:off x="9576000" y="720000"/>
+            <a:ext cx="1080000" cy="216000"/>
+          </a:xfrm>
+          <a:prstGeom prst="rect">
+            <a:avLst/>
+          </a:prstGeom>
+          <a:noFill/>
+        </p:spPr>
+        <p:txBody>
+          <a:bodyPr wrap="none">
+            <a:spAutoFit/>
+          </a:bodyPr>
+          <a:lstStyle/>
+          <a:p>
+            <a:pPr algn="l"/>
+            <a:r>
+              <a:rPr b="1" sz="1559">
+                <a:latin typeface="Helvetica"/>
+              </a:rPr>
+              <a:t>Cidade</a:t>
+            </a:r>
+          </a:p>
+        </p:txBody>
+      </p:sp>
+      <p:sp>
+        <p:nvSpPr>
+          <p:cNvPr id="10" name="TextBox 9"/>
+          <p:cNvSpPr txBox="1"/>
+          <p:nvPr/>
+        </p:nvSpPr>
+        <p:spPr>
+          <a:xfrm>
+            <a:off x="9576000" y="990000"/>
+            <a:ext cx="1080000" cy="216000"/>
+          </a:xfrm>
+          <a:prstGeom prst="rect">
+            <a:avLst/>
+          </a:prstGeom>
+          <a:noFill/>
+        </p:spPr>
+        <p:txBody>
+          <a:bodyPr wrap="none">
+            <a:spAutoFit/>
+          </a:bodyPr>
+          <a:lstStyle/>
+          <a:p>
+            <a:pPr algn="l"/>
+            <a:r>
+              <a:rPr sz="1559">
+                <a:latin typeface="Helvetica"/>
+              </a:rPr>
+              <a:t>Mogi das Cruzes </a:t>
+            </a:r>
+          </a:p>
+        </p:txBody>
+      </p:sp>
+      <p:sp>
+        <p:nvSpPr>
+          <p:cNvPr id="11" name="TextBox 10"/>
+          <p:cNvSpPr txBox="1"/>
+          <p:nvPr/>
+        </p:nvSpPr>
+        <p:spPr>
+          <a:xfrm>
+            <a:off x="9576000" y="1332000"/>
+            <a:ext cx="1080000" cy="216000"/>
+          </a:xfrm>
+          <a:prstGeom prst="rect">
+            <a:avLst/>
+          </a:prstGeom>
+          <a:noFill/>
+        </p:spPr>
+        <p:txBody>
+          <a:bodyPr wrap="none">
+            <a:spAutoFit/>
+          </a:bodyPr>
+          <a:lstStyle/>
+          <a:p>
+            <a:pPr algn="l"/>
+            <a:r>
+              <a:rPr b="1" sz="1559">
+                <a:latin typeface="Helvetica"/>
+              </a:rPr>
+              <a:t>Formato</a:t>
+            </a:r>
+          </a:p>
+        </p:txBody>
+      </p:sp>
+      <p:sp>
+        <p:nvSpPr>
+          <p:cNvPr id="12" name="TextBox 11"/>
+          <p:cNvSpPr txBox="1"/>
+          <p:nvPr/>
+        </p:nvSpPr>
+        <p:spPr>
+          <a:xfrm>
+            <a:off x="9576000" y="1602000"/>
+            <a:ext cx="1080000" cy="216000"/>
+          </a:xfrm>
+          <a:prstGeom prst="rect">
+            <a:avLst/>
+          </a:prstGeom>
+          <a:noFill/>
+        </p:spPr>
+        <p:txBody>
+          <a:bodyPr wrap="none">
+            <a:spAutoFit/>
+          </a:bodyPr>
+          <a:lstStyle/>
+          <a:p>
+            <a:pPr algn="l"/>
+            <a:r>
+              <a:rPr sz="1559">
+                <a:latin typeface="Helvetica"/>
+              </a:rPr>
+              <a:t>Outdoor </a:t>
+            </a:r>
+          </a:p>
+        </p:txBody>
+      </p:sp>
+      <p:sp>
+        <p:nvSpPr>
+          <p:cNvPr id="13" name="TextBox 12"/>
+          <p:cNvSpPr txBox="1"/>
+          <p:nvPr/>
+        </p:nvSpPr>
+        <p:spPr>
+          <a:xfrm>
+            <a:off x="13680000" y="7326000"/>
+            <a:ext cx="360000" cy="360000"/>
+          </a:xfrm>
+          <a:prstGeom prst="rect">
+            <a:avLst/>
+          </a:prstGeom>
+          <a:noFill/>
+        </p:spPr>
+        <p:txBody>
+          <a:bodyPr wrap="none">
+            <a:spAutoFit/>
+          </a:bodyPr>
+          <a:lstStyle/>
+          <a:p>
+            <a:pPr algn="ctr"/>
+            <a:r>
+              <a:rPr b="1" sz="2267">
+                <a:solidFill>
+                  <a:srgbClr val="FFFFFF"/>
+                </a:solidFill>
+                <a:latin typeface="Helvetica"/>
+              </a:rPr>
+              <a:t>8</a:t>
+            </a:r>
+          </a:p>
+        </p:txBody>
+      </p:sp>
+    </p:spTree>
+  </p:cSld>
+  <p:clrMapOvr>
+    <a:masterClrMapping/>
+  </p:clrMapOvr>
+</p:sld>
+</file>
+
+<file path=ppt/slides/slide9.xml><?xml version="1.0" encoding="utf-8"?>
+<p:sld xmlns:a="http://schemas.openxmlformats.org/drawingml/2006/main" xmlns:p="http://schemas.openxmlformats.org/presentationml/2006/main" xmlns:r="http://schemas.openxmlformats.org/officeDocument/2006/relationships">
+  <p:cSld>
+    <p:spTree>
+      <p:nvGrpSpPr>
+        <p:cNvPr id="1" name=""/>
+        <p:cNvGrpSpPr/>
+        <p:nvPr/>
+      </p:nvGrpSpPr>
+      <p:grpSpPr/>
+      <p:pic>
+        <p:nvPicPr>
+          <p:cNvPr id="2" name="Picture 1" descr="template_pdf.jpg"/>
+          <p:cNvPicPr>
+            <a:picLocks noChangeAspect="1"/>
+          </p:cNvPicPr>
+          <p:nvPr/>
+        </p:nvPicPr>
+        <p:blipFill>
+          <a:blip r:embed="rId2"/>
+          <a:stretch>
+            <a:fillRect/>
+          </a:stretch>
+        </p:blipFill>
+        <p:spPr>
+          <a:xfrm>
+            <a:off x="0" y="0"/>
+            <a:ext cx="14400000" cy="7920000"/>
+          </a:xfrm>
+          <a:prstGeom prst="rect">
+            <a:avLst/>
+          </a:prstGeom>
+        </p:spPr>
+      </p:pic>
+      <p:sp>
+        <p:nvSpPr>
+          <p:cNvPr id="3" name="TextBox 2"/>
+          <p:cNvSpPr txBox="1"/>
+          <p:nvPr/>
+        </p:nvSpPr>
+        <p:spPr>
+          <a:xfrm>
+            <a:off x="0" y="180000"/>
+            <a:ext cx="15120000" cy="180000"/>
+          </a:xfrm>
+          <a:prstGeom prst="rect">
+            <a:avLst/>
+          </a:prstGeom>
+          <a:noFill/>
+        </p:spPr>
+        <p:txBody>
+          <a:bodyPr wrap="none">
+            <a:spAutoFit/>
+          </a:bodyPr>
+          <a:lstStyle/>
+          <a:p>
+            <a:pPr algn="ctr"/>
+            <a:r>
+              <a:rPr b="1" sz="1984">
+                <a:solidFill>
+                  <a:srgbClr val="FFFFFF"/>
+                </a:solidFill>
+                <a:latin typeface="Helvetica"/>
+              </a:rPr>
+              <a:t>Rod. Mogi Dutra , Saída de Mogi - Sentido Centro - Transportadora Translecchi e ao lado do Motel Primavera</a:t>
+            </a:r>
+          </a:p>
+        </p:txBody>
+      </p:sp>
+      <p:pic>
+        <p:nvPicPr>
+          <p:cNvPr id="4" name="Picture 3" descr="temp_image7.jpg"/>
+          <p:cNvPicPr>
+            <a:picLocks noChangeAspect="1"/>
+          </p:cNvPicPr>
+          <p:nvPr/>
+        </p:nvPicPr>
+        <p:blipFill>
+          <a:blip r:embed="rId3"/>
+          <a:stretch>
+            <a:fillRect/>
+          </a:stretch>
+        </p:blipFill>
+        <p:spPr>
+          <a:xfrm>
+            <a:off x="108000" y="785160"/>
+            <a:ext cx="9432000" cy="6480000"/>
+          </a:xfrm>
+          <a:prstGeom prst="rect">
+            <a:avLst/>
+          </a:prstGeom>
+        </p:spPr>
+      </p:pic>
+      <p:sp>
+        <p:nvSpPr>
+          <p:cNvPr id="5" name="TextBox 4"/>
+          <p:cNvSpPr txBox="1"/>
+          <p:nvPr/>
+        </p:nvSpPr>
+        <p:spPr>
+          <a:xfrm>
+            <a:off x="108000" y="7380000"/>
+            <a:ext cx="1080000" cy="180000"/>
+          </a:xfrm>
+          <a:prstGeom prst="rect">
+            <a:avLst/>
+          </a:prstGeom>
+          <a:noFill/>
+        </p:spPr>
+        <p:txBody>
+          <a:bodyPr wrap="none">
+            <a:spAutoFit/>
+          </a:bodyPr>
+          <a:lstStyle/>
+          <a:p>
+            <a:pPr algn="l"/>
+            <a:r>
+              <a:rPr b="1" sz="1559">
+                <a:latin typeface="Helvetica"/>
+              </a:rPr>
+              <a:t>Coordenadas:</a:t>
+            </a:r>
+          </a:p>
+        </p:txBody>
+      </p:sp>
+      <p:sp>
+        <p:nvSpPr>
+          <p:cNvPr id="6" name="TextBox 5"/>
+          <p:cNvSpPr txBox="1"/>
+          <p:nvPr/>
+        </p:nvSpPr>
+        <p:spPr>
+          <a:xfrm>
+            <a:off x="1458000" y="7380000"/>
+            <a:ext cx="1800000" cy="216000"/>
+          </a:xfrm>
+          <a:prstGeom prst="rect">
+            <a:avLst/>
+          </a:prstGeom>
+          <a:noFill/>
+        </p:spPr>
+        <p:txBody>
+          <a:bodyPr wrap="none">
+            <a:spAutoFit/>
+          </a:bodyPr>
+          <a:lstStyle/>
+          <a:p>
+            <a:pPr algn="l"/>
+            <a:r>
+              <a:rPr sz="1559">
+                <a:latin typeface="Helvetica"/>
+              </a:rPr>
+              <a:t>-23.508292  -46.2070338</a:t>
+            </a:r>
+          </a:p>
+        </p:txBody>
+      </p:sp>
+      <p:sp>
+        <p:nvSpPr>
+          <p:cNvPr id="7" name="TextBox 6"/>
+          <p:cNvSpPr txBox="1"/>
+          <p:nvPr/>
+        </p:nvSpPr>
+        <p:spPr>
+          <a:xfrm>
+            <a:off x="6480000" y="7380000"/>
+            <a:ext cx="1080000" cy="180000"/>
+          </a:xfrm>
+          <a:prstGeom prst="rect">
+            <a:avLst/>
+          </a:prstGeom>
+          <a:noFill/>
+        </p:spPr>
+        <p:txBody>
+          <a:bodyPr wrap="none">
+            <a:spAutoFit/>
+          </a:bodyPr>
+          <a:lstStyle/>
+          <a:p>
+            <a:pPr algn="l"/>
+            <a:r>
+              <a:rPr b="1" sz="1559">
+                <a:latin typeface="Helvetica"/>
+              </a:rPr>
+              <a:t>Codigo:</a:t>
+            </a:r>
+          </a:p>
+        </p:txBody>
+      </p:sp>
+      <p:sp>
+        <p:nvSpPr>
+          <p:cNvPr id="8" name="TextBox 7"/>
+          <p:cNvSpPr txBox="1"/>
+          <p:nvPr/>
+        </p:nvSpPr>
+        <p:spPr>
+          <a:xfrm>
+            <a:off x="7272000" y="7380000"/>
+            <a:ext cx="1800000" cy="216000"/>
+          </a:xfrm>
+          <a:prstGeom prst="rect">
+            <a:avLst/>
+          </a:prstGeom>
+          <a:noFill/>
+        </p:spPr>
+        <p:txBody>
+          <a:bodyPr wrap="none">
+            <a:spAutoFit/>
+          </a:bodyPr>
+          <a:lstStyle/>
+          <a:p>
+            <a:pPr algn="l"/>
+            <a:r>
+              <a:rPr sz="1559">
+                <a:latin typeface="Helvetica"/>
+              </a:rPr>
+              <a:t>MP017</a:t>
+            </a:r>
+          </a:p>
+        </p:txBody>
+      </p:sp>
+      <p:sp>
+        <p:nvSpPr>
+          <p:cNvPr id="9" name="TextBox 8"/>
+          <p:cNvSpPr txBox="1"/>
+          <p:nvPr/>
+        </p:nvSpPr>
+        <p:spPr>
+          <a:xfrm>
+            <a:off x="9576000" y="720000"/>
+            <a:ext cx="1080000" cy="216000"/>
+          </a:xfrm>
+          <a:prstGeom prst="rect">
+            <a:avLst/>
+          </a:prstGeom>
+          <a:noFill/>
+        </p:spPr>
+        <p:txBody>
+          <a:bodyPr wrap="none">
+            <a:spAutoFit/>
+          </a:bodyPr>
+          <a:lstStyle/>
+          <a:p>
+            <a:pPr algn="l"/>
+            <a:r>
+              <a:rPr b="1" sz="1559">
+                <a:latin typeface="Helvetica"/>
+              </a:rPr>
+              <a:t>Cidade</a:t>
+            </a:r>
+          </a:p>
+        </p:txBody>
+      </p:sp>
+      <p:sp>
+        <p:nvSpPr>
+          <p:cNvPr id="10" name="TextBox 9"/>
+          <p:cNvSpPr txBox="1"/>
+          <p:nvPr/>
+        </p:nvSpPr>
+        <p:spPr>
+          <a:xfrm>
+            <a:off x="9576000" y="990000"/>
+            <a:ext cx="1080000" cy="216000"/>
+          </a:xfrm>
+          <a:prstGeom prst="rect">
+            <a:avLst/>
+          </a:prstGeom>
+          <a:noFill/>
+        </p:spPr>
+        <p:txBody>
+          <a:bodyPr wrap="none">
+            <a:spAutoFit/>
+          </a:bodyPr>
+          <a:lstStyle/>
+          <a:p>
+            <a:pPr algn="l"/>
+            <a:r>
+              <a:rPr sz="1559">
+                <a:latin typeface="Helvetica"/>
+              </a:rPr>
+              <a:t>Mogi das Cruzes </a:t>
+            </a:r>
+          </a:p>
+        </p:txBody>
+      </p:sp>
+      <p:sp>
+        <p:nvSpPr>
+          <p:cNvPr id="11" name="TextBox 10"/>
+          <p:cNvSpPr txBox="1"/>
+          <p:nvPr/>
+        </p:nvSpPr>
+        <p:spPr>
+          <a:xfrm>
+            <a:off x="9576000" y="1332000"/>
+            <a:ext cx="1080000" cy="216000"/>
+          </a:xfrm>
+          <a:prstGeom prst="rect">
+            <a:avLst/>
+          </a:prstGeom>
+          <a:noFill/>
+        </p:spPr>
+        <p:txBody>
+          <a:bodyPr wrap="none">
+            <a:spAutoFit/>
+          </a:bodyPr>
+          <a:lstStyle/>
+          <a:p>
+            <a:pPr algn="l"/>
+            <a:r>
+              <a:rPr b="1" sz="1559">
+                <a:latin typeface="Helvetica"/>
+              </a:rPr>
+              <a:t>Formato</a:t>
+            </a:r>
+          </a:p>
+        </p:txBody>
+      </p:sp>
+      <p:sp>
+        <p:nvSpPr>
+          <p:cNvPr id="12" name="TextBox 11"/>
+          <p:cNvSpPr txBox="1"/>
+          <p:nvPr/>
+        </p:nvSpPr>
+        <p:spPr>
+          <a:xfrm>
+            <a:off x="9576000" y="1602000"/>
+            <a:ext cx="1080000" cy="216000"/>
+          </a:xfrm>
+          <a:prstGeom prst="rect">
+            <a:avLst/>
+          </a:prstGeom>
+          <a:noFill/>
+        </p:spPr>
+        <p:txBody>
+          <a:bodyPr wrap="none">
+            <a:spAutoFit/>
+          </a:bodyPr>
+          <a:lstStyle/>
+          <a:p>
+            <a:pPr algn="l"/>
+            <a:r>
+              <a:rPr sz="1559">
+                <a:latin typeface="Helvetica"/>
+              </a:rPr>
+              <a:t>Outdoor </a:t>
+            </a:r>
+          </a:p>
+        </p:txBody>
+      </p:sp>
+      <p:sp>
+        <p:nvSpPr>
+          <p:cNvPr id="13" name="TextBox 12"/>
+          <p:cNvSpPr txBox="1"/>
+          <p:nvPr/>
+        </p:nvSpPr>
+        <p:spPr>
+          <a:xfrm>
+            <a:off x="13680000" y="7326000"/>
+            <a:ext cx="360000" cy="360000"/>
+          </a:xfrm>
+          <a:prstGeom prst="rect">
+            <a:avLst/>
+          </a:prstGeom>
+          <a:noFill/>
+        </p:spPr>
+        <p:txBody>
+          <a:bodyPr wrap="none">
+            <a:spAutoFit/>
+          </a:bodyPr>
+          <a:lstStyle/>
+          <a:p>
+            <a:pPr algn="ctr"/>
+            <a:r>
+              <a:rPr b="1" sz="2267">
+                <a:solidFill>
+                  <a:srgbClr val="FFFFFF"/>
+                </a:solidFill>
+                <a:latin typeface="Helvetica"/>
+              </a:rPr>
+              <a:t>9</a:t>
             </a:r>
           </a:p>
         </p:txBody>

--- a/app/static/media/pptx/temp.pptx
+++ b/app/static/media/pptx/temp.pptx
@@ -7,10 +7,6 @@
   <p:sldIdLst>
     <p:sldId id="256" r:id="rId7"/>
     <p:sldId id="257" r:id="rId8"/>
-    <p:sldId id="258" r:id="rId9"/>
-    <p:sldId id="259" r:id="rId10"/>
-    <p:sldId id="260" r:id="rId11"/>
-    <p:sldId id="261" r:id="rId12"/>
   </p:sldIdLst>
   <p:sldSz cx="14400000" cy="7920000" type="screen4x3"/>
   <p:notesSz cx="6858000" cy="9144000"/>
@@ -3144,7 +3140,39 @@
               <a:rPr sz="2834">
                 <a:latin typeface="Helvetica"/>
               </a:rPr>
-              <a:t>teste9 quarta</a:t>
+              <a:t>aaa</a:t>
+            </a:r>
+          </a:p>
+        </p:txBody>
+      </p:sp>
+      <p:sp>
+        <p:nvSpPr>
+          <p:cNvPr id="4" name="TextBox 3"/>
+          <p:cNvSpPr txBox="1"/>
+          <p:nvPr/>
+        </p:nvSpPr>
+        <p:spPr>
+          <a:xfrm>
+            <a:off x="3672000" y="7308000"/>
+            <a:ext cx="7200000" cy="360000"/>
+          </a:xfrm>
+          <a:prstGeom prst="rect">
+            <a:avLst/>
+          </a:prstGeom>
+          <a:noFill/>
+        </p:spPr>
+        <p:txBody>
+          <a:bodyPr wrap="none">
+            <a:spAutoFit/>
+          </a:bodyPr>
+          <a:lstStyle/>
+          <a:p>
+            <a:pPr algn="l"/>
+            <a:r>
+              <a:rPr sz="1417">
+                <a:latin typeface="Helvetica"/>
+              </a:rPr>
+              <a:t>*Todos os pontos estão sujeitos a consulta de disponiblidade no ato da reserva.</a:t>
             </a:r>
           </a:p>
         </p:txBody>
@@ -3221,7 +3249,7 @@
                 </a:solidFill>
                 <a:latin typeface="Helvetica"/>
               </a:rPr>
-              <a:t>R. JOSE PERES - ESPORTE CLUBE RIBEIRO JUNQUEIRA  - CHEGADA CIDADE - DEFRONTE RODOVIÁRIA</a:t>
+              <a:t>Av. Brasília nº 162  ao lado do Bar Zero Hora</a:t>
             </a:r>
           </a:p>
         </p:txBody>
@@ -3309,7 +3337,7 @@
               <a:rPr sz="1559">
                 <a:latin typeface="Helvetica"/>
               </a:rPr>
-              <a:t>-21.5308199  -42.6344781</a:t>
+              <a:t>-19.79714  -43.94187</a:t>
             </a:r>
           </a:p>
         </p:txBody>
@@ -3373,7 +3401,7 @@
               <a:rPr sz="1559">
                 <a:latin typeface="Helvetica"/>
               </a:rPr>
-              <a:t>MSM02</a:t>
+              <a:t>MBM295</a:t>
             </a:r>
           </a:p>
         </p:txBody>
@@ -3405,7 +3433,7 @@
               <a:rPr b="1" sz="1559">
                 <a:latin typeface="Helvetica"/>
               </a:rPr>
-              <a:t>Ciudad</a:t>
+              <a:t>Barrio</a:t>
             </a:r>
           </a:p>
         </p:txBody>
@@ -3437,7 +3465,7 @@
               <a:rPr sz="1559">
                 <a:latin typeface="Helvetica"/>
               </a:rPr>
-              <a:t>Leopoldina</a:t>
+              <a:t>São Benedito</a:t>
             </a:r>
           </a:p>
         </p:txBody>
@@ -3469,7 +3497,7 @@
               <a:rPr b="1" sz="1559">
                 <a:latin typeface="Helvetica"/>
               </a:rPr>
-              <a:t>Formato</a:t>
+              <a:t>Ciudad</a:t>
             </a:r>
           </a:p>
         </p:txBody>
@@ -3501,7 +3529,7 @@
               <a:rPr sz="1559">
                 <a:latin typeface="Helvetica"/>
               </a:rPr>
-              <a:t>Outdoor </a:t>
+              <a:t>Santa Luzia</a:t>
             </a:r>
           </a:p>
         </p:txBody>
@@ -3509,6 +3537,70 @@
       <p:sp>
         <p:nvSpPr>
           <p:cNvPr id="13" name="TextBox 12"/>
+          <p:cNvSpPr txBox="1"/>
+          <p:nvPr/>
+        </p:nvSpPr>
+        <p:spPr>
+          <a:xfrm>
+            <a:off x="9576000" y="1944000"/>
+            <a:ext cx="1080000" cy="216000"/>
+          </a:xfrm>
+          <a:prstGeom prst="rect">
+            <a:avLst/>
+          </a:prstGeom>
+          <a:noFill/>
+        </p:spPr>
+        <p:txBody>
+          <a:bodyPr wrap="none">
+            <a:spAutoFit/>
+          </a:bodyPr>
+          <a:lstStyle/>
+          <a:p>
+            <a:pPr algn="l"/>
+            <a:r>
+              <a:rPr b="1" sz="1559">
+                <a:latin typeface="Helvetica"/>
+              </a:rPr>
+              <a:t>Formato</a:t>
+            </a:r>
+          </a:p>
+        </p:txBody>
+      </p:sp>
+      <p:sp>
+        <p:nvSpPr>
+          <p:cNvPr id="14" name="TextBox 13"/>
+          <p:cNvSpPr txBox="1"/>
+          <p:nvPr/>
+        </p:nvSpPr>
+        <p:spPr>
+          <a:xfrm>
+            <a:off x="9576000" y="2214000"/>
+            <a:ext cx="1080000" cy="216000"/>
+          </a:xfrm>
+          <a:prstGeom prst="rect">
+            <a:avLst/>
+          </a:prstGeom>
+          <a:noFill/>
+        </p:spPr>
+        <p:txBody>
+          <a:bodyPr wrap="none">
+            <a:spAutoFit/>
+          </a:bodyPr>
+          <a:lstStyle/>
+          <a:p>
+            <a:pPr algn="l"/>
+            <a:r>
+              <a:rPr sz="1559">
+                <a:latin typeface="Helvetica"/>
+              </a:rPr>
+              <a:t>Banca</a:t>
+            </a:r>
+          </a:p>
+        </p:txBody>
+      </p:sp>
+      <p:sp>
+        <p:nvSpPr>
+          <p:cNvPr id="15" name="TextBox 14"/>
           <p:cNvSpPr txBox="1"/>
           <p:nvPr/>
         </p:nvSpPr>
@@ -3537,1768 +3629,6 @@
                 <a:latin typeface="Helvetica"/>
               </a:rPr>
               <a:t>2</a:t>
-            </a:r>
-          </a:p>
-        </p:txBody>
-      </p:sp>
-    </p:spTree>
-  </p:cSld>
-  <p:clrMapOvr>
-    <a:masterClrMapping/>
-  </p:clrMapOvr>
-</p:sld>
-</file>
-
-<file path=ppt/slides/slide3.xml><?xml version="1.0" encoding="utf-8"?>
-<p:sld xmlns:a="http://schemas.openxmlformats.org/drawingml/2006/main" xmlns:p="http://schemas.openxmlformats.org/presentationml/2006/main" xmlns:r="http://schemas.openxmlformats.org/officeDocument/2006/relationships">
-  <p:cSld>
-    <p:spTree>
-      <p:nvGrpSpPr>
-        <p:cNvPr id="1" name=""/>
-        <p:cNvGrpSpPr/>
-        <p:nvPr/>
-      </p:nvGrpSpPr>
-      <p:grpSpPr/>
-      <p:pic>
-        <p:nvPicPr>
-          <p:cNvPr id="2" name="Picture 1" descr="template_pdf.jpg"/>
-          <p:cNvPicPr>
-            <a:picLocks noChangeAspect="1"/>
-          </p:cNvPicPr>
-          <p:nvPr/>
-        </p:nvPicPr>
-        <p:blipFill>
-          <a:blip r:embed="rId2"/>
-          <a:stretch>
-            <a:fillRect/>
-          </a:stretch>
-        </p:blipFill>
-        <p:spPr>
-          <a:xfrm>
-            <a:off x="0" y="0"/>
-            <a:ext cx="14400000" cy="7920000"/>
-          </a:xfrm>
-          <a:prstGeom prst="rect">
-            <a:avLst/>
-          </a:prstGeom>
-        </p:spPr>
-      </p:pic>
-      <p:sp>
-        <p:nvSpPr>
-          <p:cNvPr id="3" name="TextBox 2"/>
-          <p:cNvSpPr txBox="1"/>
-          <p:nvPr/>
-        </p:nvSpPr>
-        <p:spPr>
-          <a:xfrm>
-            <a:off x="0" y="180000"/>
-            <a:ext cx="13320000" cy="360000"/>
-          </a:xfrm>
-          <a:prstGeom prst="rect">
-            <a:avLst/>
-          </a:prstGeom>
-          <a:noFill/>
-        </p:spPr>
-        <p:txBody>
-          <a:bodyPr wrap="none">
-            <a:spAutoFit/>
-          </a:bodyPr>
-          <a:lstStyle/>
-          <a:p>
-            <a:pPr algn="ctr"/>
-            <a:r>
-              <a:rPr b="1" sz="1984">
-                <a:solidFill>
-                  <a:srgbClr val="FFFFFF"/>
-                </a:solidFill>
-                <a:latin typeface="Helvetica"/>
-              </a:rPr>
-              <a:t> R. JOSÉ PERES / LEOPOLDINA MALHA CLUBE - CHEGADA CIDADE - DEFRONTE RODOVIÁRIA - LATERAL </a:t>
-            </a:r>
-          </a:p>
-        </p:txBody>
-      </p:sp>
-      <p:pic>
-        <p:nvPicPr>
-          <p:cNvPr id="4" name="Picture 3" descr="temp_image1.jpg"/>
-          <p:cNvPicPr>
-            <a:picLocks noChangeAspect="1"/>
-          </p:cNvPicPr>
-          <p:nvPr/>
-        </p:nvPicPr>
-        <p:blipFill>
-          <a:blip r:embed="rId3"/>
-          <a:stretch>
-            <a:fillRect/>
-          </a:stretch>
-        </p:blipFill>
-        <p:spPr>
-          <a:xfrm>
-            <a:off x="108000" y="785160"/>
-            <a:ext cx="9432000" cy="6480000"/>
-          </a:xfrm>
-          <a:prstGeom prst="rect">
-            <a:avLst/>
-          </a:prstGeom>
-        </p:spPr>
-      </p:pic>
-      <p:sp>
-        <p:nvSpPr>
-          <p:cNvPr id="5" name="TextBox 4"/>
-          <p:cNvSpPr txBox="1"/>
-          <p:nvPr/>
-        </p:nvSpPr>
-        <p:spPr>
-          <a:xfrm>
-            <a:off x="108000" y="7380000"/>
-            <a:ext cx="1080000" cy="180000"/>
-          </a:xfrm>
-          <a:prstGeom prst="rect">
-            <a:avLst/>
-          </a:prstGeom>
-          <a:noFill/>
-        </p:spPr>
-        <p:txBody>
-          <a:bodyPr wrap="none">
-            <a:spAutoFit/>
-          </a:bodyPr>
-          <a:lstStyle/>
-          <a:p>
-            <a:pPr algn="l"/>
-            <a:r>
-              <a:rPr b="1" sz="1559">
-                <a:latin typeface="Helvetica"/>
-              </a:rPr>
-              <a:t>Coordenadas:</a:t>
-            </a:r>
-          </a:p>
-        </p:txBody>
-      </p:sp>
-      <p:sp>
-        <p:nvSpPr>
-          <p:cNvPr id="6" name="TextBox 5"/>
-          <p:cNvSpPr txBox="1"/>
-          <p:nvPr/>
-        </p:nvSpPr>
-        <p:spPr>
-          <a:xfrm>
-            <a:off x="1458000" y="7380000"/>
-            <a:ext cx="1800000" cy="216000"/>
-          </a:xfrm>
-          <a:prstGeom prst="rect">
-            <a:avLst/>
-          </a:prstGeom>
-          <a:noFill/>
-        </p:spPr>
-        <p:txBody>
-          <a:bodyPr wrap="none">
-            <a:spAutoFit/>
-          </a:bodyPr>
-          <a:lstStyle/>
-          <a:p>
-            <a:pPr algn="l"/>
-            <a:r>
-              <a:rPr sz="1559">
-                <a:latin typeface="Helvetica"/>
-              </a:rPr>
-              <a:t>-21.5308199  -42.6344781</a:t>
-            </a:r>
-          </a:p>
-        </p:txBody>
-      </p:sp>
-      <p:sp>
-        <p:nvSpPr>
-          <p:cNvPr id="7" name="TextBox 6"/>
-          <p:cNvSpPr txBox="1"/>
-          <p:nvPr/>
-        </p:nvSpPr>
-        <p:spPr>
-          <a:xfrm>
-            <a:off x="6480000" y="7380000"/>
-            <a:ext cx="1080000" cy="180000"/>
-          </a:xfrm>
-          <a:prstGeom prst="rect">
-            <a:avLst/>
-          </a:prstGeom>
-          <a:noFill/>
-        </p:spPr>
-        <p:txBody>
-          <a:bodyPr wrap="none">
-            <a:spAutoFit/>
-          </a:bodyPr>
-          <a:lstStyle/>
-          <a:p>
-            <a:pPr algn="l"/>
-            <a:r>
-              <a:rPr b="1" sz="1559">
-                <a:latin typeface="Helvetica"/>
-              </a:rPr>
-              <a:t>Codigo:</a:t>
-            </a:r>
-          </a:p>
-        </p:txBody>
-      </p:sp>
-      <p:sp>
-        <p:nvSpPr>
-          <p:cNvPr id="8" name="TextBox 7"/>
-          <p:cNvSpPr txBox="1"/>
-          <p:nvPr/>
-        </p:nvSpPr>
-        <p:spPr>
-          <a:xfrm>
-            <a:off x="7272000" y="7380000"/>
-            <a:ext cx="1800000" cy="216000"/>
-          </a:xfrm>
-          <a:prstGeom prst="rect">
-            <a:avLst/>
-          </a:prstGeom>
-          <a:noFill/>
-        </p:spPr>
-        <p:txBody>
-          <a:bodyPr wrap="none">
-            <a:spAutoFit/>
-          </a:bodyPr>
-          <a:lstStyle/>
-          <a:p>
-            <a:pPr algn="l"/>
-            <a:r>
-              <a:rPr sz="1559">
-                <a:latin typeface="Helvetica"/>
-              </a:rPr>
-              <a:t>MSM03</a:t>
-            </a:r>
-          </a:p>
-        </p:txBody>
-      </p:sp>
-      <p:sp>
-        <p:nvSpPr>
-          <p:cNvPr id="9" name="TextBox 8"/>
-          <p:cNvSpPr txBox="1"/>
-          <p:nvPr/>
-        </p:nvSpPr>
-        <p:spPr>
-          <a:xfrm>
-            <a:off x="9576000" y="720000"/>
-            <a:ext cx="1080000" cy="216000"/>
-          </a:xfrm>
-          <a:prstGeom prst="rect">
-            <a:avLst/>
-          </a:prstGeom>
-          <a:noFill/>
-        </p:spPr>
-        <p:txBody>
-          <a:bodyPr wrap="none">
-            <a:spAutoFit/>
-          </a:bodyPr>
-          <a:lstStyle/>
-          <a:p>
-            <a:pPr algn="l"/>
-            <a:r>
-              <a:rPr b="1" sz="1559">
-                <a:latin typeface="Helvetica"/>
-              </a:rPr>
-              <a:t>Ciudad</a:t>
-            </a:r>
-          </a:p>
-        </p:txBody>
-      </p:sp>
-      <p:sp>
-        <p:nvSpPr>
-          <p:cNvPr id="10" name="TextBox 9"/>
-          <p:cNvSpPr txBox="1"/>
-          <p:nvPr/>
-        </p:nvSpPr>
-        <p:spPr>
-          <a:xfrm>
-            <a:off x="9576000" y="990000"/>
-            <a:ext cx="1080000" cy="216000"/>
-          </a:xfrm>
-          <a:prstGeom prst="rect">
-            <a:avLst/>
-          </a:prstGeom>
-          <a:noFill/>
-        </p:spPr>
-        <p:txBody>
-          <a:bodyPr wrap="none">
-            <a:spAutoFit/>
-          </a:bodyPr>
-          <a:lstStyle/>
-          <a:p>
-            <a:pPr algn="l"/>
-            <a:r>
-              <a:rPr sz="1559">
-                <a:latin typeface="Helvetica"/>
-              </a:rPr>
-              <a:t>Leopoldina</a:t>
-            </a:r>
-          </a:p>
-        </p:txBody>
-      </p:sp>
-      <p:sp>
-        <p:nvSpPr>
-          <p:cNvPr id="11" name="TextBox 10"/>
-          <p:cNvSpPr txBox="1"/>
-          <p:nvPr/>
-        </p:nvSpPr>
-        <p:spPr>
-          <a:xfrm>
-            <a:off x="9576000" y="1332000"/>
-            <a:ext cx="1080000" cy="216000"/>
-          </a:xfrm>
-          <a:prstGeom prst="rect">
-            <a:avLst/>
-          </a:prstGeom>
-          <a:noFill/>
-        </p:spPr>
-        <p:txBody>
-          <a:bodyPr wrap="none">
-            <a:spAutoFit/>
-          </a:bodyPr>
-          <a:lstStyle/>
-          <a:p>
-            <a:pPr algn="l"/>
-            <a:r>
-              <a:rPr b="1" sz="1559">
-                <a:latin typeface="Helvetica"/>
-              </a:rPr>
-              <a:t>Formato</a:t>
-            </a:r>
-          </a:p>
-        </p:txBody>
-      </p:sp>
-      <p:sp>
-        <p:nvSpPr>
-          <p:cNvPr id="12" name="TextBox 11"/>
-          <p:cNvSpPr txBox="1"/>
-          <p:nvPr/>
-        </p:nvSpPr>
-        <p:spPr>
-          <a:xfrm>
-            <a:off x="9576000" y="1602000"/>
-            <a:ext cx="1080000" cy="216000"/>
-          </a:xfrm>
-          <a:prstGeom prst="rect">
-            <a:avLst/>
-          </a:prstGeom>
-          <a:noFill/>
-        </p:spPr>
-        <p:txBody>
-          <a:bodyPr wrap="none">
-            <a:spAutoFit/>
-          </a:bodyPr>
-          <a:lstStyle/>
-          <a:p>
-            <a:pPr algn="l"/>
-            <a:r>
-              <a:rPr sz="1559">
-                <a:latin typeface="Helvetica"/>
-              </a:rPr>
-              <a:t>Outdoor </a:t>
-            </a:r>
-          </a:p>
-        </p:txBody>
-      </p:sp>
-      <p:sp>
-        <p:nvSpPr>
-          <p:cNvPr id="13" name="TextBox 12"/>
-          <p:cNvSpPr txBox="1"/>
-          <p:nvPr/>
-        </p:nvSpPr>
-        <p:spPr>
-          <a:xfrm>
-            <a:off x="13680000" y="7326000"/>
-            <a:ext cx="360000" cy="360000"/>
-          </a:xfrm>
-          <a:prstGeom prst="rect">
-            <a:avLst/>
-          </a:prstGeom>
-          <a:noFill/>
-        </p:spPr>
-        <p:txBody>
-          <a:bodyPr wrap="none">
-            <a:spAutoFit/>
-          </a:bodyPr>
-          <a:lstStyle/>
-          <a:p>
-            <a:pPr algn="ctr"/>
-            <a:r>
-              <a:rPr b="1" sz="1559">
-                <a:solidFill>
-                  <a:srgbClr val="FFFFFF"/>
-                </a:solidFill>
-                <a:latin typeface="Helvetica"/>
-              </a:rPr>
-              <a:t>3</a:t>
-            </a:r>
-          </a:p>
-        </p:txBody>
-      </p:sp>
-    </p:spTree>
-  </p:cSld>
-  <p:clrMapOvr>
-    <a:masterClrMapping/>
-  </p:clrMapOvr>
-</p:sld>
-</file>
-
-<file path=ppt/slides/slide4.xml><?xml version="1.0" encoding="utf-8"?>
-<p:sld xmlns:a="http://schemas.openxmlformats.org/drawingml/2006/main" xmlns:p="http://schemas.openxmlformats.org/presentationml/2006/main" xmlns:r="http://schemas.openxmlformats.org/officeDocument/2006/relationships">
-  <p:cSld>
-    <p:spTree>
-      <p:nvGrpSpPr>
-        <p:cNvPr id="1" name=""/>
-        <p:cNvGrpSpPr/>
-        <p:nvPr/>
-      </p:nvGrpSpPr>
-      <p:grpSpPr/>
-      <p:pic>
-        <p:nvPicPr>
-          <p:cNvPr id="2" name="Picture 1" descr="template_pdf.jpg"/>
-          <p:cNvPicPr>
-            <a:picLocks noChangeAspect="1"/>
-          </p:cNvPicPr>
-          <p:nvPr/>
-        </p:nvPicPr>
-        <p:blipFill>
-          <a:blip r:embed="rId2"/>
-          <a:stretch>
-            <a:fillRect/>
-          </a:stretch>
-        </p:blipFill>
-        <p:spPr>
-          <a:xfrm>
-            <a:off x="0" y="0"/>
-            <a:ext cx="14400000" cy="7920000"/>
-          </a:xfrm>
-          <a:prstGeom prst="rect">
-            <a:avLst/>
-          </a:prstGeom>
-        </p:spPr>
-      </p:pic>
-      <p:sp>
-        <p:nvSpPr>
-          <p:cNvPr id="3" name="TextBox 2"/>
-          <p:cNvSpPr txBox="1"/>
-          <p:nvPr/>
-        </p:nvSpPr>
-        <p:spPr>
-          <a:xfrm>
-            <a:off x="0" y="180000"/>
-            <a:ext cx="13320000" cy="360000"/>
-          </a:xfrm>
-          <a:prstGeom prst="rect">
-            <a:avLst/>
-          </a:prstGeom>
-          <a:noFill/>
-        </p:spPr>
-        <p:txBody>
-          <a:bodyPr wrap="none">
-            <a:spAutoFit/>
-          </a:bodyPr>
-          <a:lstStyle/>
-          <a:p>
-            <a:pPr algn="ctr"/>
-            <a:r>
-              <a:rPr b="1" sz="1984">
-                <a:solidFill>
-                  <a:srgbClr val="FFFFFF"/>
-                </a:solidFill>
-                <a:latin typeface="Helvetica"/>
-              </a:rPr>
-              <a:t>AU. PANAMERICANA R ESCOBAR - KM 33 PEAJE -THC</a:t>
-            </a:r>
-          </a:p>
-        </p:txBody>
-      </p:sp>
-      <p:pic>
-        <p:nvPicPr>
-          <p:cNvPr id="4" name="Picture 3" descr="temp_image2.jpg"/>
-          <p:cNvPicPr>
-            <a:picLocks noChangeAspect="1"/>
-          </p:cNvPicPr>
-          <p:nvPr/>
-        </p:nvPicPr>
-        <p:blipFill>
-          <a:blip r:embed="rId3"/>
-          <a:stretch>
-            <a:fillRect/>
-          </a:stretch>
-        </p:blipFill>
-        <p:spPr>
-          <a:xfrm>
-            <a:off x="108000" y="785160"/>
-            <a:ext cx="9432000" cy="6480000"/>
-          </a:xfrm>
-          <a:prstGeom prst="rect">
-            <a:avLst/>
-          </a:prstGeom>
-        </p:spPr>
-      </p:pic>
-      <p:sp>
-        <p:nvSpPr>
-          <p:cNvPr id="5" name="TextBox 4"/>
-          <p:cNvSpPr txBox="1"/>
-          <p:nvPr/>
-        </p:nvSpPr>
-        <p:spPr>
-          <a:xfrm>
-            <a:off x="108000" y="7380000"/>
-            <a:ext cx="1080000" cy="180000"/>
-          </a:xfrm>
-          <a:prstGeom prst="rect">
-            <a:avLst/>
-          </a:prstGeom>
-          <a:noFill/>
-        </p:spPr>
-        <p:txBody>
-          <a:bodyPr wrap="none">
-            <a:spAutoFit/>
-          </a:bodyPr>
-          <a:lstStyle/>
-          <a:p>
-            <a:pPr algn="l"/>
-            <a:r>
-              <a:rPr b="1" sz="1559">
-                <a:latin typeface="Helvetica"/>
-              </a:rPr>
-              <a:t>Coordenadas:</a:t>
-            </a:r>
-          </a:p>
-        </p:txBody>
-      </p:sp>
-      <p:sp>
-        <p:nvSpPr>
-          <p:cNvPr id="6" name="TextBox 5"/>
-          <p:cNvSpPr txBox="1"/>
-          <p:nvPr/>
-        </p:nvSpPr>
-        <p:spPr>
-          <a:xfrm>
-            <a:off x="1458000" y="7380000"/>
-            <a:ext cx="1800000" cy="216000"/>
-          </a:xfrm>
-          <a:prstGeom prst="rect">
-            <a:avLst/>
-          </a:prstGeom>
-          <a:noFill/>
-        </p:spPr>
-        <p:txBody>
-          <a:bodyPr wrap="none">
-            <a:spAutoFit/>
-          </a:bodyPr>
-          <a:lstStyle/>
-          <a:p>
-            <a:pPr algn="l"/>
-            <a:r>
-              <a:rPr sz="1559">
-                <a:latin typeface="Helvetica"/>
-              </a:rPr>
-              <a:t>-34.4592  -58.6908</a:t>
-            </a:r>
-          </a:p>
-        </p:txBody>
-      </p:sp>
-      <p:sp>
-        <p:nvSpPr>
-          <p:cNvPr id="7" name="TextBox 6"/>
-          <p:cNvSpPr txBox="1"/>
-          <p:nvPr/>
-        </p:nvSpPr>
-        <p:spPr>
-          <a:xfrm>
-            <a:off x="6480000" y="7380000"/>
-            <a:ext cx="1080000" cy="180000"/>
-          </a:xfrm>
-          <a:prstGeom prst="rect">
-            <a:avLst/>
-          </a:prstGeom>
-          <a:noFill/>
-        </p:spPr>
-        <p:txBody>
-          <a:bodyPr wrap="none">
-            <a:spAutoFit/>
-          </a:bodyPr>
-          <a:lstStyle/>
-          <a:p>
-            <a:pPr algn="l"/>
-            <a:r>
-              <a:rPr b="1" sz="1559">
-                <a:latin typeface="Helvetica"/>
-              </a:rPr>
-              <a:t>Codigo:</a:t>
-            </a:r>
-          </a:p>
-        </p:txBody>
-      </p:sp>
-      <p:sp>
-        <p:nvSpPr>
-          <p:cNvPr id="8" name="TextBox 7"/>
-          <p:cNvSpPr txBox="1"/>
-          <p:nvPr/>
-        </p:nvSpPr>
-        <p:spPr>
-          <a:xfrm>
-            <a:off x="7272000" y="7380000"/>
-            <a:ext cx="1800000" cy="216000"/>
-          </a:xfrm>
-          <a:prstGeom prst="rect">
-            <a:avLst/>
-          </a:prstGeom>
-          <a:noFill/>
-        </p:spPr>
-        <p:txBody>
-          <a:bodyPr wrap="none">
-            <a:spAutoFit/>
-          </a:bodyPr>
-          <a:lstStyle/>
-          <a:p>
-            <a:pPr algn="l"/>
-            <a:r>
-              <a:rPr sz="1559">
-                <a:latin typeface="Helvetica"/>
-              </a:rPr>
-              <a:t>MSGL57</a:t>
-            </a:r>
-          </a:p>
-        </p:txBody>
-      </p:sp>
-      <p:sp>
-        <p:nvSpPr>
-          <p:cNvPr id="9" name="TextBox 8"/>
-          <p:cNvSpPr txBox="1"/>
-          <p:nvPr/>
-        </p:nvSpPr>
-        <p:spPr>
-          <a:xfrm>
-            <a:off x="9576000" y="720000"/>
-            <a:ext cx="1080000" cy="216000"/>
-          </a:xfrm>
-          <a:prstGeom prst="rect">
-            <a:avLst/>
-          </a:prstGeom>
-          <a:noFill/>
-        </p:spPr>
-        <p:txBody>
-          <a:bodyPr wrap="none">
-            <a:spAutoFit/>
-          </a:bodyPr>
-          <a:lstStyle/>
-          <a:p>
-            <a:pPr algn="l"/>
-            <a:r>
-              <a:rPr b="1" sz="1559">
-                <a:latin typeface="Helvetica"/>
-              </a:rPr>
-              <a:t>Barrio</a:t>
-            </a:r>
-          </a:p>
-        </p:txBody>
-      </p:sp>
-      <p:sp>
-        <p:nvSpPr>
-          <p:cNvPr id="10" name="TextBox 9"/>
-          <p:cNvSpPr txBox="1"/>
-          <p:nvPr/>
-        </p:nvSpPr>
-        <p:spPr>
-          <a:xfrm>
-            <a:off x="9576000" y="990000"/>
-            <a:ext cx="1080000" cy="216000"/>
-          </a:xfrm>
-          <a:prstGeom prst="rect">
-            <a:avLst/>
-          </a:prstGeom>
-          <a:noFill/>
-        </p:spPr>
-        <p:txBody>
-          <a:bodyPr wrap="none">
-            <a:spAutoFit/>
-          </a:bodyPr>
-          <a:lstStyle/>
-          <a:p>
-            <a:pPr algn="l"/>
-            <a:r>
-              <a:rPr sz="1559">
-                <a:latin typeface="Helvetica"/>
-              </a:rPr>
-              <a:t>El Triángulo</a:t>
-            </a:r>
-          </a:p>
-        </p:txBody>
-      </p:sp>
-      <p:sp>
-        <p:nvSpPr>
-          <p:cNvPr id="11" name="TextBox 10"/>
-          <p:cNvSpPr txBox="1"/>
-          <p:nvPr/>
-        </p:nvSpPr>
-        <p:spPr>
-          <a:xfrm>
-            <a:off x="9576000" y="1332000"/>
-            <a:ext cx="1080000" cy="216000"/>
-          </a:xfrm>
-          <a:prstGeom prst="rect">
-            <a:avLst/>
-          </a:prstGeom>
-          <a:noFill/>
-        </p:spPr>
-        <p:txBody>
-          <a:bodyPr wrap="none">
-            <a:spAutoFit/>
-          </a:bodyPr>
-          <a:lstStyle/>
-          <a:p>
-            <a:pPr algn="l"/>
-            <a:r>
-              <a:rPr b="1" sz="1559">
-                <a:latin typeface="Helvetica"/>
-              </a:rPr>
-              <a:t>Ciudad</a:t>
-            </a:r>
-          </a:p>
-        </p:txBody>
-      </p:sp>
-      <p:sp>
-        <p:nvSpPr>
-          <p:cNvPr id="12" name="TextBox 11"/>
-          <p:cNvSpPr txBox="1"/>
-          <p:nvPr/>
-        </p:nvSpPr>
-        <p:spPr>
-          <a:xfrm>
-            <a:off x="9576000" y="1602000"/>
-            <a:ext cx="1080000" cy="216000"/>
-          </a:xfrm>
-          <a:prstGeom prst="rect">
-            <a:avLst/>
-          </a:prstGeom>
-          <a:noFill/>
-        </p:spPr>
-        <p:txBody>
-          <a:bodyPr wrap="none">
-            <a:spAutoFit/>
-          </a:bodyPr>
-          <a:lstStyle/>
-          <a:p>
-            <a:pPr algn="l"/>
-            <a:r>
-              <a:rPr sz="1559">
-                <a:latin typeface="Helvetica"/>
-              </a:rPr>
-              <a:t>Malvinas Argentinas</a:t>
-            </a:r>
-          </a:p>
-        </p:txBody>
-      </p:sp>
-      <p:sp>
-        <p:nvSpPr>
-          <p:cNvPr id="13" name="TextBox 12"/>
-          <p:cNvSpPr txBox="1"/>
-          <p:nvPr/>
-        </p:nvSpPr>
-        <p:spPr>
-          <a:xfrm>
-            <a:off x="9576000" y="1944000"/>
-            <a:ext cx="1080000" cy="216000"/>
-          </a:xfrm>
-          <a:prstGeom prst="rect">
-            <a:avLst/>
-          </a:prstGeom>
-          <a:noFill/>
-        </p:spPr>
-        <p:txBody>
-          <a:bodyPr wrap="none">
-            <a:spAutoFit/>
-          </a:bodyPr>
-          <a:lstStyle/>
-          <a:p>
-            <a:pPr algn="l"/>
-            <a:r>
-              <a:rPr b="1" sz="1559">
-                <a:latin typeface="Helvetica"/>
-              </a:rPr>
-              <a:t>Formato</a:t>
-            </a:r>
-          </a:p>
-        </p:txBody>
-      </p:sp>
-      <p:sp>
-        <p:nvSpPr>
-          <p:cNvPr id="14" name="TextBox 13"/>
-          <p:cNvSpPr txBox="1"/>
-          <p:nvPr/>
-        </p:nvSpPr>
-        <p:spPr>
-          <a:xfrm>
-            <a:off x="9576000" y="2214000"/>
-            <a:ext cx="1080000" cy="216000"/>
-          </a:xfrm>
-          <a:prstGeom prst="rect">
-            <a:avLst/>
-          </a:prstGeom>
-          <a:noFill/>
-        </p:spPr>
-        <p:txBody>
-          <a:bodyPr wrap="none">
-            <a:spAutoFit/>
-          </a:bodyPr>
-          <a:lstStyle/>
-          <a:p>
-            <a:pPr algn="l"/>
-            <a:r>
-              <a:rPr sz="1559">
-                <a:latin typeface="Helvetica"/>
-              </a:rPr>
-              <a:t>Columna </a:t>
-            </a:r>
-          </a:p>
-        </p:txBody>
-      </p:sp>
-      <p:sp>
-        <p:nvSpPr>
-          <p:cNvPr id="15" name="TextBox 14"/>
-          <p:cNvSpPr txBox="1"/>
-          <p:nvPr/>
-        </p:nvSpPr>
-        <p:spPr>
-          <a:xfrm>
-            <a:off x="13680000" y="7326000"/>
-            <a:ext cx="360000" cy="360000"/>
-          </a:xfrm>
-          <a:prstGeom prst="rect">
-            <a:avLst/>
-          </a:prstGeom>
-          <a:noFill/>
-        </p:spPr>
-        <p:txBody>
-          <a:bodyPr wrap="none">
-            <a:spAutoFit/>
-          </a:bodyPr>
-          <a:lstStyle/>
-          <a:p>
-            <a:pPr algn="ctr"/>
-            <a:r>
-              <a:rPr b="1" sz="1559">
-                <a:solidFill>
-                  <a:srgbClr val="FFFFFF"/>
-                </a:solidFill>
-                <a:latin typeface="Helvetica"/>
-              </a:rPr>
-              <a:t>4</a:t>
-            </a:r>
-          </a:p>
-        </p:txBody>
-      </p:sp>
-    </p:spTree>
-  </p:cSld>
-  <p:clrMapOvr>
-    <a:masterClrMapping/>
-  </p:clrMapOvr>
-</p:sld>
-</file>
-
-<file path=ppt/slides/slide5.xml><?xml version="1.0" encoding="utf-8"?>
-<p:sld xmlns:a="http://schemas.openxmlformats.org/drawingml/2006/main" xmlns:p="http://schemas.openxmlformats.org/presentationml/2006/main" xmlns:r="http://schemas.openxmlformats.org/officeDocument/2006/relationships">
-  <p:cSld>
-    <p:spTree>
-      <p:nvGrpSpPr>
-        <p:cNvPr id="1" name=""/>
-        <p:cNvGrpSpPr/>
-        <p:nvPr/>
-      </p:nvGrpSpPr>
-      <p:grpSpPr/>
-      <p:pic>
-        <p:nvPicPr>
-          <p:cNvPr id="2" name="Picture 1" descr="template_pdf.jpg"/>
-          <p:cNvPicPr>
-            <a:picLocks noChangeAspect="1"/>
-          </p:cNvPicPr>
-          <p:nvPr/>
-        </p:nvPicPr>
-        <p:blipFill>
-          <a:blip r:embed="rId2"/>
-          <a:stretch>
-            <a:fillRect/>
-          </a:stretch>
-        </p:blipFill>
-        <p:spPr>
-          <a:xfrm>
-            <a:off x="0" y="0"/>
-            <a:ext cx="14400000" cy="7920000"/>
-          </a:xfrm>
-          <a:prstGeom prst="rect">
-            <a:avLst/>
-          </a:prstGeom>
-        </p:spPr>
-      </p:pic>
-      <p:sp>
-        <p:nvSpPr>
-          <p:cNvPr id="3" name="TextBox 2"/>
-          <p:cNvSpPr txBox="1"/>
-          <p:nvPr/>
-        </p:nvSpPr>
-        <p:spPr>
-          <a:xfrm>
-            <a:off x="0" y="180000"/>
-            <a:ext cx="13320000" cy="360000"/>
-          </a:xfrm>
-          <a:prstGeom prst="rect">
-            <a:avLst/>
-          </a:prstGeom>
-          <a:noFill/>
-        </p:spPr>
-        <p:txBody>
-          <a:bodyPr wrap="none">
-            <a:spAutoFit/>
-          </a:bodyPr>
-          <a:lstStyle/>
-          <a:p>
-            <a:pPr algn="ctr"/>
-            <a:r>
-              <a:rPr b="1" sz="1984">
-                <a:solidFill>
-                  <a:srgbClr val="FFFFFF"/>
-                </a:solidFill>
-                <a:latin typeface="Helvetica"/>
-              </a:rPr>
-              <a:t>AU. PANAMERICANA KM 51,2 – PILAR (TRÁNSITO GBA
-- NORTE)</a:t>
-            </a:r>
-          </a:p>
-        </p:txBody>
-      </p:sp>
-      <p:pic>
-        <p:nvPicPr>
-          <p:cNvPr id="4" name="Picture 3" descr="temp_image3.jpg"/>
-          <p:cNvPicPr>
-            <a:picLocks noChangeAspect="1"/>
-          </p:cNvPicPr>
-          <p:nvPr/>
-        </p:nvPicPr>
-        <p:blipFill>
-          <a:blip r:embed="rId3"/>
-          <a:stretch>
-            <a:fillRect/>
-          </a:stretch>
-        </p:blipFill>
-        <p:spPr>
-          <a:xfrm>
-            <a:off x="108000" y="785160"/>
-            <a:ext cx="9432000" cy="6480000"/>
-          </a:xfrm>
-          <a:prstGeom prst="rect">
-            <a:avLst/>
-          </a:prstGeom>
-        </p:spPr>
-      </p:pic>
-      <p:sp>
-        <p:nvSpPr>
-          <p:cNvPr id="5" name="TextBox 4"/>
-          <p:cNvSpPr txBox="1"/>
-          <p:nvPr/>
-        </p:nvSpPr>
-        <p:spPr>
-          <a:xfrm>
-            <a:off x="108000" y="7380000"/>
-            <a:ext cx="1080000" cy="180000"/>
-          </a:xfrm>
-          <a:prstGeom prst="rect">
-            <a:avLst/>
-          </a:prstGeom>
-          <a:noFill/>
-        </p:spPr>
-        <p:txBody>
-          <a:bodyPr wrap="none">
-            <a:spAutoFit/>
-          </a:bodyPr>
-          <a:lstStyle/>
-          <a:p>
-            <a:pPr algn="l"/>
-            <a:r>
-              <a:rPr b="1" sz="1559">
-                <a:latin typeface="Helvetica"/>
-              </a:rPr>
-              <a:t>Coordenadas:</a:t>
-            </a:r>
-          </a:p>
-        </p:txBody>
-      </p:sp>
-      <p:sp>
-        <p:nvSpPr>
-          <p:cNvPr id="6" name="TextBox 5"/>
-          <p:cNvSpPr txBox="1"/>
-          <p:nvPr/>
-        </p:nvSpPr>
-        <p:spPr>
-          <a:xfrm>
-            <a:off x="1458000" y="7380000"/>
-            <a:ext cx="1800000" cy="216000"/>
-          </a:xfrm>
-          <a:prstGeom prst="rect">
-            <a:avLst/>
-          </a:prstGeom>
-          <a:noFill/>
-        </p:spPr>
-        <p:txBody>
-          <a:bodyPr wrap="none">
-            <a:spAutoFit/>
-          </a:bodyPr>
-          <a:lstStyle/>
-          <a:p>
-            <a:pPr algn="l"/>
-            <a:r>
-              <a:rPr sz="1559">
-                <a:latin typeface="Helvetica"/>
-              </a:rPr>
-              <a:t>-34.4456358  -58.8800081</a:t>
-            </a:r>
-          </a:p>
-        </p:txBody>
-      </p:sp>
-      <p:sp>
-        <p:nvSpPr>
-          <p:cNvPr id="7" name="TextBox 6"/>
-          <p:cNvSpPr txBox="1"/>
-          <p:nvPr/>
-        </p:nvSpPr>
-        <p:spPr>
-          <a:xfrm>
-            <a:off x="6480000" y="7380000"/>
-            <a:ext cx="1080000" cy="180000"/>
-          </a:xfrm>
-          <a:prstGeom prst="rect">
-            <a:avLst/>
-          </a:prstGeom>
-          <a:noFill/>
-        </p:spPr>
-        <p:txBody>
-          <a:bodyPr wrap="none">
-            <a:spAutoFit/>
-          </a:bodyPr>
-          <a:lstStyle/>
-          <a:p>
-            <a:pPr algn="l"/>
-            <a:r>
-              <a:rPr b="1" sz="1559">
-                <a:latin typeface="Helvetica"/>
-              </a:rPr>
-              <a:t>Codigo:</a:t>
-            </a:r>
-          </a:p>
-        </p:txBody>
-      </p:sp>
-      <p:sp>
-        <p:nvSpPr>
-          <p:cNvPr id="8" name="TextBox 7"/>
-          <p:cNvSpPr txBox="1"/>
-          <p:nvPr/>
-        </p:nvSpPr>
-        <p:spPr>
-          <a:xfrm>
-            <a:off x="7272000" y="7380000"/>
-            <a:ext cx="1800000" cy="216000"/>
-          </a:xfrm>
-          <a:prstGeom prst="rect">
-            <a:avLst/>
-          </a:prstGeom>
-          <a:noFill/>
-        </p:spPr>
-        <p:txBody>
-          <a:bodyPr wrap="none">
-            <a:spAutoFit/>
-          </a:bodyPr>
-          <a:lstStyle/>
-          <a:p>
-            <a:pPr algn="l"/>
-            <a:r>
-              <a:rPr sz="1559">
-                <a:latin typeface="Helvetica"/>
-              </a:rPr>
-              <a:t>MSGL55</a:t>
-            </a:r>
-          </a:p>
-        </p:txBody>
-      </p:sp>
-      <p:sp>
-        <p:nvSpPr>
-          <p:cNvPr id="9" name="TextBox 8"/>
-          <p:cNvSpPr txBox="1"/>
-          <p:nvPr/>
-        </p:nvSpPr>
-        <p:spPr>
-          <a:xfrm>
-            <a:off x="9576000" y="720000"/>
-            <a:ext cx="1080000" cy="216000"/>
-          </a:xfrm>
-          <a:prstGeom prst="rect">
-            <a:avLst/>
-          </a:prstGeom>
-          <a:noFill/>
-        </p:spPr>
-        <p:txBody>
-          <a:bodyPr wrap="none">
-            <a:spAutoFit/>
-          </a:bodyPr>
-          <a:lstStyle/>
-          <a:p>
-            <a:pPr algn="l"/>
-            <a:r>
-              <a:rPr b="1" sz="1559">
-                <a:latin typeface="Helvetica"/>
-              </a:rPr>
-              <a:t>Barrio</a:t>
-            </a:r>
-          </a:p>
-        </p:txBody>
-      </p:sp>
-      <p:sp>
-        <p:nvSpPr>
-          <p:cNvPr id="10" name="TextBox 9"/>
-          <p:cNvSpPr txBox="1"/>
-          <p:nvPr/>
-        </p:nvSpPr>
-        <p:spPr>
-          <a:xfrm>
-            <a:off x="9576000" y="990000"/>
-            <a:ext cx="1080000" cy="216000"/>
-          </a:xfrm>
-          <a:prstGeom prst="rect">
-            <a:avLst/>
-          </a:prstGeom>
-          <a:noFill/>
-        </p:spPr>
-        <p:txBody>
-          <a:bodyPr wrap="none">
-            <a:spAutoFit/>
-          </a:bodyPr>
-          <a:lstStyle/>
-          <a:p>
-            <a:pPr algn="l"/>
-            <a:r>
-              <a:rPr sz="1559">
-                <a:latin typeface="Helvetica"/>
-              </a:rPr>
-              <a:t>Pilar</a:t>
-            </a:r>
-          </a:p>
-        </p:txBody>
-      </p:sp>
-      <p:sp>
-        <p:nvSpPr>
-          <p:cNvPr id="11" name="TextBox 10"/>
-          <p:cNvSpPr txBox="1"/>
-          <p:nvPr/>
-        </p:nvSpPr>
-        <p:spPr>
-          <a:xfrm>
-            <a:off x="9576000" y="1332000"/>
-            <a:ext cx="1080000" cy="216000"/>
-          </a:xfrm>
-          <a:prstGeom prst="rect">
-            <a:avLst/>
-          </a:prstGeom>
-          <a:noFill/>
-        </p:spPr>
-        <p:txBody>
-          <a:bodyPr wrap="none">
-            <a:spAutoFit/>
-          </a:bodyPr>
-          <a:lstStyle/>
-          <a:p>
-            <a:pPr algn="l"/>
-            <a:r>
-              <a:rPr b="1" sz="1559">
-                <a:latin typeface="Helvetica"/>
-              </a:rPr>
-              <a:t>Ciudad</a:t>
-            </a:r>
-          </a:p>
-        </p:txBody>
-      </p:sp>
-      <p:sp>
-        <p:nvSpPr>
-          <p:cNvPr id="12" name="TextBox 11"/>
-          <p:cNvSpPr txBox="1"/>
-          <p:nvPr/>
-        </p:nvSpPr>
-        <p:spPr>
-          <a:xfrm>
-            <a:off x="9576000" y="1602000"/>
-            <a:ext cx="1080000" cy="216000"/>
-          </a:xfrm>
-          <a:prstGeom prst="rect">
-            <a:avLst/>
-          </a:prstGeom>
-          <a:noFill/>
-        </p:spPr>
-        <p:txBody>
-          <a:bodyPr wrap="none">
-            <a:spAutoFit/>
-          </a:bodyPr>
-          <a:lstStyle/>
-          <a:p>
-            <a:pPr algn="l"/>
-            <a:r>
-              <a:rPr sz="1559">
-                <a:latin typeface="Helvetica"/>
-              </a:rPr>
-              <a:t>Pilar</a:t>
-            </a:r>
-          </a:p>
-        </p:txBody>
-      </p:sp>
-      <p:sp>
-        <p:nvSpPr>
-          <p:cNvPr id="13" name="TextBox 12"/>
-          <p:cNvSpPr txBox="1"/>
-          <p:nvPr/>
-        </p:nvSpPr>
-        <p:spPr>
-          <a:xfrm>
-            <a:off x="9576000" y="1944000"/>
-            <a:ext cx="1080000" cy="216000"/>
-          </a:xfrm>
-          <a:prstGeom prst="rect">
-            <a:avLst/>
-          </a:prstGeom>
-          <a:noFill/>
-        </p:spPr>
-        <p:txBody>
-          <a:bodyPr wrap="none">
-            <a:spAutoFit/>
-          </a:bodyPr>
-          <a:lstStyle/>
-          <a:p>
-            <a:pPr algn="l"/>
-            <a:r>
-              <a:rPr b="1" sz="1559">
-                <a:latin typeface="Helvetica"/>
-              </a:rPr>
-              <a:t>Formato</a:t>
-            </a:r>
-          </a:p>
-        </p:txBody>
-      </p:sp>
-      <p:sp>
-        <p:nvSpPr>
-          <p:cNvPr id="14" name="TextBox 13"/>
-          <p:cNvSpPr txBox="1"/>
-          <p:nvPr/>
-        </p:nvSpPr>
-        <p:spPr>
-          <a:xfrm>
-            <a:off x="9576000" y="2214000"/>
-            <a:ext cx="1080000" cy="216000"/>
-          </a:xfrm>
-          <a:prstGeom prst="rect">
-            <a:avLst/>
-          </a:prstGeom>
-          <a:noFill/>
-        </p:spPr>
-        <p:txBody>
-          <a:bodyPr wrap="none">
-            <a:spAutoFit/>
-          </a:bodyPr>
-          <a:lstStyle/>
-          <a:p>
-            <a:pPr algn="l"/>
-            <a:r>
-              <a:rPr sz="1559">
-                <a:latin typeface="Helvetica"/>
-              </a:rPr>
-              <a:t>Columna </a:t>
-            </a:r>
-          </a:p>
-        </p:txBody>
-      </p:sp>
-      <p:sp>
-        <p:nvSpPr>
-          <p:cNvPr id="15" name="TextBox 14"/>
-          <p:cNvSpPr txBox="1"/>
-          <p:nvPr/>
-        </p:nvSpPr>
-        <p:spPr>
-          <a:xfrm>
-            <a:off x="13680000" y="7326000"/>
-            <a:ext cx="360000" cy="360000"/>
-          </a:xfrm>
-          <a:prstGeom prst="rect">
-            <a:avLst/>
-          </a:prstGeom>
-          <a:noFill/>
-        </p:spPr>
-        <p:txBody>
-          <a:bodyPr wrap="none">
-            <a:spAutoFit/>
-          </a:bodyPr>
-          <a:lstStyle/>
-          <a:p>
-            <a:pPr algn="ctr"/>
-            <a:r>
-              <a:rPr b="1" sz="1559">
-                <a:solidFill>
-                  <a:srgbClr val="FFFFFF"/>
-                </a:solidFill>
-                <a:latin typeface="Helvetica"/>
-              </a:rPr>
-              <a:t>5</a:t>
-            </a:r>
-          </a:p>
-        </p:txBody>
-      </p:sp>
-    </p:spTree>
-  </p:cSld>
-  <p:clrMapOvr>
-    <a:masterClrMapping/>
-  </p:clrMapOvr>
-</p:sld>
-</file>
-
-<file path=ppt/slides/slide6.xml><?xml version="1.0" encoding="utf-8"?>
-<p:sld xmlns:a="http://schemas.openxmlformats.org/drawingml/2006/main" xmlns:p="http://schemas.openxmlformats.org/presentationml/2006/main" xmlns:r="http://schemas.openxmlformats.org/officeDocument/2006/relationships">
-  <p:cSld>
-    <p:spTree>
-      <p:nvGrpSpPr>
-        <p:cNvPr id="1" name=""/>
-        <p:cNvGrpSpPr/>
-        <p:nvPr/>
-      </p:nvGrpSpPr>
-      <p:grpSpPr/>
-      <p:pic>
-        <p:nvPicPr>
-          <p:cNvPr id="2" name="Picture 1" descr="template_pdf.jpg"/>
-          <p:cNvPicPr>
-            <a:picLocks noChangeAspect="1"/>
-          </p:cNvPicPr>
-          <p:nvPr/>
-        </p:nvPicPr>
-        <p:blipFill>
-          <a:blip r:embed="rId2"/>
-          <a:stretch>
-            <a:fillRect/>
-          </a:stretch>
-        </p:blipFill>
-        <p:spPr>
-          <a:xfrm>
-            <a:off x="0" y="0"/>
-            <a:ext cx="14400000" cy="7920000"/>
-          </a:xfrm>
-          <a:prstGeom prst="rect">
-            <a:avLst/>
-          </a:prstGeom>
-        </p:spPr>
-      </p:pic>
-      <p:sp>
-        <p:nvSpPr>
-          <p:cNvPr id="3" name="TextBox 2"/>
-          <p:cNvSpPr txBox="1"/>
-          <p:nvPr/>
-        </p:nvSpPr>
-        <p:spPr>
-          <a:xfrm>
-            <a:off x="0" y="180000"/>
-            <a:ext cx="13320000" cy="360000"/>
-          </a:xfrm>
-          <a:prstGeom prst="rect">
-            <a:avLst/>
-          </a:prstGeom>
-          <a:noFill/>
-        </p:spPr>
-        <p:txBody>
-          <a:bodyPr wrap="none">
-            <a:spAutoFit/>
-          </a:bodyPr>
-          <a:lstStyle/>
-          <a:p>
-            <a:pPr algn="ctr"/>
-            <a:r>
-              <a:rPr b="1" sz="1984">
-                <a:solidFill>
-                  <a:srgbClr val="FFFFFF"/>
-                </a:solidFill>
-                <a:latin typeface="Helvetica"/>
-              </a:rPr>
-              <a:t>AU. PANAMERICANA KM 51,2 – PILAR (TRÁNSITO
-CABA)</a:t>
-            </a:r>
-          </a:p>
-        </p:txBody>
-      </p:sp>
-      <p:pic>
-        <p:nvPicPr>
-          <p:cNvPr id="4" name="Picture 3" descr="temp_image4.jpg"/>
-          <p:cNvPicPr>
-            <a:picLocks noChangeAspect="1"/>
-          </p:cNvPicPr>
-          <p:nvPr/>
-        </p:nvPicPr>
-        <p:blipFill>
-          <a:blip r:embed="rId3"/>
-          <a:stretch>
-            <a:fillRect/>
-          </a:stretch>
-        </p:blipFill>
-        <p:spPr>
-          <a:xfrm>
-            <a:off x="108000" y="785160"/>
-            <a:ext cx="9432000" cy="6480000"/>
-          </a:xfrm>
-          <a:prstGeom prst="rect">
-            <a:avLst/>
-          </a:prstGeom>
-        </p:spPr>
-      </p:pic>
-      <p:sp>
-        <p:nvSpPr>
-          <p:cNvPr id="5" name="TextBox 4"/>
-          <p:cNvSpPr txBox="1"/>
-          <p:nvPr/>
-        </p:nvSpPr>
-        <p:spPr>
-          <a:xfrm>
-            <a:off x="108000" y="7380000"/>
-            <a:ext cx="1080000" cy="180000"/>
-          </a:xfrm>
-          <a:prstGeom prst="rect">
-            <a:avLst/>
-          </a:prstGeom>
-          <a:noFill/>
-        </p:spPr>
-        <p:txBody>
-          <a:bodyPr wrap="none">
-            <a:spAutoFit/>
-          </a:bodyPr>
-          <a:lstStyle/>
-          <a:p>
-            <a:pPr algn="l"/>
-            <a:r>
-              <a:rPr b="1" sz="1559">
-                <a:latin typeface="Helvetica"/>
-              </a:rPr>
-              <a:t>Coordenadas:</a:t>
-            </a:r>
-          </a:p>
-        </p:txBody>
-      </p:sp>
-      <p:sp>
-        <p:nvSpPr>
-          <p:cNvPr id="6" name="TextBox 5"/>
-          <p:cNvSpPr txBox="1"/>
-          <p:nvPr/>
-        </p:nvSpPr>
-        <p:spPr>
-          <a:xfrm>
-            <a:off x="1458000" y="7380000"/>
-            <a:ext cx="1800000" cy="216000"/>
-          </a:xfrm>
-          <a:prstGeom prst="rect">
-            <a:avLst/>
-          </a:prstGeom>
-          <a:noFill/>
-        </p:spPr>
-        <p:txBody>
-          <a:bodyPr wrap="none">
-            <a:spAutoFit/>
-          </a:bodyPr>
-          <a:lstStyle/>
-          <a:p>
-            <a:pPr algn="l"/>
-            <a:r>
-              <a:rPr sz="1559">
-                <a:latin typeface="Helvetica"/>
-              </a:rPr>
-              <a:t>-34.4456358  -58.8800081</a:t>
-            </a:r>
-          </a:p>
-        </p:txBody>
-      </p:sp>
-      <p:sp>
-        <p:nvSpPr>
-          <p:cNvPr id="7" name="TextBox 6"/>
-          <p:cNvSpPr txBox="1"/>
-          <p:nvPr/>
-        </p:nvSpPr>
-        <p:spPr>
-          <a:xfrm>
-            <a:off x="6480000" y="7380000"/>
-            <a:ext cx="1080000" cy="180000"/>
-          </a:xfrm>
-          <a:prstGeom prst="rect">
-            <a:avLst/>
-          </a:prstGeom>
-          <a:noFill/>
-        </p:spPr>
-        <p:txBody>
-          <a:bodyPr wrap="none">
-            <a:spAutoFit/>
-          </a:bodyPr>
-          <a:lstStyle/>
-          <a:p>
-            <a:pPr algn="l"/>
-            <a:r>
-              <a:rPr b="1" sz="1559">
-                <a:latin typeface="Helvetica"/>
-              </a:rPr>
-              <a:t>Codigo:</a:t>
-            </a:r>
-          </a:p>
-        </p:txBody>
-      </p:sp>
-      <p:sp>
-        <p:nvSpPr>
-          <p:cNvPr id="8" name="TextBox 7"/>
-          <p:cNvSpPr txBox="1"/>
-          <p:nvPr/>
-        </p:nvSpPr>
-        <p:spPr>
-          <a:xfrm>
-            <a:off x="7272000" y="7380000"/>
-            <a:ext cx="1800000" cy="216000"/>
-          </a:xfrm>
-          <a:prstGeom prst="rect">
-            <a:avLst/>
-          </a:prstGeom>
-          <a:noFill/>
-        </p:spPr>
-        <p:txBody>
-          <a:bodyPr wrap="none">
-            <a:spAutoFit/>
-          </a:bodyPr>
-          <a:lstStyle/>
-          <a:p>
-            <a:pPr algn="l"/>
-            <a:r>
-              <a:rPr sz="1559">
-                <a:latin typeface="Helvetica"/>
-              </a:rPr>
-              <a:t>MSGL56</a:t>
-            </a:r>
-          </a:p>
-        </p:txBody>
-      </p:sp>
-      <p:sp>
-        <p:nvSpPr>
-          <p:cNvPr id="9" name="TextBox 8"/>
-          <p:cNvSpPr txBox="1"/>
-          <p:nvPr/>
-        </p:nvSpPr>
-        <p:spPr>
-          <a:xfrm>
-            <a:off x="9576000" y="720000"/>
-            <a:ext cx="1080000" cy="216000"/>
-          </a:xfrm>
-          <a:prstGeom prst="rect">
-            <a:avLst/>
-          </a:prstGeom>
-          <a:noFill/>
-        </p:spPr>
-        <p:txBody>
-          <a:bodyPr wrap="none">
-            <a:spAutoFit/>
-          </a:bodyPr>
-          <a:lstStyle/>
-          <a:p>
-            <a:pPr algn="l"/>
-            <a:r>
-              <a:rPr b="1" sz="1559">
-                <a:latin typeface="Helvetica"/>
-              </a:rPr>
-              <a:t>Barrio</a:t>
-            </a:r>
-          </a:p>
-        </p:txBody>
-      </p:sp>
-      <p:sp>
-        <p:nvSpPr>
-          <p:cNvPr id="10" name="TextBox 9"/>
-          <p:cNvSpPr txBox="1"/>
-          <p:nvPr/>
-        </p:nvSpPr>
-        <p:spPr>
-          <a:xfrm>
-            <a:off x="9576000" y="990000"/>
-            <a:ext cx="1080000" cy="216000"/>
-          </a:xfrm>
-          <a:prstGeom prst="rect">
-            <a:avLst/>
-          </a:prstGeom>
-          <a:noFill/>
-        </p:spPr>
-        <p:txBody>
-          <a:bodyPr wrap="none">
-            <a:spAutoFit/>
-          </a:bodyPr>
-          <a:lstStyle/>
-          <a:p>
-            <a:pPr algn="l"/>
-            <a:r>
-              <a:rPr sz="1559">
-                <a:latin typeface="Helvetica"/>
-              </a:rPr>
-              <a:t>Pilar</a:t>
-            </a:r>
-          </a:p>
-        </p:txBody>
-      </p:sp>
-      <p:sp>
-        <p:nvSpPr>
-          <p:cNvPr id="11" name="TextBox 10"/>
-          <p:cNvSpPr txBox="1"/>
-          <p:nvPr/>
-        </p:nvSpPr>
-        <p:spPr>
-          <a:xfrm>
-            <a:off x="9576000" y="1332000"/>
-            <a:ext cx="1080000" cy="216000"/>
-          </a:xfrm>
-          <a:prstGeom prst="rect">
-            <a:avLst/>
-          </a:prstGeom>
-          <a:noFill/>
-        </p:spPr>
-        <p:txBody>
-          <a:bodyPr wrap="none">
-            <a:spAutoFit/>
-          </a:bodyPr>
-          <a:lstStyle/>
-          <a:p>
-            <a:pPr algn="l"/>
-            <a:r>
-              <a:rPr b="1" sz="1559">
-                <a:latin typeface="Helvetica"/>
-              </a:rPr>
-              <a:t>Ciudad</a:t>
-            </a:r>
-          </a:p>
-        </p:txBody>
-      </p:sp>
-      <p:sp>
-        <p:nvSpPr>
-          <p:cNvPr id="12" name="TextBox 11"/>
-          <p:cNvSpPr txBox="1"/>
-          <p:nvPr/>
-        </p:nvSpPr>
-        <p:spPr>
-          <a:xfrm>
-            <a:off x="9576000" y="1602000"/>
-            <a:ext cx="1080000" cy="216000"/>
-          </a:xfrm>
-          <a:prstGeom prst="rect">
-            <a:avLst/>
-          </a:prstGeom>
-          <a:noFill/>
-        </p:spPr>
-        <p:txBody>
-          <a:bodyPr wrap="none">
-            <a:spAutoFit/>
-          </a:bodyPr>
-          <a:lstStyle/>
-          <a:p>
-            <a:pPr algn="l"/>
-            <a:r>
-              <a:rPr sz="1559">
-                <a:latin typeface="Helvetica"/>
-              </a:rPr>
-              <a:t>Pilar</a:t>
-            </a:r>
-          </a:p>
-        </p:txBody>
-      </p:sp>
-      <p:sp>
-        <p:nvSpPr>
-          <p:cNvPr id="13" name="TextBox 12"/>
-          <p:cNvSpPr txBox="1"/>
-          <p:nvPr/>
-        </p:nvSpPr>
-        <p:spPr>
-          <a:xfrm>
-            <a:off x="9576000" y="1944000"/>
-            <a:ext cx="1080000" cy="216000"/>
-          </a:xfrm>
-          <a:prstGeom prst="rect">
-            <a:avLst/>
-          </a:prstGeom>
-          <a:noFill/>
-        </p:spPr>
-        <p:txBody>
-          <a:bodyPr wrap="none">
-            <a:spAutoFit/>
-          </a:bodyPr>
-          <a:lstStyle/>
-          <a:p>
-            <a:pPr algn="l"/>
-            <a:r>
-              <a:rPr b="1" sz="1559">
-                <a:latin typeface="Helvetica"/>
-              </a:rPr>
-              <a:t>Formato</a:t>
-            </a:r>
-          </a:p>
-        </p:txBody>
-      </p:sp>
-      <p:sp>
-        <p:nvSpPr>
-          <p:cNvPr id="14" name="TextBox 13"/>
-          <p:cNvSpPr txBox="1"/>
-          <p:nvPr/>
-        </p:nvSpPr>
-        <p:spPr>
-          <a:xfrm>
-            <a:off x="9576000" y="2214000"/>
-            <a:ext cx="1080000" cy="216000"/>
-          </a:xfrm>
-          <a:prstGeom prst="rect">
-            <a:avLst/>
-          </a:prstGeom>
-          <a:noFill/>
-        </p:spPr>
-        <p:txBody>
-          <a:bodyPr wrap="none">
-            <a:spAutoFit/>
-          </a:bodyPr>
-          <a:lstStyle/>
-          <a:p>
-            <a:pPr algn="l"/>
-            <a:r>
-              <a:rPr sz="1559">
-                <a:latin typeface="Helvetica"/>
-              </a:rPr>
-              <a:t>Columna </a:t>
-            </a:r>
-          </a:p>
-        </p:txBody>
-      </p:sp>
-      <p:sp>
-        <p:nvSpPr>
-          <p:cNvPr id="15" name="TextBox 14"/>
-          <p:cNvSpPr txBox="1"/>
-          <p:nvPr/>
-        </p:nvSpPr>
-        <p:spPr>
-          <a:xfrm>
-            <a:off x="13680000" y="7326000"/>
-            <a:ext cx="360000" cy="360000"/>
-          </a:xfrm>
-          <a:prstGeom prst="rect">
-            <a:avLst/>
-          </a:prstGeom>
-          <a:noFill/>
-        </p:spPr>
-        <p:txBody>
-          <a:bodyPr wrap="none">
-            <a:spAutoFit/>
-          </a:bodyPr>
-          <a:lstStyle/>
-          <a:p>
-            <a:pPr algn="ctr"/>
-            <a:r>
-              <a:rPr b="1" sz="1559">
-                <a:solidFill>
-                  <a:srgbClr val="FFFFFF"/>
-                </a:solidFill>
-                <a:latin typeface="Helvetica"/>
-              </a:rPr>
-              <a:t>6</a:t>
             </a:r>
           </a:p>
         </p:txBody>
